--- a/WSC85-88_211205.pptx
+++ b/WSC85-88_211205.pptx
@@ -5,7 +5,7 @@
     <p:sldMasterId id="2147483648" r:id="rId1"/>
   </p:sldMasterIdLst>
   <p:notesMasterIdLst>
-    <p:notesMasterId r:id="rId26"/>
+    <p:notesMasterId r:id="rId34"/>
   </p:notesMasterIdLst>
   <p:sldIdLst>
     <p:sldId id="256" r:id="rId2"/>
@@ -32,6 +32,14 @@
     <p:sldId id="428" r:id="rId23"/>
     <p:sldId id="429" r:id="rId24"/>
     <p:sldId id="406" r:id="rId25"/>
+    <p:sldId id="432" r:id="rId26"/>
+    <p:sldId id="433" r:id="rId27"/>
+    <p:sldId id="436" r:id="rId28"/>
+    <p:sldId id="437" r:id="rId29"/>
+    <p:sldId id="438" r:id="rId30"/>
+    <p:sldId id="439" r:id="rId31"/>
+    <p:sldId id="434" r:id="rId32"/>
+    <p:sldId id="435" r:id="rId33"/>
   </p:sldIdLst>
   <p:sldSz cx="12192000" cy="6858000"/>
   <p:notesSz cx="6858000" cy="9144000"/>
@@ -220,7 +228,7 @@
           <a:p>
             <a:fld id="{AF5AD02D-5B64-44C4-B328-4A397A988A49}" type="datetimeFigureOut">
               <a:rPr lang="en-US"/>
-              <a:t>12/3/2021</a:t>
+              <a:t>12/11/2021</a:t>
             </a:fld>
             <a:endParaRPr lang="en-US"/>
           </a:p>
@@ -584,6 +592,220 @@
 </p:notes>
 </file>
 
+<file path=ppt/notesSlides/notesSlide10.xml><?xml version="1.0" encoding="utf-8"?>
+<p:notes xmlns:a="http://schemas.openxmlformats.org/drawingml/2006/main" xmlns:r="http://schemas.openxmlformats.org/officeDocument/2006/relationships" xmlns:p="http://schemas.openxmlformats.org/presentationml/2006/main">
+  <p:cSld>
+    <p:spTree>
+      <p:nvGrpSpPr>
+        <p:cNvPr id="1" name=""/>
+        <p:cNvGrpSpPr/>
+        <p:nvPr/>
+      </p:nvGrpSpPr>
+      <p:grpSpPr>
+        <a:xfrm>
+          <a:off x="0" y="0"/>
+          <a:ext cx="0" cy="0"/>
+          <a:chOff x="0" y="0"/>
+          <a:chExt cx="0" cy="0"/>
+        </a:xfrm>
+      </p:grpSpPr>
+      <p:sp>
+        <p:nvSpPr>
+          <p:cNvPr id="2" name="Slide Image Placeholder 1"/>
+          <p:cNvSpPr>
+            <a:spLocks noGrp="1" noRot="1" noChangeAspect="1" noEditPoints="1"/>
+          </p:cNvSpPr>
+          <p:nvPr>
+            <p:ph type="sldImg"/>
+          </p:nvPr>
+        </p:nvSpPr>
+        <p:spPr>
+          <a:xfrm>
+            <a:off x="685800" y="1143000"/>
+            <a:ext cx="5486400" cy="3086100"/>
+          </a:xfrm>
+          <a:prstGeom prst="rect">
+            <a:avLst/>
+          </a:prstGeom>
+        </p:spPr>
+        <p:txBody>
+          <a:bodyPr/>
+          <a:lstStyle/>
+          <a:p>
+            <a:endParaRPr/>
+          </a:p>
+        </p:txBody>
+      </p:sp>
+      <p:sp>
+        <p:nvSpPr>
+          <p:cNvPr id="3" name="Text Placeholder 2"/>
+          <p:cNvSpPr>
+            <a:spLocks noGrp="1" noEditPoints="1"/>
+          </p:cNvSpPr>
+          <p:nvPr>
+            <p:ph type="body" idx="3"/>
+          </p:nvPr>
+        </p:nvSpPr>
+        <p:spPr>
+          <a:prstGeom prst="rect">
+            <a:avLst/>
+          </a:prstGeom>
+        </p:spPr>
+        <p:txBody>
+          <a:bodyPr/>
+          <a:lstStyle/>
+          <a:p>
+            <a:endParaRPr lang="en-US"/>
+          </a:p>
+        </p:txBody>
+      </p:sp>
+      <p:sp>
+        <p:nvSpPr>
+          <p:cNvPr id="4" name="Slide Number Placeholder 3"/>
+          <p:cNvSpPr>
+            <a:spLocks noGrp="1" noEditPoints="1"/>
+          </p:cNvSpPr>
+          <p:nvPr>
+            <p:ph type="sldNum" sz="quarter" idx="5"/>
+          </p:nvPr>
+        </p:nvSpPr>
+        <p:spPr>
+          <a:prstGeom prst="rect">
+            <a:avLst/>
+          </a:prstGeom>
+        </p:spPr>
+        <p:txBody>
+          <a:bodyPr/>
+          <a:lstStyle/>
+          <a:p>
+            <a:fld id="{EFD74D62-D73B-4690-B210-E83862395C1B}" type="slidenum">
+              <a:rPr lang="en-US" smtClean="0"/>
+              <a:t>31</a:t>
+            </a:fld>
+            <a:endParaRPr lang="en-US"/>
+          </a:p>
+        </p:txBody>
+      </p:sp>
+    </p:spTree>
+    <p:extLst>
+      <p:ext uri="{BB962C8B-B14F-4D97-AF65-F5344CB8AC3E}">
+        <p14:creationId xmlns:p14="http://schemas.microsoft.com/office/powerpoint/2010/main" val="3303302437"/>
+      </p:ext>
+    </p:extLst>
+  </p:cSld>
+  <p:clrMapOvr>
+    <a:masterClrMapping/>
+  </p:clrMapOvr>
+</p:notes>
+</file>
+
+<file path=ppt/notesSlides/notesSlide11.xml><?xml version="1.0" encoding="utf-8"?>
+<p:notes xmlns:a="http://schemas.openxmlformats.org/drawingml/2006/main" xmlns:r="http://schemas.openxmlformats.org/officeDocument/2006/relationships" xmlns:p="http://schemas.openxmlformats.org/presentationml/2006/main">
+  <p:cSld>
+    <p:spTree>
+      <p:nvGrpSpPr>
+        <p:cNvPr id="1" name=""/>
+        <p:cNvGrpSpPr/>
+        <p:nvPr/>
+      </p:nvGrpSpPr>
+      <p:grpSpPr>
+        <a:xfrm>
+          <a:off x="0" y="0"/>
+          <a:ext cx="0" cy="0"/>
+          <a:chOff x="0" y="0"/>
+          <a:chExt cx="0" cy="0"/>
+        </a:xfrm>
+      </p:grpSpPr>
+      <p:sp>
+        <p:nvSpPr>
+          <p:cNvPr id="2" name="Slide Image Placeholder 1"/>
+          <p:cNvSpPr>
+            <a:spLocks noGrp="1" noRot="1" noChangeAspect="1" noEditPoints="1"/>
+          </p:cNvSpPr>
+          <p:nvPr>
+            <p:ph type="sldImg"/>
+          </p:nvPr>
+        </p:nvSpPr>
+        <p:spPr>
+          <a:xfrm>
+            <a:off x="685800" y="1143000"/>
+            <a:ext cx="5486400" cy="3086100"/>
+          </a:xfrm>
+          <a:prstGeom prst="rect">
+            <a:avLst/>
+          </a:prstGeom>
+        </p:spPr>
+        <p:txBody>
+          <a:bodyPr/>
+          <a:lstStyle/>
+          <a:p>
+            <a:endParaRPr/>
+          </a:p>
+        </p:txBody>
+      </p:sp>
+      <p:sp>
+        <p:nvSpPr>
+          <p:cNvPr id="3" name="Text Placeholder 2"/>
+          <p:cNvSpPr>
+            <a:spLocks noGrp="1" noEditPoints="1"/>
+          </p:cNvSpPr>
+          <p:nvPr>
+            <p:ph type="body" idx="3"/>
+          </p:nvPr>
+        </p:nvSpPr>
+        <p:spPr>
+          <a:prstGeom prst="rect">
+            <a:avLst/>
+          </a:prstGeom>
+        </p:spPr>
+        <p:txBody>
+          <a:bodyPr/>
+          <a:lstStyle/>
+          <a:p>
+            <a:endParaRPr lang="en-US"/>
+          </a:p>
+        </p:txBody>
+      </p:sp>
+      <p:sp>
+        <p:nvSpPr>
+          <p:cNvPr id="4" name="Slide Number Placeholder 3"/>
+          <p:cNvSpPr>
+            <a:spLocks noGrp="1" noEditPoints="1"/>
+          </p:cNvSpPr>
+          <p:nvPr>
+            <p:ph type="sldNum" sz="quarter" idx="5"/>
+          </p:nvPr>
+        </p:nvSpPr>
+        <p:spPr>
+          <a:prstGeom prst="rect">
+            <a:avLst/>
+          </a:prstGeom>
+        </p:spPr>
+        <p:txBody>
+          <a:bodyPr/>
+          <a:lstStyle/>
+          <a:p>
+            <a:fld id="{A6A04EB3-A312-4B17-B5CE-355FB7432F6A}" type="slidenum">
+              <a:rPr lang="en-US" smtClean="0"/>
+              <a:t>32</a:t>
+            </a:fld>
+            <a:endParaRPr lang="en-US"/>
+          </a:p>
+        </p:txBody>
+      </p:sp>
+    </p:spTree>
+    <p:extLst>
+      <p:ext uri="{BB962C8B-B14F-4D97-AF65-F5344CB8AC3E}">
+        <p14:creationId xmlns:p14="http://schemas.microsoft.com/office/powerpoint/2010/main" val="2437831934"/>
+      </p:ext>
+    </p:extLst>
+  </p:cSld>
+  <p:clrMapOvr>
+    <a:masterClrMapping/>
+  </p:clrMapOvr>
+</p:notes>
+</file>
+
 <file path=ppt/notesSlides/notesSlide2.xml><?xml version="1.0" encoding="utf-8"?>
 <p:notes xmlns:a="http://schemas.openxmlformats.org/drawingml/2006/main" xmlns:r="http://schemas.openxmlformats.org/officeDocument/2006/relationships" xmlns:p="http://schemas.openxmlformats.org/presentationml/2006/main">
   <p:cSld>
@@ -1197,6 +1419,220 @@
     <p:extLst>
       <p:ext uri="{BB962C8B-B14F-4D97-AF65-F5344CB8AC3E}">
         <p14:creationId xmlns:p14="http://schemas.microsoft.com/office/powerpoint/2010/main" val="3410471732"/>
+      </p:ext>
+    </p:extLst>
+  </p:cSld>
+  <p:clrMapOvr>
+    <a:masterClrMapping/>
+  </p:clrMapOvr>
+</p:notes>
+</file>
+
+<file path=ppt/notesSlides/notesSlide8.xml><?xml version="1.0" encoding="utf-8"?>
+<p:notes xmlns:a="http://schemas.openxmlformats.org/drawingml/2006/main" xmlns:r="http://schemas.openxmlformats.org/officeDocument/2006/relationships" xmlns:p="http://schemas.openxmlformats.org/presentationml/2006/main">
+  <p:cSld>
+    <p:spTree>
+      <p:nvGrpSpPr>
+        <p:cNvPr id="1" name=""/>
+        <p:cNvGrpSpPr/>
+        <p:nvPr/>
+      </p:nvGrpSpPr>
+      <p:grpSpPr>
+        <a:xfrm>
+          <a:off x="0" y="0"/>
+          <a:ext cx="0" cy="0"/>
+          <a:chOff x="0" y="0"/>
+          <a:chExt cx="0" cy="0"/>
+        </a:xfrm>
+      </p:grpSpPr>
+      <p:sp>
+        <p:nvSpPr>
+          <p:cNvPr id="2" name="Slide Image Placeholder 1"/>
+          <p:cNvSpPr>
+            <a:spLocks noGrp="1" noRot="1" noChangeAspect="1" noEditPoints="1"/>
+          </p:cNvSpPr>
+          <p:nvPr>
+            <p:ph type="sldImg"/>
+          </p:nvPr>
+        </p:nvSpPr>
+        <p:spPr>
+          <a:xfrm>
+            <a:off x="685800" y="1143000"/>
+            <a:ext cx="5486400" cy="3086100"/>
+          </a:xfrm>
+          <a:prstGeom prst="rect">
+            <a:avLst/>
+          </a:prstGeom>
+        </p:spPr>
+        <p:txBody>
+          <a:bodyPr/>
+          <a:lstStyle/>
+          <a:p>
+            <a:endParaRPr/>
+          </a:p>
+        </p:txBody>
+      </p:sp>
+      <p:sp>
+        <p:nvSpPr>
+          <p:cNvPr id="3" name="Text Placeholder 2"/>
+          <p:cNvSpPr>
+            <a:spLocks noGrp="1" noEditPoints="1"/>
+          </p:cNvSpPr>
+          <p:nvPr>
+            <p:ph type="body" idx="3"/>
+          </p:nvPr>
+        </p:nvSpPr>
+        <p:spPr>
+          <a:prstGeom prst="rect">
+            <a:avLst/>
+          </a:prstGeom>
+        </p:spPr>
+        <p:txBody>
+          <a:bodyPr/>
+          <a:lstStyle/>
+          <a:p>
+            <a:endParaRPr lang="en-US"/>
+          </a:p>
+        </p:txBody>
+      </p:sp>
+      <p:sp>
+        <p:nvSpPr>
+          <p:cNvPr id="4" name="Slide Number Placeholder 3"/>
+          <p:cNvSpPr>
+            <a:spLocks noGrp="1" noEditPoints="1"/>
+          </p:cNvSpPr>
+          <p:nvPr>
+            <p:ph type="sldNum" sz="quarter" idx="5"/>
+          </p:nvPr>
+        </p:nvSpPr>
+        <p:spPr>
+          <a:prstGeom prst="rect">
+            <a:avLst/>
+          </a:prstGeom>
+        </p:spPr>
+        <p:txBody>
+          <a:bodyPr/>
+          <a:lstStyle/>
+          <a:p>
+            <a:fld id="{EFD74D62-D73B-4690-B210-E83862395C1B}" type="slidenum">
+              <a:rPr lang="en-US" smtClean="0"/>
+              <a:t>25</a:t>
+            </a:fld>
+            <a:endParaRPr lang="en-US"/>
+          </a:p>
+        </p:txBody>
+      </p:sp>
+    </p:spTree>
+    <p:extLst>
+      <p:ext uri="{BB962C8B-B14F-4D97-AF65-F5344CB8AC3E}">
+        <p14:creationId xmlns:p14="http://schemas.microsoft.com/office/powerpoint/2010/main" val="3343847194"/>
+      </p:ext>
+    </p:extLst>
+  </p:cSld>
+  <p:clrMapOvr>
+    <a:masterClrMapping/>
+  </p:clrMapOvr>
+</p:notes>
+</file>
+
+<file path=ppt/notesSlides/notesSlide9.xml><?xml version="1.0" encoding="utf-8"?>
+<p:notes xmlns:a="http://schemas.openxmlformats.org/drawingml/2006/main" xmlns:r="http://schemas.openxmlformats.org/officeDocument/2006/relationships" xmlns:p="http://schemas.openxmlformats.org/presentationml/2006/main">
+  <p:cSld>
+    <p:spTree>
+      <p:nvGrpSpPr>
+        <p:cNvPr id="1" name=""/>
+        <p:cNvGrpSpPr/>
+        <p:nvPr/>
+      </p:nvGrpSpPr>
+      <p:grpSpPr>
+        <a:xfrm>
+          <a:off x="0" y="0"/>
+          <a:ext cx="0" cy="0"/>
+          <a:chOff x="0" y="0"/>
+          <a:chExt cx="0" cy="0"/>
+        </a:xfrm>
+      </p:grpSpPr>
+      <p:sp>
+        <p:nvSpPr>
+          <p:cNvPr id="2" name="Slide Image Placeholder 1"/>
+          <p:cNvSpPr>
+            <a:spLocks noGrp="1" noRot="1" noChangeAspect="1" noEditPoints="1"/>
+          </p:cNvSpPr>
+          <p:nvPr>
+            <p:ph type="sldImg"/>
+          </p:nvPr>
+        </p:nvSpPr>
+        <p:spPr>
+          <a:xfrm>
+            <a:off x="685800" y="1143000"/>
+            <a:ext cx="5486400" cy="3086100"/>
+          </a:xfrm>
+          <a:prstGeom prst="rect">
+            <a:avLst/>
+          </a:prstGeom>
+        </p:spPr>
+        <p:txBody>
+          <a:bodyPr/>
+          <a:lstStyle/>
+          <a:p>
+            <a:endParaRPr/>
+          </a:p>
+        </p:txBody>
+      </p:sp>
+      <p:sp>
+        <p:nvSpPr>
+          <p:cNvPr id="3" name="Text Placeholder 2"/>
+          <p:cNvSpPr>
+            <a:spLocks noGrp="1" noEditPoints="1"/>
+          </p:cNvSpPr>
+          <p:nvPr>
+            <p:ph type="body" idx="3"/>
+          </p:nvPr>
+        </p:nvSpPr>
+        <p:spPr>
+          <a:prstGeom prst="rect">
+            <a:avLst/>
+          </a:prstGeom>
+        </p:spPr>
+        <p:txBody>
+          <a:bodyPr/>
+          <a:lstStyle/>
+          <a:p>
+            <a:endParaRPr lang="en-US"/>
+          </a:p>
+        </p:txBody>
+      </p:sp>
+      <p:sp>
+        <p:nvSpPr>
+          <p:cNvPr id="4" name="Slide Number Placeholder 3"/>
+          <p:cNvSpPr>
+            <a:spLocks noGrp="1" noEditPoints="1"/>
+          </p:cNvSpPr>
+          <p:nvPr>
+            <p:ph type="sldNum" sz="quarter" idx="5"/>
+          </p:nvPr>
+        </p:nvSpPr>
+        <p:spPr>
+          <a:prstGeom prst="rect">
+            <a:avLst/>
+          </a:prstGeom>
+        </p:spPr>
+        <p:txBody>
+          <a:bodyPr/>
+          <a:lstStyle/>
+          <a:p>
+            <a:fld id="{A6A04EB3-A312-4B17-B5CE-355FB7432F6A}" type="slidenum">
+              <a:rPr lang="en-US" smtClean="0"/>
+              <a:t>26</a:t>
+            </a:fld>
+            <a:endParaRPr lang="en-US"/>
+          </a:p>
+        </p:txBody>
+      </p:sp>
+    </p:spTree>
+    <p:extLst>
+      <p:ext uri="{BB962C8B-B14F-4D97-AF65-F5344CB8AC3E}">
+        <p14:creationId xmlns:p14="http://schemas.microsoft.com/office/powerpoint/2010/main" val="4284688890"/>
       </p:ext>
     </p:extLst>
   </p:cSld>
@@ -1336,7 +1772,7 @@
           <a:p>
             <a:fld id="{846CE7D5-CF57-46EF-B807-FDD0502418D4}" type="datetimeFigureOut">
               <a:rPr lang="en-US" smtClean="0"/>
-              <a:t>12/3/2021</a:t>
+              <a:t>12/11/2021</a:t>
             </a:fld>
             <a:endParaRPr lang="en-US"/>
           </a:p>
@@ -1499,7 +1935,7 @@
           <a:p>
             <a:fld id="{846CE7D5-CF57-46EF-B807-FDD0502418D4}" type="datetimeFigureOut">
               <a:rPr lang="en-US" smtClean="0"/>
-              <a:t>12/3/2021</a:t>
+              <a:t>12/11/2021</a:t>
             </a:fld>
             <a:endParaRPr lang="en-US"/>
           </a:p>
@@ -1672,7 +2108,7 @@
           <a:p>
             <a:fld id="{846CE7D5-CF57-46EF-B807-FDD0502418D4}" type="datetimeFigureOut">
               <a:rPr lang="en-US" smtClean="0"/>
-              <a:t>12/3/2021</a:t>
+              <a:t>12/11/2021</a:t>
             </a:fld>
             <a:endParaRPr lang="en-US"/>
           </a:p>
@@ -1835,7 +2271,7 @@
           <a:p>
             <a:fld id="{846CE7D5-CF57-46EF-B807-FDD0502418D4}" type="datetimeFigureOut">
               <a:rPr lang="en-US" smtClean="0"/>
-              <a:t>12/3/2021</a:t>
+              <a:t>12/11/2021</a:t>
             </a:fld>
             <a:endParaRPr lang="en-US"/>
           </a:p>
@@ -2075,7 +2511,7 @@
           <a:p>
             <a:fld id="{846CE7D5-CF57-46EF-B807-FDD0502418D4}" type="datetimeFigureOut">
               <a:rPr lang="en-US" smtClean="0"/>
-              <a:t>12/3/2021</a:t>
+              <a:t>12/11/2021</a:t>
             </a:fld>
             <a:endParaRPr lang="en-US"/>
           </a:p>
@@ -2299,7 +2735,7 @@
           <a:p>
             <a:fld id="{846CE7D5-CF57-46EF-B807-FDD0502418D4}" type="datetimeFigureOut">
               <a:rPr lang="en-US" smtClean="0"/>
-              <a:t>12/3/2021</a:t>
+              <a:t>12/11/2021</a:t>
             </a:fld>
             <a:endParaRPr lang="en-US"/>
           </a:p>
@@ -2658,7 +3094,7 @@
           <a:p>
             <a:fld id="{846CE7D5-CF57-46EF-B807-FDD0502418D4}" type="datetimeFigureOut">
               <a:rPr lang="en-US" smtClean="0"/>
-              <a:t>12/3/2021</a:t>
+              <a:t>12/11/2021</a:t>
             </a:fld>
             <a:endParaRPr lang="en-US"/>
           </a:p>
@@ -2770,7 +3206,7 @@
           <a:p>
             <a:fld id="{846CE7D5-CF57-46EF-B807-FDD0502418D4}" type="datetimeFigureOut">
               <a:rPr lang="en-US" smtClean="0"/>
-              <a:t>12/3/2021</a:t>
+              <a:t>12/11/2021</a:t>
             </a:fld>
             <a:endParaRPr lang="en-US"/>
           </a:p>
@@ -2860,7 +3296,7 @@
           <a:p>
             <a:fld id="{846CE7D5-CF57-46EF-B807-FDD0502418D4}" type="datetimeFigureOut">
               <a:rPr lang="en-US" smtClean="0"/>
-              <a:t>12/3/2021</a:t>
+              <a:t>12/11/2021</a:t>
             </a:fld>
             <a:endParaRPr lang="en-US"/>
           </a:p>
@@ -3130,7 +3566,7 @@
           <a:p>
             <a:fld id="{846CE7D5-CF57-46EF-B807-FDD0502418D4}" type="datetimeFigureOut">
               <a:rPr lang="en-US" smtClean="0"/>
-              <a:t>12/3/2021</a:t>
+              <a:t>12/11/2021</a:t>
             </a:fld>
             <a:endParaRPr lang="en-US"/>
           </a:p>
@@ -3381,7 +3817,7 @@
           <a:p>
             <a:fld id="{846CE7D5-CF57-46EF-B807-FDD0502418D4}" type="datetimeFigureOut">
               <a:rPr lang="en-US" smtClean="0"/>
-              <a:t>12/3/2021</a:t>
+              <a:t>12/11/2021</a:t>
             </a:fld>
             <a:endParaRPr lang="en-US"/>
           </a:p>
@@ -3587,7 +4023,7 @@
           <a:p>
             <a:fld id="{846CE7D5-CF57-46EF-B807-FDD0502418D4}" type="datetimeFigureOut">
               <a:rPr lang="en-US" smtClean="0"/>
-              <a:t>12/3/2021</a:t>
+              <a:t>12/11/2021</a:t>
             </a:fld>
             <a:endParaRPr lang="en-US"/>
           </a:p>
@@ -4205,7 +4641,7 @@
               <a:rPr lang="en-US" dirty="0">
                 <a:cs typeface="Calibri" panose="020F0502020204030204"/>
               </a:rPr>
-              <a:t>December 5+12, 2021</a:t>
+              <a:t>December 12+19, 2021</a:t>
             </a:r>
           </a:p>
           <a:p>
@@ -4438,28 +4874,36 @@
           <a:p>
             <a:r>
               <a:rPr lang="en-US" dirty="0"/>
-              <a:t>Faith has three steps, and all must be present to constitute true faith</a:t>
+              <a:t>Faith has three levels, and all must be present to constitute true faith</a:t>
             </a:r>
           </a:p>
           <a:p>
             <a:pPr lvl="1"/>
             <a:r>
               <a:rPr lang="en-US" dirty="0"/>
-              <a:t>Factual knowledge</a:t>
+              <a:t>Factual knowledge (notitia)</a:t>
             </a:r>
           </a:p>
           <a:p>
             <a:pPr lvl="1"/>
             <a:r>
               <a:rPr lang="en-US" dirty="0"/>
-              <a:t>Assent</a:t>
+              <a:t>Assent (</a:t>
+            </a:r>
+            <a:r>
+              <a:rPr lang="en-US" dirty="0" err="1"/>
+              <a:t>assensus</a:t>
+            </a:r>
+            <a:r>
+              <a:rPr lang="en-US" dirty="0"/>
+              <a:t>)</a:t>
             </a:r>
           </a:p>
           <a:p>
             <a:pPr lvl="1"/>
             <a:r>
               <a:rPr lang="en-US" dirty="0"/>
-              <a:t>Trust</a:t>
+              <a:t>Trust (fiducia)</a:t>
             </a:r>
           </a:p>
           <a:p>
@@ -4914,14 +5358,7 @@
             <a:pPr lvl="1"/>
             <a:r>
               <a:rPr lang="en-US" dirty="0"/>
-              <a:t>A great stumbling block nowadays to faith is evolutionism</a:t>
-            </a:r>
-          </a:p>
-          <a:p>
-            <a:pPr lvl="1"/>
-            <a:r>
-              <a:rPr lang="en-US" dirty="0"/>
-              <a:t>But faith is not merely assent to the teachings pf the church (Rome)</a:t>
+              <a:t>Faith is not merely assent to the teachings pf the church (Rome)</a:t>
             </a:r>
           </a:p>
           <a:p>
@@ -4932,6 +5369,13 @@
             </a:r>
           </a:p>
           <a:p>
+            <a:pPr lvl="1"/>
+            <a:r>
+              <a:rPr lang="en-US" dirty="0"/>
+              <a:t>A great stumbling block nowadays to faith is evolutionism</a:t>
+            </a:r>
+          </a:p>
+          <a:p>
             <a:r>
               <a:rPr lang="en-US" u="sng" dirty="0"/>
               <a:t>Receiving Christ</a:t>
@@ -4945,7 +5389,7 @@
             <a:pPr lvl="1"/>
             <a:r>
               <a:rPr lang="en-US" dirty="0"/>
-              <a:t>It is putting one’s trust in Christ (fiducia)</a:t>
+              <a:t>It is putting one’s trust in Christ</a:t>
             </a:r>
           </a:p>
           <a:p>
@@ -5452,9 +5896,24 @@
             </a:r>
           </a:p>
           <a:p>
+            <a:pPr lvl="1"/>
             <a:r>
               <a:rPr lang="en-US" dirty="0"/>
-              <a:t>Remember Ephesians 2:8-9 says that faith is not of ourselves. </a:t>
+              <a:t>A life of “evangelical obedience”</a:t>
+            </a:r>
+          </a:p>
+          <a:p>
+            <a:r>
+              <a:rPr lang="en-US" dirty="0"/>
+              <a:t>But remember Ephesians 2:8-9 says that faith is </a:t>
+            </a:r>
+            <a:r>
+              <a:rPr lang="en-US" i="1" dirty="0"/>
+              <a:t>not of ourselves</a:t>
+            </a:r>
+            <a:r>
+              <a:rPr lang="en-US" dirty="0"/>
+              <a:t>. </a:t>
             </a:r>
           </a:p>
           <a:p>
@@ -5742,6 +6201,55 @@
                       </p:childTnLst>
                     </p:cTn>
                   </p:par>
+                  <p:par>
+                    <p:cTn id="23" fill="hold">
+                      <p:stCondLst>
+                        <p:cond delay="indefinite"/>
+                      </p:stCondLst>
+                      <p:childTnLst>
+                        <p:par>
+                          <p:cTn id="24" fill="hold">
+                            <p:stCondLst>
+                              <p:cond delay="0"/>
+                            </p:stCondLst>
+                            <p:childTnLst>
+                              <p:par>
+                                <p:cTn id="25" presetID="1" presetClass="entr" presetSubtype="0" fill="hold" nodeType="clickEffect">
+                                  <p:stCondLst>
+                                    <p:cond delay="0"/>
+                                  </p:stCondLst>
+                                  <p:childTnLst>
+                                    <p:set>
+                                      <p:cBhvr>
+                                        <p:cTn id="26" dur="1" fill="hold">
+                                          <p:stCondLst>
+                                            <p:cond delay="0"/>
+                                          </p:stCondLst>
+                                        </p:cTn>
+                                        <p:tgtEl>
+                                          <p:spTgt spid="3">
+                                            <p:txEl>
+                                              <p:pRg st="6" end="6"/>
+                                            </p:txEl>
+                                          </p:spTgt>
+                                        </p:tgtEl>
+                                        <p:attrNameLst>
+                                          <p:attrName>style.visibility</p:attrName>
+                                        </p:attrNameLst>
+                                      </p:cBhvr>
+                                      <p:to>
+                                        <p:strVal val="visible"/>
+                                      </p:to>
+                                    </p:set>
+                                  </p:childTnLst>
+                                </p:cTn>
+                              </p:par>
+                            </p:childTnLst>
+                          </p:cTn>
+                        </p:par>
+                      </p:childTnLst>
+                    </p:cTn>
+                  </p:par>
                 </p:childTnLst>
               </p:cTn>
               <p:prevCondLst>
@@ -5968,7 +6476,19 @@
           <a:p>
             <a:r>
               <a:rPr lang="en-US" dirty="0"/>
-              <a:t>Faith is only the beginning of repentance and sanctification</a:t>
+              <a:t>Faith is only the beginning of </a:t>
+            </a:r>
+            <a:r>
+              <a:rPr lang="en-US" u="sng" dirty="0"/>
+              <a:t>repentance</a:t>
+            </a:r>
+            <a:r>
+              <a:rPr lang="en-US" dirty="0"/>
+              <a:t> and </a:t>
+            </a:r>
+            <a:r>
+              <a:rPr lang="en-US" u="sng" dirty="0"/>
+              <a:t>sanctification</a:t>
             </a:r>
           </a:p>
           <a:p>
@@ -6083,7 +6603,7 @@
         </p:spPr>
         <p:txBody>
           <a:bodyPr>
-            <a:normAutofit lnSpcReduction="10000"/>
+            <a:normAutofit fontScale="92500"/>
           </a:bodyPr>
           <a:lstStyle/>
           <a:p>
@@ -6136,7 +6656,7 @@
           <a:p>
             <a:r>
               <a:rPr lang="en-US" dirty="0"/>
-              <a:t>A newborn is an approximation and may not reflect true faith 100%</a:t>
+              <a:t>The image of a  newborn may not reflect true faith 100%</a:t>
             </a:r>
           </a:p>
           <a:p>
@@ -6150,7 +6670,15 @@
             </a:r>
             <a:r>
               <a:rPr lang="en-US" dirty="0"/>
-              <a:t>, but rather by faith: “Now faith is the substance of things hoped for, </a:t>
+              <a:t>, but rather </a:t>
+            </a:r>
+            <a:r>
+              <a:rPr lang="en-US" b="1" dirty="0"/>
+              <a:t>by faith</a:t>
+            </a:r>
+            <a:r>
+              <a:rPr lang="en-US" dirty="0"/>
+              <a:t>: “Now faith is the substance of things hoped for, </a:t>
             </a:r>
             <a:r>
               <a:rPr lang="en-US" i="1" dirty="0"/>
@@ -6185,7 +6713,7 @@
             </a:r>
             <a:r>
               <a:rPr lang="en-US" dirty="0"/>
-              <a:t> did not understand many things Jesus said!</a:t>
+              <a:t> did not understand for a long time what Jesus said!</a:t>
             </a:r>
           </a:p>
         </p:txBody>
@@ -6584,7 +7112,7 @@
         </p:spPr>
         <p:txBody>
           <a:bodyPr>
-            <a:normAutofit lnSpcReduction="10000"/>
+            <a:normAutofit/>
           </a:bodyPr>
           <a:lstStyle/>
           <a:p>
@@ -6614,31 +7142,31 @@
           </a:p>
           <a:p>
             <a:r>
-              <a:rPr lang="en-US" dirty="0"/>
+              <a:rPr lang="en-US" sz="2600" dirty="0"/>
               <a:t>And he said, “While the child was alive, I fasted and wept; for I said, ‘Who can tell whether the </a:t>
             </a:r>
             <a:r>
-              <a:rPr lang="en-US" cap="small" dirty="0">
+              <a:rPr lang="en-US" sz="2600" cap="small" dirty="0">
                 <a:effectLst/>
               </a:rPr>
               <a:t>Lord</a:t>
             </a:r>
             <a:r>
-              <a:rPr lang="en-US" dirty="0"/>
+              <a:rPr lang="en-US" sz="2600" dirty="0"/>
               <a:t> will be gracious to me, that the child may live?’ But now he is dead; why should I fast? Can I bring him back again? </a:t>
             </a:r>
             <a:r>
-              <a:rPr lang="en-US" b="1" dirty="0"/>
+              <a:rPr lang="en-US" sz="2600" b="1" dirty="0"/>
               <a:t>I shall go to him</a:t>
             </a:r>
             <a:r>
-              <a:rPr lang="en-US" dirty="0"/>
+              <a:rPr lang="en-US" sz="2600" dirty="0"/>
               <a:t>, but he shall not return to me.” (2Samuel 12:22-23)</a:t>
             </a:r>
           </a:p>
           <a:p>
             <a:r>
-              <a:rPr lang="en-US" dirty="0"/>
+              <a:rPr lang="en-US" sz="2600" dirty="0"/>
               <a:t>Apparently the baby was saved, since King David would go to where he was.</a:t>
             </a:r>
           </a:p>
@@ -8983,7 +9511,7 @@
             <a:pPr lvl="1"/>
             <a:r>
               <a:rPr lang="en-US" dirty="0"/>
-              <a:t>One hears the good news, understands it accepts it and then also acts upon it (all three elements are present)</a:t>
+              <a:t>One hears the good news, understands it accepts it and then also acts upon it (all three levels are present: knowledge, assent, trust)</a:t>
             </a:r>
           </a:p>
           <a:p>
@@ -10617,7 +11145,7 @@
             <a:pPr lvl="1"/>
             <a:r>
               <a:rPr lang="en-US" dirty="0"/>
-              <a:t>Our own idea of what a good work is</a:t>
+              <a:t>Our own idea</a:t>
             </a:r>
           </a:p>
           <a:p>
@@ -10629,9 +11157,18 @@
           </a:p>
           <a:p>
             <a:r>
+              <a:rPr lang="en-US" b="1" dirty="0"/>
+              <a:t>Compare Genesis 15:6 and Genesis 22</a:t>
+            </a:r>
+            <a:r>
               <a:rPr lang="en-US" dirty="0"/>
-              <a:t>Compare Genesis 15:6 and Genesis 22: Abraham had faith and it was accredited to him as righteousness, but his faith showed forth in good works</a:t>
-            </a:r>
+              <a:t>: Abraham had faith and it was accredited to him as righteousness, but his faith showed forth in good works (that he was ready to </a:t>
+            </a:r>
+            <a:r>
+              <a:rPr lang="en-US"/>
+              <a:t>even sacrifice his only son)</a:t>
+            </a:r>
+            <a:endParaRPr lang="en-US" dirty="0"/>
           </a:p>
         </p:txBody>
       </p:sp>
@@ -11564,6 +12101,1694 @@
 </p:sld>
 </file>
 
+<file path=ppt/slides/slide25.xml><?xml version="1.0" encoding="utf-8"?>
+<p:sld xmlns:a="http://schemas.openxmlformats.org/drawingml/2006/main" xmlns:r="http://schemas.openxmlformats.org/officeDocument/2006/relationships" xmlns:p="http://schemas.openxmlformats.org/presentationml/2006/main">
+  <p:cSld>
+    <p:spTree>
+      <p:nvGrpSpPr>
+        <p:cNvPr id="1" name=""/>
+        <p:cNvGrpSpPr/>
+        <p:nvPr/>
+      </p:nvGrpSpPr>
+      <p:grpSpPr>
+        <a:xfrm>
+          <a:off x="0" y="0"/>
+          <a:ext cx="0" cy="0"/>
+          <a:chOff x="0" y="0"/>
+          <a:chExt cx="0" cy="0"/>
+        </a:xfrm>
+      </p:grpSpPr>
+      <p:sp>
+        <p:nvSpPr>
+          <p:cNvPr id="2" name="Title 1"/>
+          <p:cNvSpPr>
+            <a:spLocks noGrp="1" noEditPoints="1"/>
+          </p:cNvSpPr>
+          <p:nvPr>
+            <p:ph type="title"/>
+          </p:nvPr>
+        </p:nvSpPr>
+        <p:spPr/>
+        <p:txBody>
+          <a:bodyPr/>
+          <a:lstStyle/>
+          <a:p>
+            <a:pPr algn="ctr"/>
+            <a:r>
+              <a:rPr lang="en-US" b="1" dirty="0">
+                <a:latin typeface="Bookman Old Style"/>
+                <a:cs typeface="Calibri Light" panose="020F0302020204030204"/>
+              </a:rPr>
+              <a:t>Question #8</a:t>
+            </a:r>
+            <a:r>
+              <a:rPr lang="hu-HU" b="1" dirty="0">
+                <a:latin typeface="Bookman Old Style"/>
+                <a:cs typeface="Calibri Light" panose="020F0302020204030204"/>
+              </a:rPr>
+              <a:t>5</a:t>
+            </a:r>
+            <a:endParaRPr lang="en-US" b="1" dirty="0">
+              <a:latin typeface="Bookman Old Style"/>
+            </a:endParaRPr>
+          </a:p>
+        </p:txBody>
+      </p:sp>
+      <p:sp>
+        <p:nvSpPr>
+          <p:cNvPr id="3" name="Content Placeholder 2"/>
+          <p:cNvSpPr>
+            <a:spLocks noGrp="1" noEditPoints="1"/>
+          </p:cNvSpPr>
+          <p:nvPr>
+            <p:ph idx="1"/>
+          </p:nvPr>
+        </p:nvSpPr>
+        <p:spPr>
+          <a:xfrm>
+            <a:off x="1026942" y="1690688"/>
+            <a:ext cx="10086535" cy="4486275"/>
+          </a:xfrm>
+        </p:spPr>
+        <p:txBody>
+          <a:bodyPr vert="horz" lIns="91440" tIns="45720" rIns="91440" bIns="45720" rtlCol="0" anchor="t">
+            <a:normAutofit/>
+          </a:bodyPr>
+          <a:lstStyle/>
+          <a:p>
+            <a:r>
+              <a:rPr lang="en-US" sz="3200" b="1" dirty="0">
+                <a:ea typeface="+mn-lt"/>
+                <a:cs typeface="+mn-lt"/>
+              </a:rPr>
+              <a:t>Q. What </a:t>
+            </a:r>
+            <a:r>
+              <a:rPr lang="hu-HU" sz="3200" b="1" dirty="0">
+                <a:ea typeface="+mn-lt"/>
+                <a:cs typeface="+mn-lt"/>
+              </a:rPr>
+              <a:t>doth God require of us, that we ma</a:t>
+            </a:r>
+            <a:r>
+              <a:rPr lang="en-US" sz="3200" b="1" dirty="0">
+                <a:ea typeface="+mn-lt"/>
+                <a:cs typeface="+mn-lt"/>
+              </a:rPr>
+              <a:t>y</a:t>
+            </a:r>
+            <a:r>
+              <a:rPr lang="hu-HU" sz="3200" b="1" dirty="0">
+                <a:ea typeface="+mn-lt"/>
+                <a:cs typeface="+mn-lt"/>
+              </a:rPr>
+              <a:t> escape his wrath and curse due to us for sin</a:t>
+            </a:r>
+            <a:r>
+              <a:rPr lang="en-US" sz="3200" b="1" dirty="0">
+                <a:ea typeface="+mn-lt"/>
+                <a:cs typeface="+mn-lt"/>
+              </a:rPr>
+              <a:t>? </a:t>
+            </a:r>
+          </a:p>
+          <a:p>
+            <a:r>
+              <a:rPr lang="en-US" sz="3200" b="1" dirty="0">
+                <a:ea typeface="+mn-lt"/>
+                <a:cs typeface="+mn-lt"/>
+              </a:rPr>
+              <a:t>A. </a:t>
+            </a:r>
+            <a:r>
+              <a:rPr lang="hu-HU" sz="3200" b="1" dirty="0">
+                <a:ea typeface="+mn-lt"/>
+                <a:cs typeface="+mn-lt"/>
+              </a:rPr>
+              <a:t>To escape the wrath and curse of God due to us for sin, God requireth of us faith in Jesus Christ, repentance unto lofe, with the diligent use of all the outward means whereb</a:t>
+            </a:r>
+            <a:r>
+              <a:rPr lang="en-US" sz="3200" b="1" dirty="0">
+                <a:ea typeface="+mn-lt"/>
+                <a:cs typeface="+mn-lt"/>
+              </a:rPr>
+              <a:t>y</a:t>
+            </a:r>
+            <a:r>
+              <a:rPr lang="hu-HU" sz="3200" b="1" dirty="0">
+                <a:ea typeface="+mn-lt"/>
+                <a:cs typeface="+mn-lt"/>
+              </a:rPr>
+              <a:t> Christ communicateth to us the benefits of redemption</a:t>
+            </a:r>
+            <a:r>
+              <a:rPr lang="en-US" sz="3200" b="1" dirty="0">
+                <a:ea typeface="+mn-lt"/>
+                <a:cs typeface="+mn-lt"/>
+              </a:rPr>
+              <a:t>.</a:t>
+            </a:r>
+          </a:p>
+        </p:txBody>
+      </p:sp>
+    </p:spTree>
+    <p:extLst>
+      <p:ext uri="{BB962C8B-B14F-4D97-AF65-F5344CB8AC3E}">
+        <p14:creationId xmlns:p14="http://schemas.microsoft.com/office/powerpoint/2010/main" val="3073530054"/>
+      </p:ext>
+    </p:extLst>
+  </p:cSld>
+  <p:clrMapOvr>
+    <a:masterClrMapping/>
+  </p:clrMapOvr>
+  <p:transition spd="slow">
+    <p:wipe/>
+  </p:transition>
+</p:sld>
+</file>
+
+<file path=ppt/slides/slide26.xml><?xml version="1.0" encoding="utf-8"?>
+<p:sld xmlns:a="http://schemas.openxmlformats.org/drawingml/2006/main" xmlns:r="http://schemas.openxmlformats.org/officeDocument/2006/relationships" xmlns:p="http://schemas.openxmlformats.org/presentationml/2006/main">
+  <p:cSld>
+    <p:spTree>
+      <p:nvGrpSpPr>
+        <p:cNvPr id="1" name=""/>
+        <p:cNvGrpSpPr/>
+        <p:nvPr/>
+      </p:nvGrpSpPr>
+      <p:grpSpPr>
+        <a:xfrm>
+          <a:off x="0" y="0"/>
+          <a:ext cx="0" cy="0"/>
+          <a:chOff x="0" y="0"/>
+          <a:chExt cx="0" cy="0"/>
+        </a:xfrm>
+      </p:grpSpPr>
+      <p:sp>
+        <p:nvSpPr>
+          <p:cNvPr id="2" name="Title 1"/>
+          <p:cNvSpPr>
+            <a:spLocks noGrp="1" noEditPoints="1"/>
+          </p:cNvSpPr>
+          <p:nvPr>
+            <p:ph type="title"/>
+          </p:nvPr>
+        </p:nvSpPr>
+        <p:spPr>
+          <a:prstGeom prst="rect">
+            <a:avLst/>
+          </a:prstGeom>
+        </p:spPr>
+        <p:txBody>
+          <a:bodyPr/>
+          <a:lstStyle/>
+          <a:p>
+            <a:pPr algn="ctr"/>
+            <a:r>
+              <a:rPr lang="en-US" b="1" dirty="0">
+                <a:latin typeface="Bookman Old Style"/>
+                <a:cs typeface="Calibri Light" panose="020F0302020204030204"/>
+              </a:rPr>
+              <a:t>What does the Bible say?</a:t>
+            </a:r>
+          </a:p>
+        </p:txBody>
+      </p:sp>
+      <p:sp>
+        <p:nvSpPr>
+          <p:cNvPr id="3" name="Content Placeholder 2"/>
+          <p:cNvSpPr>
+            <a:spLocks noGrp="1" noEditPoints="1"/>
+          </p:cNvSpPr>
+          <p:nvPr>
+            <p:ph idx="1"/>
+          </p:nvPr>
+        </p:nvSpPr>
+        <p:spPr>
+          <a:prstGeom prst="rect">
+            <a:avLst/>
+          </a:prstGeom>
+        </p:spPr>
+        <p:txBody>
+          <a:bodyPr>
+            <a:noAutofit/>
+          </a:bodyPr>
+          <a:lstStyle/>
+          <a:p>
+            <a:r>
+              <a:rPr lang="en-US" sz="2900" dirty="0"/>
+              <a:t>“</a:t>
+            </a:r>
+            <a:r>
+              <a:rPr lang="en-US" sz="3200" dirty="0"/>
+              <a:t>Testifying to Jews, and also to Greeks, repentance toward God and faith toward our Lord Jesus Christ. </a:t>
+            </a:r>
+            <a:r>
+              <a:rPr lang="en-US" sz="2900" dirty="0"/>
+              <a:t>” (Acts 20:21)</a:t>
+            </a:r>
+          </a:p>
+          <a:p>
+            <a:r>
+              <a:rPr lang="en-US" sz="2900" dirty="0"/>
+              <a:t>“</a:t>
+            </a:r>
+            <a:r>
+              <a:rPr lang="en-US" sz="3200" dirty="0"/>
+              <a:t>Therefore, brethren, be even more diligent to make your call and election sure, for if you do these things you will never stumble;”</a:t>
+            </a:r>
+            <a:r>
+              <a:rPr lang="en-US" sz="2900" dirty="0"/>
+              <a:t> (2Peter 1:10)</a:t>
+            </a:r>
+          </a:p>
+          <a:p>
+            <a:r>
+              <a:rPr lang="en-US" sz="2900" dirty="0"/>
+              <a:t>“</a:t>
+            </a:r>
+            <a:r>
+              <a:rPr lang="en-US" sz="3200" dirty="0"/>
+              <a:t>teaching them to observe all things that I have commanded you; and lo, I am with you always, </a:t>
+            </a:r>
+            <a:r>
+              <a:rPr lang="en-US" sz="3200" i="1" dirty="0"/>
+              <a:t>even</a:t>
+            </a:r>
+            <a:r>
+              <a:rPr lang="en-US" sz="3200" dirty="0"/>
+              <a:t> to the end of the age.</a:t>
+            </a:r>
+            <a:r>
+              <a:rPr lang="en-US" sz="2900" dirty="0"/>
+              <a:t>” (Matthew 28:20)</a:t>
+            </a:r>
+          </a:p>
+        </p:txBody>
+      </p:sp>
+    </p:spTree>
+    <p:extLst>
+      <p:ext uri="{BB962C8B-B14F-4D97-AF65-F5344CB8AC3E}">
+        <p14:creationId xmlns:p14="http://schemas.microsoft.com/office/powerpoint/2010/main" val="364898880"/>
+      </p:ext>
+    </p:extLst>
+  </p:cSld>
+  <p:clrMapOvr>
+    <a:masterClrMapping/>
+  </p:clrMapOvr>
+  <p:transition spd="slow">
+    <p:wipe/>
+  </p:transition>
+  <p:timing>
+    <p:tnLst>
+      <p:par>
+        <p:cTn id="1" dur="indefinite" restart="never" nodeType="tmRoot">
+          <p:childTnLst>
+            <p:seq concurrent="1" nextAc="seek">
+              <p:cTn id="2" dur="indefinite" nodeType="mainSeq">
+                <p:childTnLst>
+                  <p:par>
+                    <p:cTn id="3" fill="hold">
+                      <p:stCondLst>
+                        <p:cond delay="indefinite"/>
+                      </p:stCondLst>
+                      <p:childTnLst>
+                        <p:par>
+                          <p:cTn id="4" fill="hold">
+                            <p:stCondLst>
+                              <p:cond delay="0"/>
+                            </p:stCondLst>
+                            <p:childTnLst>
+                              <p:par>
+                                <p:cTn id="5" presetID="1" presetClass="entr" presetSubtype="0" fill="hold" nodeType="clickEffect">
+                                  <p:stCondLst>
+                                    <p:cond delay="0"/>
+                                  </p:stCondLst>
+                                  <p:childTnLst>
+                                    <p:set>
+                                      <p:cBhvr>
+                                        <p:cTn id="6" dur="1" fill="hold">
+                                          <p:stCondLst>
+                                            <p:cond delay="0"/>
+                                          </p:stCondLst>
+                                        </p:cTn>
+                                        <p:tgtEl>
+                                          <p:spTgt spid="3">
+                                            <p:txEl>
+                                              <p:pRg st="0" end="0"/>
+                                            </p:txEl>
+                                          </p:spTgt>
+                                        </p:tgtEl>
+                                        <p:attrNameLst>
+                                          <p:attrName>style.visibility</p:attrName>
+                                        </p:attrNameLst>
+                                      </p:cBhvr>
+                                      <p:to>
+                                        <p:strVal val="visible"/>
+                                      </p:to>
+                                    </p:set>
+                                  </p:childTnLst>
+                                </p:cTn>
+                              </p:par>
+                            </p:childTnLst>
+                          </p:cTn>
+                        </p:par>
+                      </p:childTnLst>
+                    </p:cTn>
+                  </p:par>
+                  <p:par>
+                    <p:cTn id="7" fill="hold">
+                      <p:stCondLst>
+                        <p:cond delay="indefinite"/>
+                      </p:stCondLst>
+                      <p:childTnLst>
+                        <p:par>
+                          <p:cTn id="8" fill="hold">
+                            <p:stCondLst>
+                              <p:cond delay="0"/>
+                            </p:stCondLst>
+                            <p:childTnLst>
+                              <p:par>
+                                <p:cTn id="9" presetID="1" presetClass="entr" presetSubtype="0" fill="hold" nodeType="clickEffect">
+                                  <p:stCondLst>
+                                    <p:cond delay="0"/>
+                                  </p:stCondLst>
+                                  <p:childTnLst>
+                                    <p:set>
+                                      <p:cBhvr>
+                                        <p:cTn id="10" dur="1" fill="hold">
+                                          <p:stCondLst>
+                                            <p:cond delay="0"/>
+                                          </p:stCondLst>
+                                        </p:cTn>
+                                        <p:tgtEl>
+                                          <p:spTgt spid="3">
+                                            <p:txEl>
+                                              <p:pRg st="1" end="1"/>
+                                            </p:txEl>
+                                          </p:spTgt>
+                                        </p:tgtEl>
+                                        <p:attrNameLst>
+                                          <p:attrName>style.visibility</p:attrName>
+                                        </p:attrNameLst>
+                                      </p:cBhvr>
+                                      <p:to>
+                                        <p:strVal val="visible"/>
+                                      </p:to>
+                                    </p:set>
+                                  </p:childTnLst>
+                                </p:cTn>
+                              </p:par>
+                            </p:childTnLst>
+                          </p:cTn>
+                        </p:par>
+                      </p:childTnLst>
+                    </p:cTn>
+                  </p:par>
+                  <p:par>
+                    <p:cTn id="11" fill="hold">
+                      <p:stCondLst>
+                        <p:cond delay="indefinite"/>
+                      </p:stCondLst>
+                      <p:childTnLst>
+                        <p:par>
+                          <p:cTn id="12" fill="hold">
+                            <p:stCondLst>
+                              <p:cond delay="0"/>
+                            </p:stCondLst>
+                            <p:childTnLst>
+                              <p:par>
+                                <p:cTn id="13" presetID="1" presetClass="entr" presetSubtype="0" fill="hold" nodeType="clickEffect">
+                                  <p:stCondLst>
+                                    <p:cond delay="0"/>
+                                  </p:stCondLst>
+                                  <p:childTnLst>
+                                    <p:set>
+                                      <p:cBhvr>
+                                        <p:cTn id="14" dur="1" fill="hold">
+                                          <p:stCondLst>
+                                            <p:cond delay="0"/>
+                                          </p:stCondLst>
+                                        </p:cTn>
+                                        <p:tgtEl>
+                                          <p:spTgt spid="3">
+                                            <p:txEl>
+                                              <p:pRg st="2" end="2"/>
+                                            </p:txEl>
+                                          </p:spTgt>
+                                        </p:tgtEl>
+                                        <p:attrNameLst>
+                                          <p:attrName>style.visibility</p:attrName>
+                                        </p:attrNameLst>
+                                      </p:cBhvr>
+                                      <p:to>
+                                        <p:strVal val="visible"/>
+                                      </p:to>
+                                    </p:set>
+                                  </p:childTnLst>
+                                </p:cTn>
+                              </p:par>
+                            </p:childTnLst>
+                          </p:cTn>
+                        </p:par>
+                      </p:childTnLst>
+                    </p:cTn>
+                  </p:par>
+                </p:childTnLst>
+              </p:cTn>
+              <p:prevCondLst>
+                <p:cond evt="onPrev" delay="0">
+                  <p:tgtEl>
+                    <p:sldTgt/>
+                  </p:tgtEl>
+                </p:cond>
+              </p:prevCondLst>
+              <p:nextCondLst>
+                <p:cond evt="onNext" delay="0">
+                  <p:tgtEl>
+                    <p:sldTgt/>
+                  </p:tgtEl>
+                </p:cond>
+              </p:nextCondLst>
+            </p:seq>
+          </p:childTnLst>
+        </p:cTn>
+      </p:par>
+    </p:tnLst>
+  </p:timing>
+</p:sld>
+</file>
+
+<file path=ppt/slides/slide27.xml><?xml version="1.0" encoding="utf-8"?>
+<p:sld xmlns:a="http://schemas.openxmlformats.org/drawingml/2006/main" xmlns:r="http://schemas.openxmlformats.org/officeDocument/2006/relationships" xmlns:p="http://schemas.openxmlformats.org/presentationml/2006/main">
+  <p:cSld>
+    <p:spTree>
+      <p:nvGrpSpPr>
+        <p:cNvPr id="1" name=""/>
+        <p:cNvGrpSpPr/>
+        <p:nvPr/>
+      </p:nvGrpSpPr>
+      <p:grpSpPr>
+        <a:xfrm>
+          <a:off x="0" y="0"/>
+          <a:ext cx="0" cy="0"/>
+          <a:chOff x="0" y="0"/>
+          <a:chExt cx="0" cy="0"/>
+        </a:xfrm>
+      </p:grpSpPr>
+      <p:sp>
+        <p:nvSpPr>
+          <p:cNvPr id="2" name="Title 1">
+            <a:extLst>
+              <a:ext uri="{FF2B5EF4-FFF2-40B4-BE49-F238E27FC236}">
+                <a16:creationId xmlns:a16="http://schemas.microsoft.com/office/drawing/2014/main" id="{6850A860-89FD-411D-8BBA-5075132EE706}"/>
+              </a:ext>
+            </a:extLst>
+          </p:cNvPr>
+          <p:cNvSpPr>
+            <a:spLocks noGrp="1"/>
+          </p:cNvSpPr>
+          <p:nvPr>
+            <p:ph type="title"/>
+          </p:nvPr>
+        </p:nvSpPr>
+        <p:spPr/>
+        <p:txBody>
+          <a:bodyPr/>
+          <a:lstStyle/>
+          <a:p>
+            <a:pPr algn="ctr"/>
+            <a:r>
+              <a:rPr lang="en-US" dirty="0"/>
+              <a:t>Inward and </a:t>
+            </a:r>
+            <a:r>
+              <a:rPr lang="en-US" b="1" dirty="0"/>
+              <a:t>outward</a:t>
+            </a:r>
+            <a:r>
+              <a:rPr lang="en-US" dirty="0"/>
+              <a:t> means of grace</a:t>
+            </a:r>
+          </a:p>
+        </p:txBody>
+      </p:sp>
+      <p:sp>
+        <p:nvSpPr>
+          <p:cNvPr id="3" name="Content Placeholder 2">
+            <a:extLst>
+              <a:ext uri="{FF2B5EF4-FFF2-40B4-BE49-F238E27FC236}">
+                <a16:creationId xmlns:a16="http://schemas.microsoft.com/office/drawing/2014/main" id="{9D583928-008E-4428-B820-FD5C83515CCC}"/>
+              </a:ext>
+            </a:extLst>
+          </p:cNvPr>
+          <p:cNvSpPr>
+            <a:spLocks noGrp="1"/>
+          </p:cNvSpPr>
+          <p:nvPr>
+            <p:ph idx="1"/>
+          </p:nvPr>
+        </p:nvSpPr>
+        <p:spPr/>
+        <p:txBody>
+          <a:bodyPr/>
+          <a:lstStyle/>
+          <a:p>
+            <a:r>
+              <a:rPr lang="en-US" dirty="0"/>
+              <a:t>Remember Q86, which says that faith is an act of God’s grace whereby God regenerates us and brings us to repentance (Acts 11:18)</a:t>
+            </a:r>
+          </a:p>
+          <a:p>
+            <a:r>
+              <a:rPr lang="en-US" dirty="0"/>
+              <a:t>These are inward graces, but there are </a:t>
+            </a:r>
+            <a:r>
+              <a:rPr lang="en-US" b="1" dirty="0"/>
+              <a:t>outward graces</a:t>
+            </a:r>
+            <a:r>
+              <a:rPr lang="en-US" dirty="0"/>
+              <a:t> as well!</a:t>
+            </a:r>
+          </a:p>
+          <a:p>
+            <a:pPr lvl="1"/>
+            <a:r>
+              <a:rPr lang="en-US" dirty="0"/>
+              <a:t>The Word</a:t>
+            </a:r>
+          </a:p>
+          <a:p>
+            <a:pPr lvl="1"/>
+            <a:r>
+              <a:rPr lang="en-US" dirty="0"/>
+              <a:t>Sacraments</a:t>
+            </a:r>
+          </a:p>
+          <a:p>
+            <a:pPr lvl="1"/>
+            <a:r>
+              <a:rPr lang="en-US" dirty="0"/>
+              <a:t>Prayer</a:t>
+            </a:r>
+          </a:p>
+          <a:p>
+            <a:pPr lvl="1"/>
+            <a:r>
+              <a:rPr lang="en-US" dirty="0"/>
+              <a:t>(Fellowship)</a:t>
+            </a:r>
+          </a:p>
+          <a:p>
+            <a:r>
+              <a:rPr lang="en-US" dirty="0"/>
+              <a:t>These outward means are channels by which we receive the benefits </a:t>
+            </a:r>
+          </a:p>
+        </p:txBody>
+      </p:sp>
+    </p:spTree>
+    <p:extLst>
+      <p:ext uri="{BB962C8B-B14F-4D97-AF65-F5344CB8AC3E}">
+        <p14:creationId xmlns:p14="http://schemas.microsoft.com/office/powerpoint/2010/main" val="3600980473"/>
+      </p:ext>
+    </p:extLst>
+  </p:cSld>
+  <p:clrMapOvr>
+    <a:masterClrMapping/>
+  </p:clrMapOvr>
+  <p:timing>
+    <p:tnLst>
+      <p:par>
+        <p:cTn id="1" dur="indefinite" restart="never" nodeType="tmRoot">
+          <p:childTnLst>
+            <p:seq concurrent="1" nextAc="seek">
+              <p:cTn id="2" dur="indefinite" nodeType="mainSeq">
+                <p:childTnLst>
+                  <p:par>
+                    <p:cTn id="3" fill="hold">
+                      <p:stCondLst>
+                        <p:cond delay="indefinite"/>
+                      </p:stCondLst>
+                      <p:childTnLst>
+                        <p:par>
+                          <p:cTn id="4" fill="hold">
+                            <p:stCondLst>
+                              <p:cond delay="0"/>
+                            </p:stCondLst>
+                            <p:childTnLst>
+                              <p:par>
+                                <p:cTn id="5" presetID="1" presetClass="entr" presetSubtype="0" fill="hold" nodeType="clickEffect">
+                                  <p:stCondLst>
+                                    <p:cond delay="0"/>
+                                  </p:stCondLst>
+                                  <p:childTnLst>
+                                    <p:set>
+                                      <p:cBhvr>
+                                        <p:cTn id="6" dur="1" fill="hold">
+                                          <p:stCondLst>
+                                            <p:cond delay="0"/>
+                                          </p:stCondLst>
+                                        </p:cTn>
+                                        <p:tgtEl>
+                                          <p:spTgt spid="3">
+                                            <p:txEl>
+                                              <p:pRg st="1" end="1"/>
+                                            </p:txEl>
+                                          </p:spTgt>
+                                        </p:tgtEl>
+                                        <p:attrNameLst>
+                                          <p:attrName>style.visibility</p:attrName>
+                                        </p:attrNameLst>
+                                      </p:cBhvr>
+                                      <p:to>
+                                        <p:strVal val="visible"/>
+                                      </p:to>
+                                    </p:set>
+                                  </p:childTnLst>
+                                </p:cTn>
+                              </p:par>
+                            </p:childTnLst>
+                          </p:cTn>
+                        </p:par>
+                      </p:childTnLst>
+                    </p:cTn>
+                  </p:par>
+                  <p:par>
+                    <p:cTn id="7" fill="hold">
+                      <p:stCondLst>
+                        <p:cond delay="indefinite"/>
+                      </p:stCondLst>
+                      <p:childTnLst>
+                        <p:par>
+                          <p:cTn id="8" fill="hold">
+                            <p:stCondLst>
+                              <p:cond delay="0"/>
+                            </p:stCondLst>
+                            <p:childTnLst>
+                              <p:par>
+                                <p:cTn id="9" presetID="1" presetClass="entr" presetSubtype="0" fill="hold" nodeType="clickEffect">
+                                  <p:stCondLst>
+                                    <p:cond delay="0"/>
+                                  </p:stCondLst>
+                                  <p:childTnLst>
+                                    <p:set>
+                                      <p:cBhvr>
+                                        <p:cTn id="10" dur="1" fill="hold">
+                                          <p:stCondLst>
+                                            <p:cond delay="0"/>
+                                          </p:stCondLst>
+                                        </p:cTn>
+                                        <p:tgtEl>
+                                          <p:spTgt spid="3">
+                                            <p:txEl>
+                                              <p:pRg st="2" end="2"/>
+                                            </p:txEl>
+                                          </p:spTgt>
+                                        </p:tgtEl>
+                                        <p:attrNameLst>
+                                          <p:attrName>style.visibility</p:attrName>
+                                        </p:attrNameLst>
+                                      </p:cBhvr>
+                                      <p:to>
+                                        <p:strVal val="visible"/>
+                                      </p:to>
+                                    </p:set>
+                                  </p:childTnLst>
+                                </p:cTn>
+                              </p:par>
+                            </p:childTnLst>
+                          </p:cTn>
+                        </p:par>
+                      </p:childTnLst>
+                    </p:cTn>
+                  </p:par>
+                  <p:par>
+                    <p:cTn id="11" fill="hold">
+                      <p:stCondLst>
+                        <p:cond delay="indefinite"/>
+                      </p:stCondLst>
+                      <p:childTnLst>
+                        <p:par>
+                          <p:cTn id="12" fill="hold">
+                            <p:stCondLst>
+                              <p:cond delay="0"/>
+                            </p:stCondLst>
+                            <p:childTnLst>
+                              <p:par>
+                                <p:cTn id="13" presetID="1" presetClass="entr" presetSubtype="0" fill="hold" nodeType="clickEffect">
+                                  <p:stCondLst>
+                                    <p:cond delay="0"/>
+                                  </p:stCondLst>
+                                  <p:childTnLst>
+                                    <p:set>
+                                      <p:cBhvr>
+                                        <p:cTn id="14" dur="1" fill="hold">
+                                          <p:stCondLst>
+                                            <p:cond delay="0"/>
+                                          </p:stCondLst>
+                                        </p:cTn>
+                                        <p:tgtEl>
+                                          <p:spTgt spid="3">
+                                            <p:txEl>
+                                              <p:pRg st="3" end="3"/>
+                                            </p:txEl>
+                                          </p:spTgt>
+                                        </p:tgtEl>
+                                        <p:attrNameLst>
+                                          <p:attrName>style.visibility</p:attrName>
+                                        </p:attrNameLst>
+                                      </p:cBhvr>
+                                      <p:to>
+                                        <p:strVal val="visible"/>
+                                      </p:to>
+                                    </p:set>
+                                  </p:childTnLst>
+                                </p:cTn>
+                              </p:par>
+                            </p:childTnLst>
+                          </p:cTn>
+                        </p:par>
+                      </p:childTnLst>
+                    </p:cTn>
+                  </p:par>
+                  <p:par>
+                    <p:cTn id="15" fill="hold">
+                      <p:stCondLst>
+                        <p:cond delay="indefinite"/>
+                      </p:stCondLst>
+                      <p:childTnLst>
+                        <p:par>
+                          <p:cTn id="16" fill="hold">
+                            <p:stCondLst>
+                              <p:cond delay="0"/>
+                            </p:stCondLst>
+                            <p:childTnLst>
+                              <p:par>
+                                <p:cTn id="17" presetID="1" presetClass="entr" presetSubtype="0" fill="hold" nodeType="clickEffect">
+                                  <p:stCondLst>
+                                    <p:cond delay="0"/>
+                                  </p:stCondLst>
+                                  <p:childTnLst>
+                                    <p:set>
+                                      <p:cBhvr>
+                                        <p:cTn id="18" dur="1" fill="hold">
+                                          <p:stCondLst>
+                                            <p:cond delay="0"/>
+                                          </p:stCondLst>
+                                        </p:cTn>
+                                        <p:tgtEl>
+                                          <p:spTgt spid="3">
+                                            <p:txEl>
+                                              <p:pRg st="4" end="4"/>
+                                            </p:txEl>
+                                          </p:spTgt>
+                                        </p:tgtEl>
+                                        <p:attrNameLst>
+                                          <p:attrName>style.visibility</p:attrName>
+                                        </p:attrNameLst>
+                                      </p:cBhvr>
+                                      <p:to>
+                                        <p:strVal val="visible"/>
+                                      </p:to>
+                                    </p:set>
+                                  </p:childTnLst>
+                                </p:cTn>
+                              </p:par>
+                            </p:childTnLst>
+                          </p:cTn>
+                        </p:par>
+                      </p:childTnLst>
+                    </p:cTn>
+                  </p:par>
+                  <p:par>
+                    <p:cTn id="19" fill="hold">
+                      <p:stCondLst>
+                        <p:cond delay="indefinite"/>
+                      </p:stCondLst>
+                      <p:childTnLst>
+                        <p:par>
+                          <p:cTn id="20" fill="hold">
+                            <p:stCondLst>
+                              <p:cond delay="0"/>
+                            </p:stCondLst>
+                            <p:childTnLst>
+                              <p:par>
+                                <p:cTn id="21" presetID="1" presetClass="entr" presetSubtype="0" fill="hold" nodeType="clickEffect">
+                                  <p:stCondLst>
+                                    <p:cond delay="0"/>
+                                  </p:stCondLst>
+                                  <p:childTnLst>
+                                    <p:set>
+                                      <p:cBhvr>
+                                        <p:cTn id="22" dur="1" fill="hold">
+                                          <p:stCondLst>
+                                            <p:cond delay="0"/>
+                                          </p:stCondLst>
+                                        </p:cTn>
+                                        <p:tgtEl>
+                                          <p:spTgt spid="3">
+                                            <p:txEl>
+                                              <p:pRg st="5" end="5"/>
+                                            </p:txEl>
+                                          </p:spTgt>
+                                        </p:tgtEl>
+                                        <p:attrNameLst>
+                                          <p:attrName>style.visibility</p:attrName>
+                                        </p:attrNameLst>
+                                      </p:cBhvr>
+                                      <p:to>
+                                        <p:strVal val="visible"/>
+                                      </p:to>
+                                    </p:set>
+                                  </p:childTnLst>
+                                </p:cTn>
+                              </p:par>
+                            </p:childTnLst>
+                          </p:cTn>
+                        </p:par>
+                      </p:childTnLst>
+                    </p:cTn>
+                  </p:par>
+                  <p:par>
+                    <p:cTn id="23" fill="hold">
+                      <p:stCondLst>
+                        <p:cond delay="indefinite"/>
+                      </p:stCondLst>
+                      <p:childTnLst>
+                        <p:par>
+                          <p:cTn id="24" fill="hold">
+                            <p:stCondLst>
+                              <p:cond delay="0"/>
+                            </p:stCondLst>
+                            <p:childTnLst>
+                              <p:par>
+                                <p:cTn id="25" presetID="1" presetClass="entr" presetSubtype="0" fill="hold" nodeType="clickEffect">
+                                  <p:stCondLst>
+                                    <p:cond delay="0"/>
+                                  </p:stCondLst>
+                                  <p:childTnLst>
+                                    <p:set>
+                                      <p:cBhvr>
+                                        <p:cTn id="26" dur="1" fill="hold">
+                                          <p:stCondLst>
+                                            <p:cond delay="0"/>
+                                          </p:stCondLst>
+                                        </p:cTn>
+                                        <p:tgtEl>
+                                          <p:spTgt spid="3">
+                                            <p:txEl>
+                                              <p:pRg st="6" end="6"/>
+                                            </p:txEl>
+                                          </p:spTgt>
+                                        </p:tgtEl>
+                                        <p:attrNameLst>
+                                          <p:attrName>style.visibility</p:attrName>
+                                        </p:attrNameLst>
+                                      </p:cBhvr>
+                                      <p:to>
+                                        <p:strVal val="visible"/>
+                                      </p:to>
+                                    </p:set>
+                                  </p:childTnLst>
+                                </p:cTn>
+                              </p:par>
+                            </p:childTnLst>
+                          </p:cTn>
+                        </p:par>
+                      </p:childTnLst>
+                    </p:cTn>
+                  </p:par>
+                </p:childTnLst>
+              </p:cTn>
+              <p:prevCondLst>
+                <p:cond evt="onPrev" delay="0">
+                  <p:tgtEl>
+                    <p:sldTgt/>
+                  </p:tgtEl>
+                </p:cond>
+              </p:prevCondLst>
+              <p:nextCondLst>
+                <p:cond evt="onNext" delay="0">
+                  <p:tgtEl>
+                    <p:sldTgt/>
+                  </p:tgtEl>
+                </p:cond>
+              </p:nextCondLst>
+            </p:seq>
+          </p:childTnLst>
+        </p:cTn>
+      </p:par>
+    </p:tnLst>
+  </p:timing>
+</p:sld>
+</file>
+
+<file path=ppt/slides/slide28.xml><?xml version="1.0" encoding="utf-8"?>
+<p:sld xmlns:a="http://schemas.openxmlformats.org/drawingml/2006/main" xmlns:r="http://schemas.openxmlformats.org/officeDocument/2006/relationships" xmlns:p="http://schemas.openxmlformats.org/presentationml/2006/main">
+  <p:cSld>
+    <p:spTree>
+      <p:nvGrpSpPr>
+        <p:cNvPr id="1" name=""/>
+        <p:cNvGrpSpPr/>
+        <p:nvPr/>
+      </p:nvGrpSpPr>
+      <p:grpSpPr>
+        <a:xfrm>
+          <a:off x="0" y="0"/>
+          <a:ext cx="0" cy="0"/>
+          <a:chOff x="0" y="0"/>
+          <a:chExt cx="0" cy="0"/>
+        </a:xfrm>
+      </p:grpSpPr>
+      <p:pic>
+        <p:nvPicPr>
+          <p:cNvPr id="3" name="Picture 2">
+            <a:extLst>
+              <a:ext uri="{FF2B5EF4-FFF2-40B4-BE49-F238E27FC236}">
+                <a16:creationId xmlns:a16="http://schemas.microsoft.com/office/drawing/2014/main" id="{EDBE7D54-92B1-4FD9-BE6A-66DBF56FDD27}"/>
+              </a:ext>
+            </a:extLst>
+          </p:cNvPr>
+          <p:cNvPicPr>
+            <a:picLocks noChangeAspect="1"/>
+          </p:cNvPicPr>
+          <p:nvPr/>
+        </p:nvPicPr>
+        <p:blipFill rotWithShape="1">
+          <a:blip r:embed="rId2"/>
+          <a:srcRect l="47019" t="23320" r="41010" b="15111"/>
+          <a:stretch/>
+        </p:blipFill>
+        <p:spPr>
+          <a:xfrm rot="16200000">
+            <a:off x="3993052" y="-2517596"/>
+            <a:ext cx="4221957" cy="12208061"/>
+          </a:xfrm>
+          <a:prstGeom prst="rect">
+            <a:avLst/>
+          </a:prstGeom>
+        </p:spPr>
+      </p:pic>
+      <p:sp>
+        <p:nvSpPr>
+          <p:cNvPr id="4" name="Title 1">
+            <a:extLst>
+              <a:ext uri="{FF2B5EF4-FFF2-40B4-BE49-F238E27FC236}">
+                <a16:creationId xmlns:a16="http://schemas.microsoft.com/office/drawing/2014/main" id="{4C28383A-D445-4F3E-9B2B-A93086289B38}"/>
+              </a:ext>
+            </a:extLst>
+          </p:cNvPr>
+          <p:cNvSpPr txBox="1">
+            <a:spLocks/>
+          </p:cNvSpPr>
+          <p:nvPr/>
+        </p:nvSpPr>
+        <p:spPr>
+          <a:xfrm>
+            <a:off x="838200" y="259618"/>
+            <a:ext cx="10515600" cy="900969"/>
+          </a:xfrm>
+          <a:prstGeom prst="rect">
+            <a:avLst/>
+          </a:prstGeom>
+        </p:spPr>
+        <p:txBody>
+          <a:bodyPr/>
+          <a:lstStyle>
+            <a:lvl1pPr algn="l" defTabSz="914400" rtl="0" eaLnBrk="1" latinLnBrk="0" hangingPunct="1">
+              <a:lnSpc>
+                <a:spcPct val="90000"/>
+              </a:lnSpc>
+              <a:spcBef>
+                <a:spcPct val="0"/>
+              </a:spcBef>
+              <a:buNone/>
+              <a:defRPr sz="4400" kern="1200">
+                <a:solidFill>
+                  <a:schemeClr val="tx1"/>
+                </a:solidFill>
+                <a:latin typeface="+mj-lt"/>
+                <a:ea typeface="+mj-ea"/>
+                <a:cs typeface="+mj-cs"/>
+              </a:defRPr>
+            </a:lvl1pPr>
+          </a:lstStyle>
+          <a:p>
+            <a:pPr algn="ctr"/>
+            <a:r>
+              <a:rPr lang="en-US" dirty="0"/>
+              <a:t>Differing views on the outward means</a:t>
+            </a:r>
+          </a:p>
+        </p:txBody>
+      </p:sp>
+      <p:sp>
+        <p:nvSpPr>
+          <p:cNvPr id="5" name="TextBox 4">
+            <a:extLst>
+              <a:ext uri="{FF2B5EF4-FFF2-40B4-BE49-F238E27FC236}">
+                <a16:creationId xmlns:a16="http://schemas.microsoft.com/office/drawing/2014/main" id="{E3B24193-B3D2-4258-AB68-EB1799530B03}"/>
+              </a:ext>
+            </a:extLst>
+          </p:cNvPr>
+          <p:cNvSpPr txBox="1"/>
+          <p:nvPr/>
+        </p:nvSpPr>
+        <p:spPr>
+          <a:xfrm>
+            <a:off x="123092" y="5890496"/>
+            <a:ext cx="2479431" cy="707886"/>
+          </a:xfrm>
+          <a:prstGeom prst="rect">
+            <a:avLst/>
+          </a:prstGeom>
+          <a:noFill/>
+        </p:spPr>
+        <p:txBody>
+          <a:bodyPr wrap="square" rtlCol="0">
+            <a:spAutoFit/>
+          </a:bodyPr>
+          <a:lstStyle/>
+          <a:p>
+            <a:pPr algn="ctr"/>
+            <a:r>
+              <a:rPr lang="en-US" sz="2000" dirty="0">
+                <a:solidFill>
+                  <a:srgbClr val="FF0000"/>
+                </a:solidFill>
+              </a:rPr>
+              <a:t>Church is a storehouse of grace</a:t>
+            </a:r>
+          </a:p>
+        </p:txBody>
+      </p:sp>
+      <p:sp>
+        <p:nvSpPr>
+          <p:cNvPr id="7" name="TextBox 6">
+            <a:extLst>
+              <a:ext uri="{FF2B5EF4-FFF2-40B4-BE49-F238E27FC236}">
+                <a16:creationId xmlns:a16="http://schemas.microsoft.com/office/drawing/2014/main" id="{55A8A8A5-5935-4FBD-86D8-058CCECBE0A7}"/>
+              </a:ext>
+            </a:extLst>
+          </p:cNvPr>
+          <p:cNvSpPr txBox="1"/>
+          <p:nvPr/>
+        </p:nvSpPr>
+        <p:spPr>
+          <a:xfrm>
+            <a:off x="8452338" y="5894299"/>
+            <a:ext cx="2479431" cy="707886"/>
+          </a:xfrm>
+          <a:prstGeom prst="rect">
+            <a:avLst/>
+          </a:prstGeom>
+          <a:noFill/>
+        </p:spPr>
+        <p:txBody>
+          <a:bodyPr wrap="square" rtlCol="0">
+            <a:spAutoFit/>
+          </a:bodyPr>
+          <a:lstStyle/>
+          <a:p>
+            <a:pPr algn="ctr"/>
+            <a:r>
+              <a:rPr lang="en-US" sz="2000" dirty="0">
+                <a:solidFill>
+                  <a:srgbClr val="FF0000"/>
+                </a:solidFill>
+              </a:rPr>
+              <a:t>No sacraments, only the Word</a:t>
+            </a:r>
+          </a:p>
+        </p:txBody>
+      </p:sp>
+    </p:spTree>
+    <p:extLst>
+      <p:ext uri="{BB962C8B-B14F-4D97-AF65-F5344CB8AC3E}">
+        <p14:creationId xmlns:p14="http://schemas.microsoft.com/office/powerpoint/2010/main" val="2224743184"/>
+      </p:ext>
+    </p:extLst>
+  </p:cSld>
+  <p:clrMapOvr>
+    <a:masterClrMapping/>
+  </p:clrMapOvr>
+  <p:timing>
+    <p:tnLst>
+      <p:par>
+        <p:cTn id="1" dur="indefinite" restart="never" nodeType="tmRoot">
+          <p:childTnLst>
+            <p:seq concurrent="1" nextAc="seek">
+              <p:cTn id="2" dur="indefinite" nodeType="mainSeq">
+                <p:childTnLst>
+                  <p:par>
+                    <p:cTn id="3" fill="hold">
+                      <p:stCondLst>
+                        <p:cond delay="indefinite"/>
+                      </p:stCondLst>
+                      <p:childTnLst>
+                        <p:par>
+                          <p:cTn id="4" fill="hold">
+                            <p:stCondLst>
+                              <p:cond delay="0"/>
+                            </p:stCondLst>
+                            <p:childTnLst>
+                              <p:par>
+                                <p:cTn id="5" presetID="1" presetClass="entr" presetSubtype="0" fill="hold" grpId="0" nodeType="clickEffect">
+                                  <p:stCondLst>
+                                    <p:cond delay="0"/>
+                                  </p:stCondLst>
+                                  <p:childTnLst>
+                                    <p:set>
+                                      <p:cBhvr>
+                                        <p:cTn id="6" dur="1" fill="hold">
+                                          <p:stCondLst>
+                                            <p:cond delay="0"/>
+                                          </p:stCondLst>
+                                        </p:cTn>
+                                        <p:tgtEl>
+                                          <p:spTgt spid="5"/>
+                                        </p:tgtEl>
+                                        <p:attrNameLst>
+                                          <p:attrName>style.visibility</p:attrName>
+                                        </p:attrNameLst>
+                                      </p:cBhvr>
+                                      <p:to>
+                                        <p:strVal val="visible"/>
+                                      </p:to>
+                                    </p:set>
+                                  </p:childTnLst>
+                                </p:cTn>
+                              </p:par>
+                            </p:childTnLst>
+                          </p:cTn>
+                        </p:par>
+                      </p:childTnLst>
+                    </p:cTn>
+                  </p:par>
+                  <p:par>
+                    <p:cTn id="7" fill="hold">
+                      <p:stCondLst>
+                        <p:cond delay="indefinite"/>
+                      </p:stCondLst>
+                      <p:childTnLst>
+                        <p:par>
+                          <p:cTn id="8" fill="hold">
+                            <p:stCondLst>
+                              <p:cond delay="0"/>
+                            </p:stCondLst>
+                            <p:childTnLst>
+                              <p:par>
+                                <p:cTn id="9" presetID="1" presetClass="entr" presetSubtype="0" fill="hold" grpId="0" nodeType="clickEffect">
+                                  <p:stCondLst>
+                                    <p:cond delay="0"/>
+                                  </p:stCondLst>
+                                  <p:childTnLst>
+                                    <p:set>
+                                      <p:cBhvr>
+                                        <p:cTn id="10" dur="1" fill="hold">
+                                          <p:stCondLst>
+                                            <p:cond delay="0"/>
+                                          </p:stCondLst>
+                                        </p:cTn>
+                                        <p:tgtEl>
+                                          <p:spTgt spid="7"/>
+                                        </p:tgtEl>
+                                        <p:attrNameLst>
+                                          <p:attrName>style.visibility</p:attrName>
+                                        </p:attrNameLst>
+                                      </p:cBhvr>
+                                      <p:to>
+                                        <p:strVal val="visible"/>
+                                      </p:to>
+                                    </p:set>
+                                  </p:childTnLst>
+                                </p:cTn>
+                              </p:par>
+                            </p:childTnLst>
+                          </p:cTn>
+                        </p:par>
+                      </p:childTnLst>
+                    </p:cTn>
+                  </p:par>
+                </p:childTnLst>
+              </p:cTn>
+              <p:prevCondLst>
+                <p:cond evt="onPrev" delay="0">
+                  <p:tgtEl>
+                    <p:sldTgt/>
+                  </p:tgtEl>
+                </p:cond>
+              </p:prevCondLst>
+              <p:nextCondLst>
+                <p:cond evt="onNext" delay="0">
+                  <p:tgtEl>
+                    <p:sldTgt/>
+                  </p:tgtEl>
+                </p:cond>
+              </p:nextCondLst>
+            </p:seq>
+          </p:childTnLst>
+        </p:cTn>
+      </p:par>
+    </p:tnLst>
+    <p:bldLst>
+      <p:bldP spid="5" grpId="0"/>
+      <p:bldP spid="7" grpId="0"/>
+    </p:bldLst>
+  </p:timing>
+</p:sld>
+</file>
+
+<file path=ppt/slides/slide29.xml><?xml version="1.0" encoding="utf-8"?>
+<p:sld xmlns:a="http://schemas.openxmlformats.org/drawingml/2006/main" xmlns:r="http://schemas.openxmlformats.org/officeDocument/2006/relationships" xmlns:p="http://schemas.openxmlformats.org/presentationml/2006/main">
+  <p:cSld>
+    <p:spTree>
+      <p:nvGrpSpPr>
+        <p:cNvPr id="1" name=""/>
+        <p:cNvGrpSpPr/>
+        <p:nvPr/>
+      </p:nvGrpSpPr>
+      <p:grpSpPr>
+        <a:xfrm>
+          <a:off x="0" y="0"/>
+          <a:ext cx="0" cy="0"/>
+          <a:chOff x="0" y="0"/>
+          <a:chExt cx="0" cy="0"/>
+        </a:xfrm>
+      </p:grpSpPr>
+      <p:sp>
+        <p:nvSpPr>
+          <p:cNvPr id="2" name="Title 1">
+            <a:extLst>
+              <a:ext uri="{FF2B5EF4-FFF2-40B4-BE49-F238E27FC236}">
+                <a16:creationId xmlns:a16="http://schemas.microsoft.com/office/drawing/2014/main" id="{CB921AC4-A02D-46BC-B63C-2E3B957EFD09}"/>
+              </a:ext>
+            </a:extLst>
+          </p:cNvPr>
+          <p:cNvSpPr>
+            <a:spLocks noGrp="1"/>
+          </p:cNvSpPr>
+          <p:nvPr>
+            <p:ph type="title"/>
+          </p:nvPr>
+        </p:nvSpPr>
+        <p:spPr>
+          <a:xfrm>
+            <a:off x="838200" y="259618"/>
+            <a:ext cx="10515600" cy="1325563"/>
+          </a:xfrm>
+        </p:spPr>
+        <p:txBody>
+          <a:bodyPr/>
+          <a:lstStyle/>
+          <a:p>
+            <a:pPr algn="ctr"/>
+            <a:r>
+              <a:rPr lang="en-US" dirty="0"/>
+              <a:t>Roman Catholic sacramentalism</a:t>
+            </a:r>
+          </a:p>
+        </p:txBody>
+      </p:sp>
+      <p:sp>
+        <p:nvSpPr>
+          <p:cNvPr id="3" name="Content Placeholder 2">
+            <a:extLst>
+              <a:ext uri="{FF2B5EF4-FFF2-40B4-BE49-F238E27FC236}">
+                <a16:creationId xmlns:a16="http://schemas.microsoft.com/office/drawing/2014/main" id="{11EBFC09-4BA8-4013-B6DF-A3ECB5C24E59}"/>
+              </a:ext>
+            </a:extLst>
+          </p:cNvPr>
+          <p:cNvSpPr>
+            <a:spLocks noGrp="1"/>
+          </p:cNvSpPr>
+          <p:nvPr>
+            <p:ph idx="1"/>
+          </p:nvPr>
+        </p:nvSpPr>
+        <p:spPr>
+          <a:xfrm>
+            <a:off x="838200" y="1585181"/>
+            <a:ext cx="10515600" cy="4591782"/>
+          </a:xfrm>
+        </p:spPr>
+        <p:txBody>
+          <a:bodyPr>
+            <a:normAutofit lnSpcReduction="10000"/>
+          </a:bodyPr>
+          <a:lstStyle/>
+          <a:p>
+            <a:r>
+              <a:rPr lang="en-US" dirty="0"/>
+              <a:t>Rome interjects herself between the believer and God</a:t>
+            </a:r>
+          </a:p>
+          <a:p>
+            <a:pPr lvl="1"/>
+            <a:r>
+              <a:rPr lang="en-US" dirty="0"/>
+              <a:t>Infallible interpretation of the Scriptures</a:t>
+            </a:r>
+          </a:p>
+          <a:p>
+            <a:pPr lvl="1"/>
+            <a:r>
+              <a:rPr lang="en-US" dirty="0"/>
+              <a:t>A storehouse and dispenser of grace</a:t>
+            </a:r>
+          </a:p>
+          <a:p>
+            <a:r>
+              <a:rPr lang="en-US" dirty="0"/>
+              <a:t>Baptismal regeneration: all babies properly baptized have the stain of original sin removed, and places them back into the state where Adam was before the Fall</a:t>
+            </a:r>
+          </a:p>
+          <a:p>
+            <a:r>
+              <a:rPr lang="en-US" dirty="0"/>
+              <a:t>Roman Catholics claim to be Christian because of outward means</a:t>
+            </a:r>
+          </a:p>
+          <a:p>
+            <a:r>
+              <a:rPr lang="en-US" dirty="0"/>
+              <a:t>“For he is not a Jew who is one outwardly, nor is circumcision that which is outward in the flesh; </a:t>
+            </a:r>
+            <a:r>
+              <a:rPr lang="en-US" b="1" dirty="0"/>
+              <a:t>but he is a Jew who is one inwardly; and circumcision is that of the heart, in the Spirit</a:t>
+            </a:r>
+            <a:r>
+              <a:rPr lang="en-US" dirty="0"/>
+              <a:t>, not in the letter; whose praise is not from men but from God.” (Romans 2:28-29)</a:t>
+            </a:r>
+          </a:p>
+        </p:txBody>
+      </p:sp>
+    </p:spTree>
+    <p:extLst>
+      <p:ext uri="{BB962C8B-B14F-4D97-AF65-F5344CB8AC3E}">
+        <p14:creationId xmlns:p14="http://schemas.microsoft.com/office/powerpoint/2010/main" val="158495834"/>
+      </p:ext>
+    </p:extLst>
+  </p:cSld>
+  <p:clrMapOvr>
+    <a:masterClrMapping/>
+  </p:clrMapOvr>
+  <p:timing>
+    <p:tnLst>
+      <p:par>
+        <p:cTn id="1" dur="indefinite" restart="never" nodeType="tmRoot">
+          <p:childTnLst>
+            <p:seq concurrent="1" nextAc="seek">
+              <p:cTn id="2" dur="indefinite" nodeType="mainSeq">
+                <p:childTnLst>
+                  <p:par>
+                    <p:cTn id="3" fill="hold">
+                      <p:stCondLst>
+                        <p:cond delay="indefinite"/>
+                      </p:stCondLst>
+                      <p:childTnLst>
+                        <p:par>
+                          <p:cTn id="4" fill="hold">
+                            <p:stCondLst>
+                              <p:cond delay="0"/>
+                            </p:stCondLst>
+                            <p:childTnLst>
+                              <p:par>
+                                <p:cTn id="5" presetID="1" presetClass="entr" presetSubtype="0" fill="hold" nodeType="clickEffect">
+                                  <p:stCondLst>
+                                    <p:cond delay="0"/>
+                                  </p:stCondLst>
+                                  <p:childTnLst>
+                                    <p:set>
+                                      <p:cBhvr>
+                                        <p:cTn id="6" dur="1" fill="hold">
+                                          <p:stCondLst>
+                                            <p:cond delay="0"/>
+                                          </p:stCondLst>
+                                        </p:cTn>
+                                        <p:tgtEl>
+                                          <p:spTgt spid="3">
+                                            <p:txEl>
+                                              <p:pRg st="0" end="0"/>
+                                            </p:txEl>
+                                          </p:spTgt>
+                                        </p:tgtEl>
+                                        <p:attrNameLst>
+                                          <p:attrName>style.visibility</p:attrName>
+                                        </p:attrNameLst>
+                                      </p:cBhvr>
+                                      <p:to>
+                                        <p:strVal val="visible"/>
+                                      </p:to>
+                                    </p:set>
+                                  </p:childTnLst>
+                                </p:cTn>
+                              </p:par>
+                              <p:par>
+                                <p:cTn id="7" presetID="1" presetClass="entr" presetSubtype="0" fill="hold" nodeType="withEffect">
+                                  <p:stCondLst>
+                                    <p:cond delay="0"/>
+                                  </p:stCondLst>
+                                  <p:childTnLst>
+                                    <p:set>
+                                      <p:cBhvr>
+                                        <p:cTn id="8" dur="1" fill="hold">
+                                          <p:stCondLst>
+                                            <p:cond delay="0"/>
+                                          </p:stCondLst>
+                                        </p:cTn>
+                                        <p:tgtEl>
+                                          <p:spTgt spid="3">
+                                            <p:txEl>
+                                              <p:pRg st="1" end="1"/>
+                                            </p:txEl>
+                                          </p:spTgt>
+                                        </p:tgtEl>
+                                        <p:attrNameLst>
+                                          <p:attrName>style.visibility</p:attrName>
+                                        </p:attrNameLst>
+                                      </p:cBhvr>
+                                      <p:to>
+                                        <p:strVal val="visible"/>
+                                      </p:to>
+                                    </p:set>
+                                  </p:childTnLst>
+                                </p:cTn>
+                              </p:par>
+                              <p:par>
+                                <p:cTn id="9" presetID="1" presetClass="entr" presetSubtype="0" fill="hold" nodeType="withEffect">
+                                  <p:stCondLst>
+                                    <p:cond delay="0"/>
+                                  </p:stCondLst>
+                                  <p:childTnLst>
+                                    <p:set>
+                                      <p:cBhvr>
+                                        <p:cTn id="10" dur="1" fill="hold">
+                                          <p:stCondLst>
+                                            <p:cond delay="0"/>
+                                          </p:stCondLst>
+                                        </p:cTn>
+                                        <p:tgtEl>
+                                          <p:spTgt spid="3">
+                                            <p:txEl>
+                                              <p:pRg st="2" end="2"/>
+                                            </p:txEl>
+                                          </p:spTgt>
+                                        </p:tgtEl>
+                                        <p:attrNameLst>
+                                          <p:attrName>style.visibility</p:attrName>
+                                        </p:attrNameLst>
+                                      </p:cBhvr>
+                                      <p:to>
+                                        <p:strVal val="visible"/>
+                                      </p:to>
+                                    </p:set>
+                                  </p:childTnLst>
+                                </p:cTn>
+                              </p:par>
+                            </p:childTnLst>
+                          </p:cTn>
+                        </p:par>
+                      </p:childTnLst>
+                    </p:cTn>
+                  </p:par>
+                  <p:par>
+                    <p:cTn id="11" fill="hold">
+                      <p:stCondLst>
+                        <p:cond delay="indefinite"/>
+                      </p:stCondLst>
+                      <p:childTnLst>
+                        <p:par>
+                          <p:cTn id="12" fill="hold">
+                            <p:stCondLst>
+                              <p:cond delay="0"/>
+                            </p:stCondLst>
+                            <p:childTnLst>
+                              <p:par>
+                                <p:cTn id="13" presetID="1" presetClass="entr" presetSubtype="0" fill="hold" nodeType="clickEffect">
+                                  <p:stCondLst>
+                                    <p:cond delay="0"/>
+                                  </p:stCondLst>
+                                  <p:childTnLst>
+                                    <p:set>
+                                      <p:cBhvr>
+                                        <p:cTn id="14" dur="1" fill="hold">
+                                          <p:stCondLst>
+                                            <p:cond delay="0"/>
+                                          </p:stCondLst>
+                                        </p:cTn>
+                                        <p:tgtEl>
+                                          <p:spTgt spid="3">
+                                            <p:txEl>
+                                              <p:pRg st="3" end="3"/>
+                                            </p:txEl>
+                                          </p:spTgt>
+                                        </p:tgtEl>
+                                        <p:attrNameLst>
+                                          <p:attrName>style.visibility</p:attrName>
+                                        </p:attrNameLst>
+                                      </p:cBhvr>
+                                      <p:to>
+                                        <p:strVal val="visible"/>
+                                      </p:to>
+                                    </p:set>
+                                  </p:childTnLst>
+                                </p:cTn>
+                              </p:par>
+                            </p:childTnLst>
+                          </p:cTn>
+                        </p:par>
+                      </p:childTnLst>
+                    </p:cTn>
+                  </p:par>
+                  <p:par>
+                    <p:cTn id="15" fill="hold">
+                      <p:stCondLst>
+                        <p:cond delay="indefinite"/>
+                      </p:stCondLst>
+                      <p:childTnLst>
+                        <p:par>
+                          <p:cTn id="16" fill="hold">
+                            <p:stCondLst>
+                              <p:cond delay="0"/>
+                            </p:stCondLst>
+                            <p:childTnLst>
+                              <p:par>
+                                <p:cTn id="17" presetID="1" presetClass="entr" presetSubtype="0" fill="hold" nodeType="clickEffect">
+                                  <p:stCondLst>
+                                    <p:cond delay="0"/>
+                                  </p:stCondLst>
+                                  <p:childTnLst>
+                                    <p:set>
+                                      <p:cBhvr>
+                                        <p:cTn id="18" dur="1" fill="hold">
+                                          <p:stCondLst>
+                                            <p:cond delay="0"/>
+                                          </p:stCondLst>
+                                        </p:cTn>
+                                        <p:tgtEl>
+                                          <p:spTgt spid="3">
+                                            <p:txEl>
+                                              <p:pRg st="4" end="4"/>
+                                            </p:txEl>
+                                          </p:spTgt>
+                                        </p:tgtEl>
+                                        <p:attrNameLst>
+                                          <p:attrName>style.visibility</p:attrName>
+                                        </p:attrNameLst>
+                                      </p:cBhvr>
+                                      <p:to>
+                                        <p:strVal val="visible"/>
+                                      </p:to>
+                                    </p:set>
+                                  </p:childTnLst>
+                                </p:cTn>
+                              </p:par>
+                            </p:childTnLst>
+                          </p:cTn>
+                        </p:par>
+                      </p:childTnLst>
+                    </p:cTn>
+                  </p:par>
+                  <p:par>
+                    <p:cTn id="19" fill="hold">
+                      <p:stCondLst>
+                        <p:cond delay="indefinite"/>
+                      </p:stCondLst>
+                      <p:childTnLst>
+                        <p:par>
+                          <p:cTn id="20" fill="hold">
+                            <p:stCondLst>
+                              <p:cond delay="0"/>
+                            </p:stCondLst>
+                            <p:childTnLst>
+                              <p:par>
+                                <p:cTn id="21" presetID="1" presetClass="entr" presetSubtype="0" fill="hold" nodeType="clickEffect">
+                                  <p:stCondLst>
+                                    <p:cond delay="0"/>
+                                  </p:stCondLst>
+                                  <p:childTnLst>
+                                    <p:set>
+                                      <p:cBhvr>
+                                        <p:cTn id="22" dur="1" fill="hold">
+                                          <p:stCondLst>
+                                            <p:cond delay="0"/>
+                                          </p:stCondLst>
+                                        </p:cTn>
+                                        <p:tgtEl>
+                                          <p:spTgt spid="3">
+                                            <p:txEl>
+                                              <p:pRg st="5" end="5"/>
+                                            </p:txEl>
+                                          </p:spTgt>
+                                        </p:tgtEl>
+                                        <p:attrNameLst>
+                                          <p:attrName>style.visibility</p:attrName>
+                                        </p:attrNameLst>
+                                      </p:cBhvr>
+                                      <p:to>
+                                        <p:strVal val="visible"/>
+                                      </p:to>
+                                    </p:set>
+                                  </p:childTnLst>
+                                </p:cTn>
+                              </p:par>
+                            </p:childTnLst>
+                          </p:cTn>
+                        </p:par>
+                      </p:childTnLst>
+                    </p:cTn>
+                  </p:par>
+                </p:childTnLst>
+              </p:cTn>
+              <p:prevCondLst>
+                <p:cond evt="onPrev" delay="0">
+                  <p:tgtEl>
+                    <p:sldTgt/>
+                  </p:tgtEl>
+                </p:cond>
+              </p:prevCondLst>
+              <p:nextCondLst>
+                <p:cond evt="onNext" delay="0">
+                  <p:tgtEl>
+                    <p:sldTgt/>
+                  </p:tgtEl>
+                </p:cond>
+              </p:nextCondLst>
+            </p:seq>
+          </p:childTnLst>
+        </p:cTn>
+      </p:par>
+    </p:tnLst>
+  </p:timing>
+</p:sld>
+</file>
+
 <file path=ppt/slides/slide3.xml><?xml version="1.0" encoding="utf-8"?>
 <p:sld xmlns:a="http://schemas.openxmlformats.org/drawingml/2006/main" xmlns:r="http://schemas.openxmlformats.org/officeDocument/2006/relationships" xmlns:p="http://schemas.openxmlformats.org/presentationml/2006/main">
   <p:cSld>
@@ -11734,6 +13959,703 @@
     <p:bldLst>
       <p:bldP spid="4" grpId="0" animBg="1"/>
     </p:bldLst>
+  </p:timing>
+</p:sld>
+</file>
+
+<file path=ppt/slides/slide30.xml><?xml version="1.0" encoding="utf-8"?>
+<p:sld xmlns:a="http://schemas.openxmlformats.org/drawingml/2006/main" xmlns:r="http://schemas.openxmlformats.org/officeDocument/2006/relationships" xmlns:p="http://schemas.openxmlformats.org/presentationml/2006/main">
+  <p:cSld>
+    <p:spTree>
+      <p:nvGrpSpPr>
+        <p:cNvPr id="1" name=""/>
+        <p:cNvGrpSpPr/>
+        <p:nvPr/>
+      </p:nvGrpSpPr>
+      <p:grpSpPr>
+        <a:xfrm>
+          <a:off x="0" y="0"/>
+          <a:ext cx="0" cy="0"/>
+          <a:chOff x="0" y="0"/>
+          <a:chExt cx="0" cy="0"/>
+        </a:xfrm>
+      </p:grpSpPr>
+      <p:sp>
+        <p:nvSpPr>
+          <p:cNvPr id="2" name="Title 1">
+            <a:extLst>
+              <a:ext uri="{FF2B5EF4-FFF2-40B4-BE49-F238E27FC236}">
+                <a16:creationId xmlns:a16="http://schemas.microsoft.com/office/drawing/2014/main" id="{37B284DB-4BD2-4322-AC67-75A5070AC44C}"/>
+              </a:ext>
+            </a:extLst>
+          </p:cNvPr>
+          <p:cNvSpPr>
+            <a:spLocks noGrp="1"/>
+          </p:cNvSpPr>
+          <p:nvPr>
+            <p:ph type="title"/>
+          </p:nvPr>
+        </p:nvSpPr>
+        <p:spPr>
+          <a:xfrm>
+            <a:off x="838200" y="365125"/>
+            <a:ext cx="10515600" cy="1111983"/>
+          </a:xfrm>
+        </p:spPr>
+        <p:txBody>
+          <a:bodyPr/>
+          <a:lstStyle/>
+          <a:p>
+            <a:pPr algn="ctr"/>
+            <a:r>
+              <a:rPr lang="en-US" dirty="0"/>
+              <a:t>Modern evangelicalism</a:t>
+            </a:r>
+          </a:p>
+        </p:txBody>
+      </p:sp>
+      <p:sp>
+        <p:nvSpPr>
+          <p:cNvPr id="3" name="Content Placeholder 2">
+            <a:extLst>
+              <a:ext uri="{FF2B5EF4-FFF2-40B4-BE49-F238E27FC236}">
+                <a16:creationId xmlns:a16="http://schemas.microsoft.com/office/drawing/2014/main" id="{B64FDBD5-1D1F-4F2D-A27B-B51E349305D9}"/>
+              </a:ext>
+            </a:extLst>
+          </p:cNvPr>
+          <p:cNvSpPr>
+            <a:spLocks noGrp="1"/>
+          </p:cNvSpPr>
+          <p:nvPr>
+            <p:ph idx="1"/>
+          </p:nvPr>
+        </p:nvSpPr>
+        <p:spPr>
+          <a:xfrm>
+            <a:off x="838200" y="1617785"/>
+            <a:ext cx="10515600" cy="4559178"/>
+          </a:xfrm>
+        </p:spPr>
+        <p:txBody>
+          <a:bodyPr/>
+          <a:lstStyle/>
+          <a:p>
+            <a:r>
+              <a:rPr lang="en-US" dirty="0"/>
+              <a:t>No sacraments: no baptism, no Lord’s Supper.</a:t>
+            </a:r>
+          </a:p>
+          <a:p>
+            <a:r>
+              <a:rPr lang="en-US" dirty="0"/>
+              <a:t>God is not tied to sacraments and is not ruled by them, but God commanded us to observe the sacraments.</a:t>
+            </a:r>
+          </a:p>
+          <a:p>
+            <a:r>
+              <a:rPr lang="en-US" dirty="0"/>
+              <a:t>And Jesus came and spoke to them, saying, “All authority has been given to Me in heaven and on earth. Go therefore and make disciples of all the nations, baptizing them in the name of the Father and of the Son and of the Holy Spirit, teaching them to observe all things that I have commanded you; and lo, I am with you always, even to the end of the age.” Amen. (Matthew 28:18-20)</a:t>
+            </a:r>
+          </a:p>
+          <a:p>
+            <a:r>
+              <a:rPr lang="en-US" b="1" dirty="0"/>
+              <a:t>Read Acts 2:46-47</a:t>
+            </a:r>
+          </a:p>
+        </p:txBody>
+      </p:sp>
+    </p:spTree>
+    <p:extLst>
+      <p:ext uri="{BB962C8B-B14F-4D97-AF65-F5344CB8AC3E}">
+        <p14:creationId xmlns:p14="http://schemas.microsoft.com/office/powerpoint/2010/main" val="2582179444"/>
+      </p:ext>
+    </p:extLst>
+  </p:cSld>
+  <p:clrMapOvr>
+    <a:masterClrMapping/>
+  </p:clrMapOvr>
+  <p:timing>
+    <p:tnLst>
+      <p:par>
+        <p:cTn id="1" dur="indefinite" restart="never" nodeType="tmRoot">
+          <p:childTnLst>
+            <p:seq concurrent="1" nextAc="seek">
+              <p:cTn id="2" dur="indefinite" nodeType="mainSeq">
+                <p:childTnLst>
+                  <p:par>
+                    <p:cTn id="3" fill="hold">
+                      <p:stCondLst>
+                        <p:cond delay="indefinite"/>
+                      </p:stCondLst>
+                      <p:childTnLst>
+                        <p:par>
+                          <p:cTn id="4" fill="hold">
+                            <p:stCondLst>
+                              <p:cond delay="0"/>
+                            </p:stCondLst>
+                            <p:childTnLst>
+                              <p:par>
+                                <p:cTn id="5" presetID="1" presetClass="entr" presetSubtype="0" fill="hold" nodeType="clickEffect">
+                                  <p:stCondLst>
+                                    <p:cond delay="0"/>
+                                  </p:stCondLst>
+                                  <p:childTnLst>
+                                    <p:set>
+                                      <p:cBhvr>
+                                        <p:cTn id="6" dur="1" fill="hold">
+                                          <p:stCondLst>
+                                            <p:cond delay="0"/>
+                                          </p:stCondLst>
+                                        </p:cTn>
+                                        <p:tgtEl>
+                                          <p:spTgt spid="3">
+                                            <p:txEl>
+                                              <p:pRg st="0" end="0"/>
+                                            </p:txEl>
+                                          </p:spTgt>
+                                        </p:tgtEl>
+                                        <p:attrNameLst>
+                                          <p:attrName>style.visibility</p:attrName>
+                                        </p:attrNameLst>
+                                      </p:cBhvr>
+                                      <p:to>
+                                        <p:strVal val="visible"/>
+                                      </p:to>
+                                    </p:set>
+                                  </p:childTnLst>
+                                </p:cTn>
+                              </p:par>
+                            </p:childTnLst>
+                          </p:cTn>
+                        </p:par>
+                      </p:childTnLst>
+                    </p:cTn>
+                  </p:par>
+                  <p:par>
+                    <p:cTn id="7" fill="hold">
+                      <p:stCondLst>
+                        <p:cond delay="indefinite"/>
+                      </p:stCondLst>
+                      <p:childTnLst>
+                        <p:par>
+                          <p:cTn id="8" fill="hold">
+                            <p:stCondLst>
+                              <p:cond delay="0"/>
+                            </p:stCondLst>
+                            <p:childTnLst>
+                              <p:par>
+                                <p:cTn id="9" presetID="1" presetClass="entr" presetSubtype="0" fill="hold" nodeType="clickEffect">
+                                  <p:stCondLst>
+                                    <p:cond delay="0"/>
+                                  </p:stCondLst>
+                                  <p:childTnLst>
+                                    <p:set>
+                                      <p:cBhvr>
+                                        <p:cTn id="10" dur="1" fill="hold">
+                                          <p:stCondLst>
+                                            <p:cond delay="0"/>
+                                          </p:stCondLst>
+                                        </p:cTn>
+                                        <p:tgtEl>
+                                          <p:spTgt spid="3">
+                                            <p:txEl>
+                                              <p:pRg st="1" end="1"/>
+                                            </p:txEl>
+                                          </p:spTgt>
+                                        </p:tgtEl>
+                                        <p:attrNameLst>
+                                          <p:attrName>style.visibility</p:attrName>
+                                        </p:attrNameLst>
+                                      </p:cBhvr>
+                                      <p:to>
+                                        <p:strVal val="visible"/>
+                                      </p:to>
+                                    </p:set>
+                                  </p:childTnLst>
+                                </p:cTn>
+                              </p:par>
+                            </p:childTnLst>
+                          </p:cTn>
+                        </p:par>
+                      </p:childTnLst>
+                    </p:cTn>
+                  </p:par>
+                  <p:par>
+                    <p:cTn id="11" fill="hold">
+                      <p:stCondLst>
+                        <p:cond delay="indefinite"/>
+                      </p:stCondLst>
+                      <p:childTnLst>
+                        <p:par>
+                          <p:cTn id="12" fill="hold">
+                            <p:stCondLst>
+                              <p:cond delay="0"/>
+                            </p:stCondLst>
+                            <p:childTnLst>
+                              <p:par>
+                                <p:cTn id="13" presetID="1" presetClass="entr" presetSubtype="0" fill="hold" nodeType="clickEffect">
+                                  <p:stCondLst>
+                                    <p:cond delay="0"/>
+                                  </p:stCondLst>
+                                  <p:childTnLst>
+                                    <p:set>
+                                      <p:cBhvr>
+                                        <p:cTn id="14" dur="1" fill="hold">
+                                          <p:stCondLst>
+                                            <p:cond delay="0"/>
+                                          </p:stCondLst>
+                                        </p:cTn>
+                                        <p:tgtEl>
+                                          <p:spTgt spid="3">
+                                            <p:txEl>
+                                              <p:pRg st="2" end="2"/>
+                                            </p:txEl>
+                                          </p:spTgt>
+                                        </p:tgtEl>
+                                        <p:attrNameLst>
+                                          <p:attrName>style.visibility</p:attrName>
+                                        </p:attrNameLst>
+                                      </p:cBhvr>
+                                      <p:to>
+                                        <p:strVal val="visible"/>
+                                      </p:to>
+                                    </p:set>
+                                  </p:childTnLst>
+                                </p:cTn>
+                              </p:par>
+                            </p:childTnLst>
+                          </p:cTn>
+                        </p:par>
+                      </p:childTnLst>
+                    </p:cTn>
+                  </p:par>
+                  <p:par>
+                    <p:cTn id="15" fill="hold">
+                      <p:stCondLst>
+                        <p:cond delay="indefinite"/>
+                      </p:stCondLst>
+                      <p:childTnLst>
+                        <p:par>
+                          <p:cTn id="16" fill="hold">
+                            <p:stCondLst>
+                              <p:cond delay="0"/>
+                            </p:stCondLst>
+                            <p:childTnLst>
+                              <p:par>
+                                <p:cTn id="17" presetID="1" presetClass="entr" presetSubtype="0" fill="hold" nodeType="clickEffect">
+                                  <p:stCondLst>
+                                    <p:cond delay="0"/>
+                                  </p:stCondLst>
+                                  <p:childTnLst>
+                                    <p:set>
+                                      <p:cBhvr>
+                                        <p:cTn id="18" dur="1" fill="hold">
+                                          <p:stCondLst>
+                                            <p:cond delay="0"/>
+                                          </p:stCondLst>
+                                        </p:cTn>
+                                        <p:tgtEl>
+                                          <p:spTgt spid="3">
+                                            <p:txEl>
+                                              <p:pRg st="3" end="3"/>
+                                            </p:txEl>
+                                          </p:spTgt>
+                                        </p:tgtEl>
+                                        <p:attrNameLst>
+                                          <p:attrName>style.visibility</p:attrName>
+                                        </p:attrNameLst>
+                                      </p:cBhvr>
+                                      <p:to>
+                                        <p:strVal val="visible"/>
+                                      </p:to>
+                                    </p:set>
+                                  </p:childTnLst>
+                                </p:cTn>
+                              </p:par>
+                            </p:childTnLst>
+                          </p:cTn>
+                        </p:par>
+                      </p:childTnLst>
+                    </p:cTn>
+                  </p:par>
+                </p:childTnLst>
+              </p:cTn>
+              <p:prevCondLst>
+                <p:cond evt="onPrev" delay="0">
+                  <p:tgtEl>
+                    <p:sldTgt/>
+                  </p:tgtEl>
+                </p:cond>
+              </p:prevCondLst>
+              <p:nextCondLst>
+                <p:cond evt="onNext" delay="0">
+                  <p:tgtEl>
+                    <p:sldTgt/>
+                  </p:tgtEl>
+                </p:cond>
+              </p:nextCondLst>
+            </p:seq>
+          </p:childTnLst>
+        </p:cTn>
+      </p:par>
+    </p:tnLst>
+  </p:timing>
+</p:sld>
+</file>
+
+<file path=ppt/slides/slide31.xml><?xml version="1.0" encoding="utf-8"?>
+<p:sld xmlns:a="http://schemas.openxmlformats.org/drawingml/2006/main" xmlns:r="http://schemas.openxmlformats.org/officeDocument/2006/relationships" xmlns:p="http://schemas.openxmlformats.org/presentationml/2006/main">
+  <p:cSld>
+    <p:spTree>
+      <p:nvGrpSpPr>
+        <p:cNvPr id="1" name=""/>
+        <p:cNvGrpSpPr/>
+        <p:nvPr/>
+      </p:nvGrpSpPr>
+      <p:grpSpPr>
+        <a:xfrm>
+          <a:off x="0" y="0"/>
+          <a:ext cx="0" cy="0"/>
+          <a:chOff x="0" y="0"/>
+          <a:chExt cx="0" cy="0"/>
+        </a:xfrm>
+      </p:grpSpPr>
+      <p:sp>
+        <p:nvSpPr>
+          <p:cNvPr id="2" name="Title 1"/>
+          <p:cNvSpPr>
+            <a:spLocks noGrp="1" noEditPoints="1"/>
+          </p:cNvSpPr>
+          <p:nvPr>
+            <p:ph type="title"/>
+          </p:nvPr>
+        </p:nvSpPr>
+        <p:spPr/>
+        <p:txBody>
+          <a:bodyPr/>
+          <a:lstStyle/>
+          <a:p>
+            <a:pPr algn="ctr"/>
+            <a:r>
+              <a:rPr lang="en-US" b="1" dirty="0">
+                <a:latin typeface="Bookman Old Style"/>
+                <a:cs typeface="Calibri Light" panose="020F0302020204030204"/>
+              </a:rPr>
+              <a:t>Question #88</a:t>
+            </a:r>
+            <a:endParaRPr lang="en-US" b="1" dirty="0">
+              <a:latin typeface="Bookman Old Style"/>
+            </a:endParaRPr>
+          </a:p>
+        </p:txBody>
+      </p:sp>
+      <p:sp>
+        <p:nvSpPr>
+          <p:cNvPr id="3" name="Content Placeholder 2"/>
+          <p:cNvSpPr>
+            <a:spLocks noGrp="1" noEditPoints="1"/>
+          </p:cNvSpPr>
+          <p:nvPr>
+            <p:ph idx="1"/>
+          </p:nvPr>
+        </p:nvSpPr>
+        <p:spPr>
+          <a:xfrm>
+            <a:off x="1026942" y="1690688"/>
+            <a:ext cx="10086535" cy="4486275"/>
+          </a:xfrm>
+        </p:spPr>
+        <p:txBody>
+          <a:bodyPr vert="horz" lIns="91440" tIns="45720" rIns="91440" bIns="45720" rtlCol="0" anchor="t">
+            <a:normAutofit/>
+          </a:bodyPr>
+          <a:lstStyle/>
+          <a:p>
+            <a:r>
+              <a:rPr lang="en-US" sz="3200" b="1" dirty="0">
+                <a:ea typeface="+mn-lt"/>
+                <a:cs typeface="+mn-lt"/>
+              </a:rPr>
+              <a:t>Q. What are the outward means whereby Christ </a:t>
+            </a:r>
+            <a:r>
+              <a:rPr lang="en-US" sz="3200" b="1" dirty="0" err="1">
+                <a:ea typeface="+mn-lt"/>
+                <a:cs typeface="+mn-lt"/>
+              </a:rPr>
+              <a:t>communicateth</a:t>
+            </a:r>
+            <a:r>
+              <a:rPr lang="en-US" sz="3200" b="1" dirty="0">
+                <a:ea typeface="+mn-lt"/>
+                <a:cs typeface="+mn-lt"/>
+              </a:rPr>
+              <a:t> to us the benefits of redemption? </a:t>
+            </a:r>
+          </a:p>
+          <a:p>
+            <a:r>
+              <a:rPr lang="en-US" sz="3200" b="1" dirty="0">
+                <a:ea typeface="+mn-lt"/>
+                <a:cs typeface="+mn-lt"/>
+              </a:rPr>
+              <a:t>A. The outward and ordinary means whereby Christ </a:t>
+            </a:r>
+            <a:r>
+              <a:rPr lang="en-US" sz="3200" b="1" dirty="0" err="1">
+                <a:ea typeface="+mn-lt"/>
+                <a:cs typeface="+mn-lt"/>
+              </a:rPr>
+              <a:t>communicateth</a:t>
+            </a:r>
+            <a:r>
+              <a:rPr lang="en-US" sz="3200" b="1" dirty="0">
+                <a:ea typeface="+mn-lt"/>
+                <a:cs typeface="+mn-lt"/>
+              </a:rPr>
+              <a:t> to us the benefits of redemption, are his ordinances, especially the word, sacraments, and prayer; all which are made effectual to the elect for salvation.</a:t>
+            </a:r>
+          </a:p>
+        </p:txBody>
+      </p:sp>
+    </p:spTree>
+    <p:extLst>
+      <p:ext uri="{BB962C8B-B14F-4D97-AF65-F5344CB8AC3E}">
+        <p14:creationId xmlns:p14="http://schemas.microsoft.com/office/powerpoint/2010/main" val="1969849173"/>
+      </p:ext>
+    </p:extLst>
+  </p:cSld>
+  <p:clrMapOvr>
+    <a:masterClrMapping/>
+  </p:clrMapOvr>
+  <p:transition spd="slow">
+    <p:wipe/>
+  </p:transition>
+</p:sld>
+</file>
+
+<file path=ppt/slides/slide32.xml><?xml version="1.0" encoding="utf-8"?>
+<p:sld xmlns:a="http://schemas.openxmlformats.org/drawingml/2006/main" xmlns:r="http://schemas.openxmlformats.org/officeDocument/2006/relationships" xmlns:p="http://schemas.openxmlformats.org/presentationml/2006/main">
+  <p:cSld>
+    <p:spTree>
+      <p:nvGrpSpPr>
+        <p:cNvPr id="1" name=""/>
+        <p:cNvGrpSpPr/>
+        <p:nvPr/>
+      </p:nvGrpSpPr>
+      <p:grpSpPr>
+        <a:xfrm>
+          <a:off x="0" y="0"/>
+          <a:ext cx="0" cy="0"/>
+          <a:chOff x="0" y="0"/>
+          <a:chExt cx="0" cy="0"/>
+        </a:xfrm>
+      </p:grpSpPr>
+      <p:sp>
+        <p:nvSpPr>
+          <p:cNvPr id="2" name="Title 1"/>
+          <p:cNvSpPr>
+            <a:spLocks noGrp="1" noEditPoints="1"/>
+          </p:cNvSpPr>
+          <p:nvPr>
+            <p:ph type="title"/>
+          </p:nvPr>
+        </p:nvSpPr>
+        <p:spPr>
+          <a:prstGeom prst="rect">
+            <a:avLst/>
+          </a:prstGeom>
+        </p:spPr>
+        <p:txBody>
+          <a:bodyPr/>
+          <a:lstStyle/>
+          <a:p>
+            <a:pPr algn="ctr"/>
+            <a:r>
+              <a:rPr lang="en-US" b="1" dirty="0">
+                <a:latin typeface="Bookman Old Style"/>
+                <a:cs typeface="Calibri Light" panose="020F0302020204030204"/>
+              </a:rPr>
+              <a:t>What does the Bible say?</a:t>
+            </a:r>
+          </a:p>
+        </p:txBody>
+      </p:sp>
+      <p:sp>
+        <p:nvSpPr>
+          <p:cNvPr id="3" name="Content Placeholder 2"/>
+          <p:cNvSpPr>
+            <a:spLocks noGrp="1" noEditPoints="1"/>
+          </p:cNvSpPr>
+          <p:nvPr>
+            <p:ph idx="1"/>
+          </p:nvPr>
+        </p:nvSpPr>
+        <p:spPr>
+          <a:prstGeom prst="rect">
+            <a:avLst/>
+          </a:prstGeom>
+        </p:spPr>
+        <p:txBody>
+          <a:bodyPr>
+            <a:noAutofit/>
+          </a:bodyPr>
+          <a:lstStyle/>
+          <a:p>
+            <a:r>
+              <a:rPr lang="en-US" sz="3200" dirty="0"/>
+              <a:t>“And they continued steadfastly in the apostles’ doctrine and fellowship, in the breaking of bread, and in prayers. ” (Acts 2:42)</a:t>
+            </a:r>
+          </a:p>
+          <a:p>
+            <a:r>
+              <a:rPr lang="en-US" sz="3200" dirty="0"/>
+              <a:t>“I planted, Apollos watered, but God gave the increase. ” (1Corinthians 3:6)</a:t>
+            </a:r>
+          </a:p>
+        </p:txBody>
+      </p:sp>
+    </p:spTree>
+    <p:extLst>
+      <p:ext uri="{BB962C8B-B14F-4D97-AF65-F5344CB8AC3E}">
+        <p14:creationId xmlns:p14="http://schemas.microsoft.com/office/powerpoint/2010/main" val="156187375"/>
+      </p:ext>
+    </p:extLst>
+  </p:cSld>
+  <p:clrMapOvr>
+    <a:masterClrMapping/>
+  </p:clrMapOvr>
+  <p:transition spd="slow">
+    <p:wipe/>
+  </p:transition>
+  <p:timing>
+    <p:tnLst>
+      <p:par>
+        <p:cTn id="1" dur="indefinite" restart="never" nodeType="tmRoot">
+          <p:childTnLst>
+            <p:seq concurrent="1" nextAc="seek">
+              <p:cTn id="2" dur="indefinite" nodeType="mainSeq">
+                <p:childTnLst>
+                  <p:par>
+                    <p:cTn id="3" fill="hold">
+                      <p:stCondLst>
+                        <p:cond delay="indefinite"/>
+                      </p:stCondLst>
+                      <p:childTnLst>
+                        <p:par>
+                          <p:cTn id="4" fill="hold">
+                            <p:stCondLst>
+                              <p:cond delay="0"/>
+                            </p:stCondLst>
+                            <p:childTnLst>
+                              <p:par>
+                                <p:cTn id="5" presetID="1" presetClass="entr" presetSubtype="0" fill="hold" nodeType="clickEffect">
+                                  <p:stCondLst>
+                                    <p:cond delay="0"/>
+                                  </p:stCondLst>
+                                  <p:childTnLst>
+                                    <p:set>
+                                      <p:cBhvr>
+                                        <p:cTn id="6" dur="1" fill="hold">
+                                          <p:stCondLst>
+                                            <p:cond delay="0"/>
+                                          </p:stCondLst>
+                                        </p:cTn>
+                                        <p:tgtEl>
+                                          <p:spTgt spid="3">
+                                            <p:txEl>
+                                              <p:pRg st="0" end="0"/>
+                                            </p:txEl>
+                                          </p:spTgt>
+                                        </p:tgtEl>
+                                        <p:attrNameLst>
+                                          <p:attrName>style.visibility</p:attrName>
+                                        </p:attrNameLst>
+                                      </p:cBhvr>
+                                      <p:to>
+                                        <p:strVal val="visible"/>
+                                      </p:to>
+                                    </p:set>
+                                  </p:childTnLst>
+                                </p:cTn>
+                              </p:par>
+                            </p:childTnLst>
+                          </p:cTn>
+                        </p:par>
+                      </p:childTnLst>
+                    </p:cTn>
+                  </p:par>
+                  <p:par>
+                    <p:cTn id="7" fill="hold">
+                      <p:stCondLst>
+                        <p:cond delay="indefinite"/>
+                      </p:stCondLst>
+                      <p:childTnLst>
+                        <p:par>
+                          <p:cTn id="8" fill="hold">
+                            <p:stCondLst>
+                              <p:cond delay="0"/>
+                            </p:stCondLst>
+                            <p:childTnLst>
+                              <p:par>
+                                <p:cTn id="9" presetID="1" presetClass="entr" presetSubtype="0" fill="hold" nodeType="clickEffect">
+                                  <p:stCondLst>
+                                    <p:cond delay="0"/>
+                                  </p:stCondLst>
+                                  <p:childTnLst>
+                                    <p:set>
+                                      <p:cBhvr>
+                                        <p:cTn id="10" dur="1" fill="hold">
+                                          <p:stCondLst>
+                                            <p:cond delay="0"/>
+                                          </p:stCondLst>
+                                        </p:cTn>
+                                        <p:tgtEl>
+                                          <p:spTgt spid="3">
+                                            <p:txEl>
+                                              <p:pRg st="1" end="1"/>
+                                            </p:txEl>
+                                          </p:spTgt>
+                                        </p:tgtEl>
+                                        <p:attrNameLst>
+                                          <p:attrName>style.visibility</p:attrName>
+                                        </p:attrNameLst>
+                                      </p:cBhvr>
+                                      <p:to>
+                                        <p:strVal val="visible"/>
+                                      </p:to>
+                                    </p:set>
+                                  </p:childTnLst>
+                                </p:cTn>
+                              </p:par>
+                            </p:childTnLst>
+                          </p:cTn>
+                        </p:par>
+                      </p:childTnLst>
+                    </p:cTn>
+                  </p:par>
+                </p:childTnLst>
+              </p:cTn>
+              <p:prevCondLst>
+                <p:cond evt="onPrev" delay="0">
+                  <p:tgtEl>
+                    <p:sldTgt/>
+                  </p:tgtEl>
+                </p:cond>
+              </p:prevCondLst>
+              <p:nextCondLst>
+                <p:cond evt="onNext" delay="0">
+                  <p:tgtEl>
+                    <p:sldTgt/>
+                  </p:tgtEl>
+                </p:cond>
+              </p:nextCondLst>
+            </p:seq>
+          </p:childTnLst>
+        </p:cTn>
+      </p:par>
+    </p:tnLst>
   </p:timing>
 </p:sld>
 </file>

--- a/WSC85-88_211205.pptx
+++ b/WSC85-88_211205.pptx
@@ -228,7 +228,7 @@
           <a:p>
             <a:fld id="{AF5AD02D-5B64-44C4-B328-4A397A988A49}" type="datetimeFigureOut">
               <a:rPr lang="en-US"/>
-              <a:t>12/11/2021</a:t>
+              <a:t>12/12/2021</a:t>
             </a:fld>
             <a:endParaRPr lang="en-US"/>
           </a:p>
@@ -1772,7 +1772,7 @@
           <a:p>
             <a:fld id="{846CE7D5-CF57-46EF-B807-FDD0502418D4}" type="datetimeFigureOut">
               <a:rPr lang="en-US" smtClean="0"/>
-              <a:t>12/11/2021</a:t>
+              <a:t>12/12/2021</a:t>
             </a:fld>
             <a:endParaRPr lang="en-US"/>
           </a:p>
@@ -1935,7 +1935,7 @@
           <a:p>
             <a:fld id="{846CE7D5-CF57-46EF-B807-FDD0502418D4}" type="datetimeFigureOut">
               <a:rPr lang="en-US" smtClean="0"/>
-              <a:t>12/11/2021</a:t>
+              <a:t>12/12/2021</a:t>
             </a:fld>
             <a:endParaRPr lang="en-US"/>
           </a:p>
@@ -2108,7 +2108,7 @@
           <a:p>
             <a:fld id="{846CE7D5-CF57-46EF-B807-FDD0502418D4}" type="datetimeFigureOut">
               <a:rPr lang="en-US" smtClean="0"/>
-              <a:t>12/11/2021</a:t>
+              <a:t>12/12/2021</a:t>
             </a:fld>
             <a:endParaRPr lang="en-US"/>
           </a:p>
@@ -2271,7 +2271,7 @@
           <a:p>
             <a:fld id="{846CE7D5-CF57-46EF-B807-FDD0502418D4}" type="datetimeFigureOut">
               <a:rPr lang="en-US" smtClean="0"/>
-              <a:t>12/11/2021</a:t>
+              <a:t>12/12/2021</a:t>
             </a:fld>
             <a:endParaRPr lang="en-US"/>
           </a:p>
@@ -2511,7 +2511,7 @@
           <a:p>
             <a:fld id="{846CE7D5-CF57-46EF-B807-FDD0502418D4}" type="datetimeFigureOut">
               <a:rPr lang="en-US" smtClean="0"/>
-              <a:t>12/11/2021</a:t>
+              <a:t>12/12/2021</a:t>
             </a:fld>
             <a:endParaRPr lang="en-US"/>
           </a:p>
@@ -2735,7 +2735,7 @@
           <a:p>
             <a:fld id="{846CE7D5-CF57-46EF-B807-FDD0502418D4}" type="datetimeFigureOut">
               <a:rPr lang="en-US" smtClean="0"/>
-              <a:t>12/11/2021</a:t>
+              <a:t>12/12/2021</a:t>
             </a:fld>
             <a:endParaRPr lang="en-US"/>
           </a:p>
@@ -3094,7 +3094,7 @@
           <a:p>
             <a:fld id="{846CE7D5-CF57-46EF-B807-FDD0502418D4}" type="datetimeFigureOut">
               <a:rPr lang="en-US" smtClean="0"/>
-              <a:t>12/11/2021</a:t>
+              <a:t>12/12/2021</a:t>
             </a:fld>
             <a:endParaRPr lang="en-US"/>
           </a:p>
@@ -3206,7 +3206,7 @@
           <a:p>
             <a:fld id="{846CE7D5-CF57-46EF-B807-FDD0502418D4}" type="datetimeFigureOut">
               <a:rPr lang="en-US" smtClean="0"/>
-              <a:t>12/11/2021</a:t>
+              <a:t>12/12/2021</a:t>
             </a:fld>
             <a:endParaRPr lang="en-US"/>
           </a:p>
@@ -3296,7 +3296,7 @@
           <a:p>
             <a:fld id="{846CE7D5-CF57-46EF-B807-FDD0502418D4}" type="datetimeFigureOut">
               <a:rPr lang="en-US" smtClean="0"/>
-              <a:t>12/11/2021</a:t>
+              <a:t>12/12/2021</a:t>
             </a:fld>
             <a:endParaRPr lang="en-US"/>
           </a:p>
@@ -3566,7 +3566,7 @@
           <a:p>
             <a:fld id="{846CE7D5-CF57-46EF-B807-FDD0502418D4}" type="datetimeFigureOut">
               <a:rPr lang="en-US" smtClean="0"/>
-              <a:t>12/11/2021</a:t>
+              <a:t>12/12/2021</a:t>
             </a:fld>
             <a:endParaRPr lang="en-US"/>
           </a:p>
@@ -3817,7 +3817,7 @@
           <a:p>
             <a:fld id="{846CE7D5-CF57-46EF-B807-FDD0502418D4}" type="datetimeFigureOut">
               <a:rPr lang="en-US" smtClean="0"/>
-              <a:t>12/11/2021</a:t>
+              <a:t>12/12/2021</a:t>
             </a:fld>
             <a:endParaRPr lang="en-US"/>
           </a:p>
@@ -4023,7 +4023,7 @@
           <a:p>
             <a:fld id="{846CE7D5-CF57-46EF-B807-FDD0502418D4}" type="datetimeFigureOut">
               <a:rPr lang="en-US" smtClean="0"/>
-              <a:t>12/11/2021</a:t>
+              <a:t>12/12/2021</a:t>
             </a:fld>
             <a:endParaRPr lang="en-US"/>
           </a:p>
@@ -4839,7 +4839,15 @@
             <a:pPr algn="ctr"/>
             <a:r>
               <a:rPr lang="en-US" dirty="0"/>
-              <a:t>The elements of faith</a:t>
+              <a:t>The </a:t>
+            </a:r>
+            <a:r>
+              <a:rPr lang="hu-HU" dirty="0"/>
+              <a:t>level</a:t>
+            </a:r>
+            <a:r>
+              <a:rPr lang="en-US" dirty="0"/>
+              <a:t>s of faith</a:t>
             </a:r>
           </a:p>
         </p:txBody>
@@ -5859,7 +5867,9 @@
         </p:nvSpPr>
         <p:spPr/>
         <p:txBody>
-          <a:bodyPr/>
+          <a:bodyPr>
+            <a:normAutofit lnSpcReduction="10000"/>
+          </a:bodyPr>
           <a:lstStyle/>
           <a:p>
             <a:r>
@@ -5874,7 +5884,23 @@
             </a:r>
             <a:r>
               <a:rPr lang="en-US" dirty="0"/>
-              <a:t> Is faith active or passive?</a:t>
+              <a:t> Is faith </a:t>
+            </a:r>
+            <a:r>
+              <a:rPr lang="en-US" i="1" dirty="0"/>
+              <a:t>active</a:t>
+            </a:r>
+            <a:r>
+              <a:rPr lang="en-US" dirty="0"/>
+              <a:t> or </a:t>
+            </a:r>
+            <a:r>
+              <a:rPr lang="en-US" i="1" dirty="0"/>
+              <a:t>passive</a:t>
+            </a:r>
+            <a:r>
+              <a:rPr lang="en-US" dirty="0"/>
+              <a:t>?</a:t>
             </a:r>
           </a:p>
           <a:p>
@@ -5915,11 +5941,28 @@
               <a:rPr lang="en-US" dirty="0"/>
               <a:t>. </a:t>
             </a:r>
-          </a:p>
-          <a:p>
+            <a:endParaRPr lang="hu-HU" dirty="0"/>
+          </a:p>
+          <a:p>
+            <a:pPr lvl="1"/>
+            <a:r>
+              <a:rPr lang="hu-HU" dirty="0"/>
+              <a:t>Verse 1</a:t>
+            </a:r>
             <a:r>
               <a:rPr lang="en-US" dirty="0"/>
-              <a:t>Acts 11 also says that God </a:t>
+              <a:t>0:</a:t>
+            </a:r>
+            <a:r>
+              <a:rPr lang="hu-HU" dirty="0"/>
+              <a:t> God even prepared good work for us to walk in them.</a:t>
+            </a:r>
+            <a:endParaRPr lang="en-US" dirty="0"/>
+          </a:p>
+          <a:p>
+            <a:r>
+              <a:rPr lang="en-US" dirty="0"/>
+              <a:t>Acts 11:18 also says that God </a:t>
             </a:r>
             <a:r>
               <a:rPr lang="en-US" i="1" dirty="0"/>
@@ -6250,6 +6293,55 @@
                       </p:childTnLst>
                     </p:cTn>
                   </p:par>
+                  <p:par>
+                    <p:cTn id="27" fill="hold">
+                      <p:stCondLst>
+                        <p:cond delay="indefinite"/>
+                      </p:stCondLst>
+                      <p:childTnLst>
+                        <p:par>
+                          <p:cTn id="28" fill="hold">
+                            <p:stCondLst>
+                              <p:cond delay="0"/>
+                            </p:stCondLst>
+                            <p:childTnLst>
+                              <p:par>
+                                <p:cTn id="29" presetID="1" presetClass="entr" presetSubtype="0" fill="hold" nodeType="clickEffect">
+                                  <p:stCondLst>
+                                    <p:cond delay="0"/>
+                                  </p:stCondLst>
+                                  <p:childTnLst>
+                                    <p:set>
+                                      <p:cBhvr>
+                                        <p:cTn id="30" dur="1" fill="hold">
+                                          <p:stCondLst>
+                                            <p:cond delay="0"/>
+                                          </p:stCondLst>
+                                        </p:cTn>
+                                        <p:tgtEl>
+                                          <p:spTgt spid="3">
+                                            <p:txEl>
+                                              <p:pRg st="7" end="7"/>
+                                            </p:txEl>
+                                          </p:spTgt>
+                                        </p:tgtEl>
+                                        <p:attrNameLst>
+                                          <p:attrName>style.visibility</p:attrName>
+                                        </p:attrNameLst>
+                                      </p:cBhvr>
+                                      <p:to>
+                                        <p:strVal val="visible"/>
+                                      </p:to>
+                                    </p:set>
+                                  </p:childTnLst>
+                                </p:cTn>
+                              </p:par>
+                            </p:childTnLst>
+                          </p:cTn>
+                        </p:par>
+                      </p:childTnLst>
+                    </p:cTn>
+                  </p:par>
                 </p:childTnLst>
               </p:cTn>
               <p:prevCondLst>
@@ -6603,7 +6695,7 @@
         </p:spPr>
         <p:txBody>
           <a:bodyPr>
-            <a:normAutofit fontScale="92500"/>
+            <a:normAutofit/>
           </a:bodyPr>
           <a:lstStyle/>
           <a:p>
@@ -6698,14 +6790,14 @@
           <a:p>
             <a:r>
               <a:rPr lang="en-US" dirty="0"/>
-              <a:t>For some people, it is a long process to tease out the basics of the Gospel</a:t>
+              <a:t>For some people, it is a process to tease out the basics of the Gospel</a:t>
             </a:r>
           </a:p>
           <a:p>
             <a:pPr lvl="1"/>
             <a:r>
               <a:rPr lang="en-US" dirty="0"/>
-              <a:t>i.e., Jesus’ </a:t>
+              <a:t>Jesus’ </a:t>
             </a:r>
             <a:r>
               <a:rPr lang="en-US" i="1" dirty="0"/>
@@ -7126,10 +7218,9 @@
             </a:r>
           </a:p>
           <a:p>
-            <a:pPr lvl="1"/>
             <a:r>
               <a:rPr lang="en-US" dirty="0"/>
-              <a:t>People saved even in the womb! (Andras </a:t>
+              <a:t>People can be saved even in the womb! (i.e. Andras </a:t>
             </a:r>
             <a:r>
               <a:rPr lang="en-US" dirty="0" err="1"/>
@@ -7142,38 +7233,19 @@
           </a:p>
           <a:p>
             <a:r>
-              <a:rPr lang="en-US" sz="2600" dirty="0"/>
-              <a:t>And he said, “While the child was alive, I fasted and wept; for I said, ‘Who can tell whether the </a:t>
-            </a:r>
-            <a:r>
-              <a:rPr lang="en-US" sz="2600" cap="small" dirty="0">
-                <a:effectLst/>
-              </a:rPr>
-              <a:t>Lord</a:t>
-            </a:r>
-            <a:r>
-              <a:rPr lang="en-US" sz="2600" dirty="0"/>
-              <a:t> will be gracious to me, that the child may live?’ But now he is dead; why should I fast? Can I bring him back again? </a:t>
-            </a:r>
-            <a:r>
-              <a:rPr lang="en-US" sz="2600" b="1" dirty="0"/>
-              <a:t>I shall go to him</a:t>
-            </a:r>
-            <a:r>
-              <a:rPr lang="en-US" sz="2600" dirty="0"/>
-              <a:t>, but he shall not return to me.” (2Samuel 12:22-23)</a:t>
-            </a:r>
-          </a:p>
-          <a:p>
-            <a:r>
-              <a:rPr lang="en-US" sz="2600" dirty="0"/>
-              <a:t>Apparently the baby was saved, since King David would go to where he was.</a:t>
-            </a:r>
-          </a:p>
-          <a:p>
-            <a:r>
               <a:rPr lang="en-US" dirty="0"/>
-              <a:t>Nevertheless as to what happens in the womb between God and an unborn fetus is a mystery, we should be concerned about our own faith.</a:t>
+              <a:t>Someone can be regenerated before or after being born; God is sovereign </a:t>
+            </a:r>
+            <a:r>
+              <a:rPr lang="en-US"/>
+              <a:t>in this</a:t>
+            </a:r>
+            <a:endParaRPr lang="en-US" dirty="0"/>
+          </a:p>
+          <a:p>
+            <a:r>
+              <a:rPr lang="en-US" dirty="0"/>
+              <a:t>As to what happens in the womb between God and an unborn fetus is a mystery, we should be concerned about our own faith.</a:t>
             </a:r>
           </a:p>
         </p:txBody>
@@ -7224,105 +7296,7 @@
                                         <p:tgtEl>
                                           <p:spTgt spid="3">
                                             <p:txEl>
-                                              <p:pRg st="2" end="2"/>
-                                            </p:txEl>
-                                          </p:spTgt>
-                                        </p:tgtEl>
-                                        <p:attrNameLst>
-                                          <p:attrName>style.visibility</p:attrName>
-                                        </p:attrNameLst>
-                                      </p:cBhvr>
-                                      <p:to>
-                                        <p:strVal val="visible"/>
-                                      </p:to>
-                                    </p:set>
-                                  </p:childTnLst>
-                                </p:cTn>
-                              </p:par>
-                            </p:childTnLst>
-                          </p:cTn>
-                        </p:par>
-                      </p:childTnLst>
-                    </p:cTn>
-                  </p:par>
-                  <p:par>
-                    <p:cTn id="7" fill="hold">
-                      <p:stCondLst>
-                        <p:cond delay="indefinite"/>
-                      </p:stCondLst>
-                      <p:childTnLst>
-                        <p:par>
-                          <p:cTn id="8" fill="hold">
-                            <p:stCondLst>
-                              <p:cond delay="0"/>
-                            </p:stCondLst>
-                            <p:childTnLst>
-                              <p:par>
-                                <p:cTn id="9" presetID="1" presetClass="entr" presetSubtype="0" fill="hold" nodeType="clickEffect">
-                                  <p:stCondLst>
-                                    <p:cond delay="0"/>
-                                  </p:stCondLst>
-                                  <p:childTnLst>
-                                    <p:set>
-                                      <p:cBhvr>
-                                        <p:cTn id="10" dur="1" fill="hold">
-                                          <p:stCondLst>
-                                            <p:cond delay="0"/>
-                                          </p:stCondLst>
-                                        </p:cTn>
-                                        <p:tgtEl>
-                                          <p:spTgt spid="3">
-                                            <p:txEl>
                                               <p:pRg st="3" end="3"/>
-                                            </p:txEl>
-                                          </p:spTgt>
-                                        </p:tgtEl>
-                                        <p:attrNameLst>
-                                          <p:attrName>style.visibility</p:attrName>
-                                        </p:attrNameLst>
-                                      </p:cBhvr>
-                                      <p:to>
-                                        <p:strVal val="visible"/>
-                                      </p:to>
-                                    </p:set>
-                                  </p:childTnLst>
-                                </p:cTn>
-                              </p:par>
-                            </p:childTnLst>
-                          </p:cTn>
-                        </p:par>
-                      </p:childTnLst>
-                    </p:cTn>
-                  </p:par>
-                  <p:par>
-                    <p:cTn id="11" fill="hold">
-                      <p:stCondLst>
-                        <p:cond delay="indefinite"/>
-                      </p:stCondLst>
-                      <p:childTnLst>
-                        <p:par>
-                          <p:cTn id="12" fill="hold">
-                            <p:stCondLst>
-                              <p:cond delay="0"/>
-                            </p:stCondLst>
-                            <p:childTnLst>
-                              <p:par>
-                                <p:cTn id="13" presetID="1" presetClass="entr" presetSubtype="0" fill="hold" nodeType="clickEffect">
-                                  <p:stCondLst>
-                                    <p:cond delay="0"/>
-                                  </p:stCondLst>
-                                  <p:childTnLst>
-                                    <p:set>
-                                      <p:cBhvr>
-                                        <p:cTn id="14" dur="1" fill="hold">
-                                          <p:stCondLst>
-                                            <p:cond delay="0"/>
-                                          </p:stCondLst>
-                                        </p:cTn>
-                                        <p:tgtEl>
-                                          <p:spTgt spid="3">
-                                            <p:txEl>
-                                              <p:pRg st="4" end="4"/>
                                             </p:txEl>
                                           </p:spTgt>
                                         </p:tgtEl>
@@ -7851,7 +7825,7 @@
           <a:p>
             <a:r>
               <a:rPr lang="en-US" u="sng" dirty="0"/>
-              <a:t>Temporary, enthusiastic faith (miracle faith)</a:t>
+              <a:t>Temporary, enthusiastic faith</a:t>
             </a:r>
           </a:p>
           <a:p>
@@ -7886,7 +7860,7 @@
             <a:pPr lvl="1"/>
             <a:r>
               <a:rPr lang="en-US" dirty="0"/>
-              <a:t>A type of miracle faith</a:t>
+              <a:t>Miracle faith is also temporary</a:t>
             </a:r>
           </a:p>
         </p:txBody>
@@ -11132,7 +11106,23 @@
             </a:r>
             <a:r>
               <a:rPr lang="en-US" dirty="0"/>
-              <a:t>: We do not do good works to get saved, but we do good works because we are saved.</a:t>
+              <a:t>: We do not do good works </a:t>
+            </a:r>
+            <a:r>
+              <a:rPr lang="en-US" i="1" dirty="0"/>
+              <a:t>to get</a:t>
+            </a:r>
+            <a:r>
+              <a:rPr lang="en-US" dirty="0"/>
+              <a:t> saved; we do good works because we </a:t>
+            </a:r>
+            <a:r>
+              <a:rPr lang="en-US" i="1" dirty="0"/>
+              <a:t>are</a:t>
+            </a:r>
+            <a:r>
+              <a:rPr lang="en-US" dirty="0"/>
+              <a:t> saved.</a:t>
             </a:r>
           </a:p>
           <a:p>
@@ -11162,13 +11152,8 @@
             </a:r>
             <a:r>
               <a:rPr lang="en-US" dirty="0"/>
-              <a:t>: Abraham had faith and it was accredited to him as righteousness, but his faith showed forth in good works (that he was ready to </a:t>
-            </a:r>
-            <a:r>
-              <a:rPr lang="en-US"/>
-              <a:t>even sacrifice his only son)</a:t>
-            </a:r>
-            <a:endParaRPr lang="en-US" dirty="0"/>
+              <a:t>: Abraham had faith and it was accredited to him as righteousness, but his faith showed forth in good works (that he was ready to even sacrifice his only son)</a:t>
+            </a:r>
           </a:p>
         </p:txBody>
       </p:sp>

--- a/WSC85-88_211205.pptx
+++ b/WSC85-88_211205.pptx
@@ -5,7 +5,7 @@
     <p:sldMasterId id="2147483648" r:id="rId1"/>
   </p:sldMasterIdLst>
   <p:notesMasterIdLst>
-    <p:notesMasterId r:id="rId34"/>
+    <p:notesMasterId r:id="rId43"/>
   </p:notesMasterIdLst>
   <p:sldIdLst>
     <p:sldId id="256" r:id="rId2"/>
@@ -37,9 +37,18 @@
     <p:sldId id="436" r:id="rId28"/>
     <p:sldId id="437" r:id="rId29"/>
     <p:sldId id="438" r:id="rId30"/>
-    <p:sldId id="439" r:id="rId31"/>
-    <p:sldId id="434" r:id="rId32"/>
-    <p:sldId id="435" r:id="rId33"/>
+    <p:sldId id="443" r:id="rId31"/>
+    <p:sldId id="439" r:id="rId32"/>
+    <p:sldId id="440" r:id="rId33"/>
+    <p:sldId id="446" r:id="rId34"/>
+    <p:sldId id="447" r:id="rId35"/>
+    <p:sldId id="448" r:id="rId36"/>
+    <p:sldId id="434" r:id="rId37"/>
+    <p:sldId id="435" r:id="rId38"/>
+    <p:sldId id="441" r:id="rId39"/>
+    <p:sldId id="444" r:id="rId40"/>
+    <p:sldId id="442" r:id="rId41"/>
+    <p:sldId id="445" r:id="rId42"/>
   </p:sldIdLst>
   <p:sldSz cx="12192000" cy="6858000"/>
   <p:notesSz cx="6858000" cy="9144000"/>
@@ -228,7 +237,7 @@
           <a:p>
             <a:fld id="{AF5AD02D-5B64-44C4-B328-4A397A988A49}" type="datetimeFigureOut">
               <a:rPr lang="en-US"/>
-              <a:t>12/12/2021</a:t>
+              <a:t>12/20/2021</a:t>
             </a:fld>
             <a:endParaRPr lang="en-US"/>
           </a:p>
@@ -680,7 +689,7 @@
           <a:p>
             <a:fld id="{EFD74D62-D73B-4690-B210-E83862395C1B}" type="slidenum">
               <a:rPr lang="en-US" smtClean="0"/>
-              <a:t>31</a:t>
+              <a:t>36</a:t>
             </a:fld>
             <a:endParaRPr lang="en-US"/>
           </a:p>
@@ -787,7 +796,7 @@
           <a:p>
             <a:fld id="{A6A04EB3-A312-4B17-B5CE-355FB7432F6A}" type="slidenum">
               <a:rPr lang="en-US" smtClean="0"/>
-              <a:t>32</a:t>
+              <a:t>37</a:t>
             </a:fld>
             <a:endParaRPr lang="en-US"/>
           </a:p>
@@ -1772,7 +1781,7 @@
           <a:p>
             <a:fld id="{846CE7D5-CF57-46EF-B807-FDD0502418D4}" type="datetimeFigureOut">
               <a:rPr lang="en-US" smtClean="0"/>
-              <a:t>12/12/2021</a:t>
+              <a:t>12/20/2021</a:t>
             </a:fld>
             <a:endParaRPr lang="en-US"/>
           </a:p>
@@ -1935,7 +1944,7 @@
           <a:p>
             <a:fld id="{846CE7D5-CF57-46EF-B807-FDD0502418D4}" type="datetimeFigureOut">
               <a:rPr lang="en-US" smtClean="0"/>
-              <a:t>12/12/2021</a:t>
+              <a:t>12/20/2021</a:t>
             </a:fld>
             <a:endParaRPr lang="en-US"/>
           </a:p>
@@ -2108,7 +2117,7 @@
           <a:p>
             <a:fld id="{846CE7D5-CF57-46EF-B807-FDD0502418D4}" type="datetimeFigureOut">
               <a:rPr lang="en-US" smtClean="0"/>
-              <a:t>12/12/2021</a:t>
+              <a:t>12/20/2021</a:t>
             </a:fld>
             <a:endParaRPr lang="en-US"/>
           </a:p>
@@ -2271,7 +2280,7 @@
           <a:p>
             <a:fld id="{846CE7D5-CF57-46EF-B807-FDD0502418D4}" type="datetimeFigureOut">
               <a:rPr lang="en-US" smtClean="0"/>
-              <a:t>12/12/2021</a:t>
+              <a:t>12/20/2021</a:t>
             </a:fld>
             <a:endParaRPr lang="en-US"/>
           </a:p>
@@ -2511,7 +2520,7 @@
           <a:p>
             <a:fld id="{846CE7D5-CF57-46EF-B807-FDD0502418D4}" type="datetimeFigureOut">
               <a:rPr lang="en-US" smtClean="0"/>
-              <a:t>12/12/2021</a:t>
+              <a:t>12/20/2021</a:t>
             </a:fld>
             <a:endParaRPr lang="en-US"/>
           </a:p>
@@ -2735,7 +2744,7 @@
           <a:p>
             <a:fld id="{846CE7D5-CF57-46EF-B807-FDD0502418D4}" type="datetimeFigureOut">
               <a:rPr lang="en-US" smtClean="0"/>
-              <a:t>12/12/2021</a:t>
+              <a:t>12/20/2021</a:t>
             </a:fld>
             <a:endParaRPr lang="en-US"/>
           </a:p>
@@ -3094,7 +3103,7 @@
           <a:p>
             <a:fld id="{846CE7D5-CF57-46EF-B807-FDD0502418D4}" type="datetimeFigureOut">
               <a:rPr lang="en-US" smtClean="0"/>
-              <a:t>12/12/2021</a:t>
+              <a:t>12/20/2021</a:t>
             </a:fld>
             <a:endParaRPr lang="en-US"/>
           </a:p>
@@ -3206,7 +3215,7 @@
           <a:p>
             <a:fld id="{846CE7D5-CF57-46EF-B807-FDD0502418D4}" type="datetimeFigureOut">
               <a:rPr lang="en-US" smtClean="0"/>
-              <a:t>12/12/2021</a:t>
+              <a:t>12/20/2021</a:t>
             </a:fld>
             <a:endParaRPr lang="en-US"/>
           </a:p>
@@ -3296,7 +3305,7 @@
           <a:p>
             <a:fld id="{846CE7D5-CF57-46EF-B807-FDD0502418D4}" type="datetimeFigureOut">
               <a:rPr lang="en-US" smtClean="0"/>
-              <a:t>12/12/2021</a:t>
+              <a:t>12/20/2021</a:t>
             </a:fld>
             <a:endParaRPr lang="en-US"/>
           </a:p>
@@ -3566,7 +3575,7 @@
           <a:p>
             <a:fld id="{846CE7D5-CF57-46EF-B807-FDD0502418D4}" type="datetimeFigureOut">
               <a:rPr lang="en-US" smtClean="0"/>
-              <a:t>12/12/2021</a:t>
+              <a:t>12/20/2021</a:t>
             </a:fld>
             <a:endParaRPr lang="en-US"/>
           </a:p>
@@ -3817,7 +3826,7 @@
           <a:p>
             <a:fld id="{846CE7D5-CF57-46EF-B807-FDD0502418D4}" type="datetimeFigureOut">
               <a:rPr lang="en-US" smtClean="0"/>
-              <a:t>12/12/2021</a:t>
+              <a:t>12/20/2021</a:t>
             </a:fld>
             <a:endParaRPr lang="en-US"/>
           </a:p>
@@ -4023,7 +4032,7 @@
           <a:p>
             <a:fld id="{846CE7D5-CF57-46EF-B807-FDD0502418D4}" type="datetimeFigureOut">
               <a:rPr lang="en-US" smtClean="0"/>
-              <a:t>12/12/2021</a:t>
+              <a:t>12/20/2021</a:t>
             </a:fld>
             <a:endParaRPr lang="en-US"/>
           </a:p>
@@ -5884,7 +5893,11 @@
             </a:r>
             <a:r>
               <a:rPr lang="en-US" dirty="0"/>
-              <a:t> Is faith </a:t>
+              <a:t> Is </a:t>
+            </a:r>
+            <a:r>
+              <a:rPr lang="en-US"/>
+              <a:t>the reception of faith </a:t>
             </a:r>
             <a:r>
               <a:rPr lang="en-US" i="1" dirty="0"/>
@@ -13422,7 +13435,7 @@
         </p:spPr>
         <p:txBody>
           <a:bodyPr>
-            <a:normAutofit lnSpcReduction="10000"/>
+            <a:normAutofit/>
           </a:bodyPr>
           <a:lstStyle/>
           <a:p>
@@ -13454,21 +13467,17 @@
           <a:p>
             <a:r>
               <a:rPr lang="en-US" dirty="0"/>
-              <a:t>Roman Catholics claim to be Christian because of outward means</a:t>
-            </a:r>
-          </a:p>
-          <a:p>
-            <a:r>
-              <a:rPr lang="en-US" dirty="0"/>
-              <a:t>“For he is not a Jew who is one outwardly, nor is circumcision that which is outward in the flesh; </a:t>
+              <a:t>The Eucharist: a true medicine that can protect against committing sins (magical properties) </a:t>
             </a:r>
             <a:r>
               <a:rPr lang="en-US" b="1" dirty="0"/>
-              <a:t>but he is a Jew who is one inwardly; and circumcision is that of the heart, in the Spirit</a:t>
-            </a:r>
-            <a:r>
-              <a:rPr lang="en-US" dirty="0"/>
-              <a:t>, not in the letter; whose praise is not from men but from God.” (Romans 2:28-29)</a:t>
+              <a:t>[reference CCC]</a:t>
+            </a:r>
+          </a:p>
+          <a:p>
+            <a:r>
+              <a:rPr lang="en-US" dirty="0"/>
+              <a:t>Penance: the Roman priest believes that he truly can forgive sins</a:t>
             </a:r>
           </a:p>
         </p:txBody>
@@ -13970,6 +13979,310 @@
           <p:cNvPr id="2" name="Title 1">
             <a:extLst>
               <a:ext uri="{FF2B5EF4-FFF2-40B4-BE49-F238E27FC236}">
+                <a16:creationId xmlns:a16="http://schemas.microsoft.com/office/drawing/2014/main" id="{CB921AC4-A02D-46BC-B63C-2E3B957EFD09}"/>
+              </a:ext>
+            </a:extLst>
+          </p:cNvPr>
+          <p:cNvSpPr>
+            <a:spLocks noGrp="1"/>
+          </p:cNvSpPr>
+          <p:nvPr>
+            <p:ph type="title"/>
+          </p:nvPr>
+        </p:nvSpPr>
+        <p:spPr>
+          <a:xfrm>
+            <a:off x="838200" y="259618"/>
+            <a:ext cx="10515600" cy="1325563"/>
+          </a:xfrm>
+        </p:spPr>
+        <p:txBody>
+          <a:bodyPr/>
+          <a:lstStyle/>
+          <a:p>
+            <a:pPr algn="ctr"/>
+            <a:r>
+              <a:rPr lang="en-US" dirty="0"/>
+              <a:t>Roman Catholic sacramentalism</a:t>
+            </a:r>
+          </a:p>
+        </p:txBody>
+      </p:sp>
+      <p:sp>
+        <p:nvSpPr>
+          <p:cNvPr id="3" name="Content Placeholder 2">
+            <a:extLst>
+              <a:ext uri="{FF2B5EF4-FFF2-40B4-BE49-F238E27FC236}">
+                <a16:creationId xmlns:a16="http://schemas.microsoft.com/office/drawing/2014/main" id="{11EBFC09-4BA8-4013-B6DF-A3ECB5C24E59}"/>
+              </a:ext>
+            </a:extLst>
+          </p:cNvPr>
+          <p:cNvSpPr>
+            <a:spLocks noGrp="1"/>
+          </p:cNvSpPr>
+          <p:nvPr>
+            <p:ph idx="1"/>
+          </p:nvPr>
+        </p:nvSpPr>
+        <p:spPr>
+          <a:xfrm>
+            <a:off x="838200" y="1585181"/>
+            <a:ext cx="10515600" cy="4591782"/>
+          </a:xfrm>
+        </p:spPr>
+        <p:txBody>
+          <a:bodyPr>
+            <a:normAutofit/>
+          </a:bodyPr>
+          <a:lstStyle/>
+          <a:p>
+            <a:r>
+              <a:rPr lang="en-US" dirty="0"/>
+              <a:t>Rome overemphasizes the outward means</a:t>
+            </a:r>
+          </a:p>
+          <a:p>
+            <a:r>
+              <a:rPr lang="en-US" dirty="0"/>
+              <a:t>She claim to be Christian </a:t>
+            </a:r>
+            <a:r>
+              <a:rPr lang="en-US" i="1" dirty="0"/>
+              <a:t>because of</a:t>
+            </a:r>
+            <a:r>
+              <a:rPr lang="en-US" dirty="0"/>
+              <a:t> outward means</a:t>
+            </a:r>
+          </a:p>
+          <a:p>
+            <a:r>
+              <a:rPr lang="en-US" dirty="0"/>
+              <a:t>“For he is not a Jew who is one outwardly, nor is circumcision that which is outward in the flesh; </a:t>
+            </a:r>
+            <a:r>
+              <a:rPr lang="en-US" b="1" dirty="0"/>
+              <a:t>but he is a Jew who is one inwardly; and circumcision is that of the heart, in the Spirit</a:t>
+            </a:r>
+            <a:r>
+              <a:rPr lang="en-US" dirty="0"/>
+              <a:t>, not in the letter; whose praise is not from men but from God.” (Romans 2:28-29)</a:t>
+            </a:r>
+          </a:p>
+        </p:txBody>
+      </p:sp>
+    </p:spTree>
+    <p:extLst>
+      <p:ext uri="{BB962C8B-B14F-4D97-AF65-F5344CB8AC3E}">
+        <p14:creationId xmlns:p14="http://schemas.microsoft.com/office/powerpoint/2010/main" val="2334874436"/>
+      </p:ext>
+    </p:extLst>
+  </p:cSld>
+  <p:clrMapOvr>
+    <a:masterClrMapping/>
+  </p:clrMapOvr>
+  <p:timing>
+    <p:tnLst>
+      <p:par>
+        <p:cTn id="1" dur="indefinite" restart="never" nodeType="tmRoot">
+          <p:childTnLst>
+            <p:seq concurrent="1" nextAc="seek">
+              <p:cTn id="2" dur="indefinite" nodeType="mainSeq">
+                <p:childTnLst>
+                  <p:par>
+                    <p:cTn id="3" fill="hold">
+                      <p:stCondLst>
+                        <p:cond delay="indefinite"/>
+                      </p:stCondLst>
+                      <p:childTnLst>
+                        <p:par>
+                          <p:cTn id="4" fill="hold">
+                            <p:stCondLst>
+                              <p:cond delay="0"/>
+                            </p:stCondLst>
+                            <p:childTnLst>
+                              <p:par>
+                                <p:cTn id="5" presetID="1" presetClass="entr" presetSubtype="0" fill="hold" nodeType="clickEffect">
+                                  <p:stCondLst>
+                                    <p:cond delay="0"/>
+                                  </p:stCondLst>
+                                  <p:childTnLst>
+                                    <p:set>
+                                      <p:cBhvr>
+                                        <p:cTn id="6" dur="1" fill="hold">
+                                          <p:stCondLst>
+                                            <p:cond delay="0"/>
+                                          </p:stCondLst>
+                                        </p:cTn>
+                                        <p:tgtEl>
+                                          <p:spTgt spid="3">
+                                            <p:txEl>
+                                              <p:pRg st="1" end="1"/>
+                                            </p:txEl>
+                                          </p:spTgt>
+                                        </p:tgtEl>
+                                        <p:attrNameLst>
+                                          <p:attrName>style.visibility</p:attrName>
+                                        </p:attrNameLst>
+                                      </p:cBhvr>
+                                      <p:to>
+                                        <p:strVal val="visible"/>
+                                      </p:to>
+                                    </p:set>
+                                  </p:childTnLst>
+                                </p:cTn>
+                              </p:par>
+                            </p:childTnLst>
+                          </p:cTn>
+                        </p:par>
+                      </p:childTnLst>
+                    </p:cTn>
+                  </p:par>
+                  <p:par>
+                    <p:cTn id="7" fill="hold">
+                      <p:stCondLst>
+                        <p:cond delay="indefinite"/>
+                      </p:stCondLst>
+                      <p:childTnLst>
+                        <p:par>
+                          <p:cTn id="8" fill="hold">
+                            <p:stCondLst>
+                              <p:cond delay="0"/>
+                            </p:stCondLst>
+                            <p:childTnLst>
+                              <p:par>
+                                <p:cTn id="9" presetID="1" presetClass="entr" presetSubtype="0" fill="hold" nodeType="clickEffect">
+                                  <p:stCondLst>
+                                    <p:cond delay="0"/>
+                                  </p:stCondLst>
+                                  <p:childTnLst>
+                                    <p:set>
+                                      <p:cBhvr>
+                                        <p:cTn id="10" dur="1" fill="hold">
+                                          <p:stCondLst>
+                                            <p:cond delay="0"/>
+                                          </p:stCondLst>
+                                        </p:cTn>
+                                        <p:tgtEl>
+                                          <p:spTgt spid="3">
+                                            <p:txEl>
+                                              <p:pRg st="0" end="0"/>
+                                            </p:txEl>
+                                          </p:spTgt>
+                                        </p:tgtEl>
+                                        <p:attrNameLst>
+                                          <p:attrName>style.visibility</p:attrName>
+                                        </p:attrNameLst>
+                                      </p:cBhvr>
+                                      <p:to>
+                                        <p:strVal val="visible"/>
+                                      </p:to>
+                                    </p:set>
+                                  </p:childTnLst>
+                                </p:cTn>
+                              </p:par>
+                            </p:childTnLst>
+                          </p:cTn>
+                        </p:par>
+                      </p:childTnLst>
+                    </p:cTn>
+                  </p:par>
+                  <p:par>
+                    <p:cTn id="11" fill="hold">
+                      <p:stCondLst>
+                        <p:cond delay="indefinite"/>
+                      </p:stCondLst>
+                      <p:childTnLst>
+                        <p:par>
+                          <p:cTn id="12" fill="hold">
+                            <p:stCondLst>
+                              <p:cond delay="0"/>
+                            </p:stCondLst>
+                            <p:childTnLst>
+                              <p:par>
+                                <p:cTn id="13" presetID="1" presetClass="entr" presetSubtype="0" fill="hold" nodeType="clickEffect">
+                                  <p:stCondLst>
+                                    <p:cond delay="0"/>
+                                  </p:stCondLst>
+                                  <p:childTnLst>
+                                    <p:set>
+                                      <p:cBhvr>
+                                        <p:cTn id="14" dur="1" fill="hold">
+                                          <p:stCondLst>
+                                            <p:cond delay="0"/>
+                                          </p:stCondLst>
+                                        </p:cTn>
+                                        <p:tgtEl>
+                                          <p:spTgt spid="3">
+                                            <p:txEl>
+                                              <p:pRg st="2" end="2"/>
+                                            </p:txEl>
+                                          </p:spTgt>
+                                        </p:tgtEl>
+                                        <p:attrNameLst>
+                                          <p:attrName>style.visibility</p:attrName>
+                                        </p:attrNameLst>
+                                      </p:cBhvr>
+                                      <p:to>
+                                        <p:strVal val="visible"/>
+                                      </p:to>
+                                    </p:set>
+                                  </p:childTnLst>
+                                </p:cTn>
+                              </p:par>
+                            </p:childTnLst>
+                          </p:cTn>
+                        </p:par>
+                      </p:childTnLst>
+                    </p:cTn>
+                  </p:par>
+                </p:childTnLst>
+              </p:cTn>
+              <p:prevCondLst>
+                <p:cond evt="onPrev" delay="0">
+                  <p:tgtEl>
+                    <p:sldTgt/>
+                  </p:tgtEl>
+                </p:cond>
+              </p:prevCondLst>
+              <p:nextCondLst>
+                <p:cond evt="onNext" delay="0">
+                  <p:tgtEl>
+                    <p:sldTgt/>
+                  </p:tgtEl>
+                </p:cond>
+              </p:nextCondLst>
+            </p:seq>
+          </p:childTnLst>
+        </p:cTn>
+      </p:par>
+    </p:tnLst>
+  </p:timing>
+</p:sld>
+</file>
+
+<file path=ppt/slides/slide31.xml><?xml version="1.0" encoding="utf-8"?>
+<p:sld xmlns:a="http://schemas.openxmlformats.org/drawingml/2006/main" xmlns:r="http://schemas.openxmlformats.org/officeDocument/2006/relationships" xmlns:p="http://schemas.openxmlformats.org/presentationml/2006/main">
+  <p:cSld>
+    <p:spTree>
+      <p:nvGrpSpPr>
+        <p:cNvPr id="1" name=""/>
+        <p:cNvGrpSpPr/>
+        <p:nvPr/>
+      </p:nvGrpSpPr>
+      <p:grpSpPr>
+        <a:xfrm>
+          <a:off x="0" y="0"/>
+          <a:ext cx="0" cy="0"/>
+          <a:chOff x="0" y="0"/>
+          <a:chExt cx="0" cy="0"/>
+        </a:xfrm>
+      </p:grpSpPr>
+      <p:sp>
+        <p:nvSpPr>
+          <p:cNvPr id="2" name="Title 1">
+            <a:extLst>
+              <a:ext uri="{FF2B5EF4-FFF2-40B4-BE49-F238E27FC236}">
                 <a16:creationId xmlns:a16="http://schemas.microsoft.com/office/drawing/2014/main" id="{37B284DB-4BD2-4322-AC67-75A5070AC44C}"/>
               </a:ext>
             </a:extLst>
@@ -14022,12 +14335,22 @@
           </a:xfrm>
         </p:spPr>
         <p:txBody>
-          <a:bodyPr/>
+          <a:bodyPr>
+            <a:normAutofit/>
+          </a:bodyPr>
           <a:lstStyle/>
           <a:p>
             <a:r>
               <a:rPr lang="en-US" dirty="0"/>
-              <a:t>No sacraments: no baptism, no Lord’s Supper.</a:t>
+              <a:t>Sacraments </a:t>
+            </a:r>
+            <a:r>
+              <a:rPr lang="en-US" i="1" dirty="0"/>
+              <a:t>deemphasized</a:t>
+            </a:r>
+            <a:r>
+              <a:rPr lang="en-US" dirty="0"/>
+              <a:t>: baptism, Lord’s Supper not central, only the Word.</a:t>
             </a:r>
           </a:p>
           <a:p>
@@ -14039,13 +14362,23 @@
           <a:p>
             <a:r>
               <a:rPr lang="en-US" dirty="0"/>
-              <a:t>And Jesus came and spoke to them, saying, “All authority has been given to Me in heaven and on earth. Go therefore and make disciples of all the nations, baptizing them in the name of the Father and of the Son and of the Holy Spirit, teaching them to observe all things that I have commanded you; and lo, I am with you always, even to the end of the age.” Amen. (Matthew 28:18-20)</a:t>
-            </a:r>
-          </a:p>
-          <a:p>
+              <a:t>And Jesus came and spoke to them, saying, “All authority has been given to Me in heaven and on earth. Go therefore and make disciples of all the nations, </a:t>
+            </a:r>
             <a:r>
               <a:rPr lang="en-US" b="1" dirty="0"/>
-              <a:t>Read Acts 2:46-47</a:t>
+              <a:t>baptizing</a:t>
+            </a:r>
+            <a:r>
+              <a:rPr lang="en-US" dirty="0"/>
+              <a:t> them in the name of the Father and of the Son and of the Holy Spirit, </a:t>
+            </a:r>
+            <a:r>
+              <a:rPr lang="en-US" b="1" dirty="0"/>
+              <a:t>teaching them</a:t>
+            </a:r>
+            <a:r>
+              <a:rPr lang="en-US" dirty="0"/>
+              <a:t> to observe all things that I have commanded you; and lo, I am with you always, even to the end of the age.” Amen. (Matthew 28:18-20)</a:t>
             </a:r>
           </a:p>
         </p:txBody>
@@ -14054,6 +14387,317 @@
     <p:extLst>
       <p:ext uri="{BB962C8B-B14F-4D97-AF65-F5344CB8AC3E}">
         <p14:creationId xmlns:p14="http://schemas.microsoft.com/office/powerpoint/2010/main" val="2582179444"/>
+      </p:ext>
+    </p:extLst>
+  </p:cSld>
+  <p:clrMapOvr>
+    <a:masterClrMapping/>
+  </p:clrMapOvr>
+  <p:timing>
+    <p:tnLst>
+      <p:par>
+        <p:cTn id="1" dur="indefinite" restart="never" nodeType="tmRoot">
+          <p:childTnLst>
+            <p:seq concurrent="1" nextAc="seek">
+              <p:cTn id="2" dur="indefinite" nodeType="mainSeq">
+                <p:childTnLst>
+                  <p:par>
+                    <p:cTn id="3" fill="hold">
+                      <p:stCondLst>
+                        <p:cond delay="indefinite"/>
+                      </p:stCondLst>
+                      <p:childTnLst>
+                        <p:par>
+                          <p:cTn id="4" fill="hold">
+                            <p:stCondLst>
+                              <p:cond delay="0"/>
+                            </p:stCondLst>
+                            <p:childTnLst>
+                              <p:par>
+                                <p:cTn id="5" presetID="1" presetClass="entr" presetSubtype="0" fill="hold" nodeType="clickEffect">
+                                  <p:stCondLst>
+                                    <p:cond delay="0"/>
+                                  </p:stCondLst>
+                                  <p:childTnLst>
+                                    <p:set>
+                                      <p:cBhvr>
+                                        <p:cTn id="6" dur="1" fill="hold">
+                                          <p:stCondLst>
+                                            <p:cond delay="0"/>
+                                          </p:stCondLst>
+                                        </p:cTn>
+                                        <p:tgtEl>
+                                          <p:spTgt spid="3">
+                                            <p:txEl>
+                                              <p:pRg st="0" end="0"/>
+                                            </p:txEl>
+                                          </p:spTgt>
+                                        </p:tgtEl>
+                                        <p:attrNameLst>
+                                          <p:attrName>style.visibility</p:attrName>
+                                        </p:attrNameLst>
+                                      </p:cBhvr>
+                                      <p:to>
+                                        <p:strVal val="visible"/>
+                                      </p:to>
+                                    </p:set>
+                                  </p:childTnLst>
+                                </p:cTn>
+                              </p:par>
+                            </p:childTnLst>
+                          </p:cTn>
+                        </p:par>
+                      </p:childTnLst>
+                    </p:cTn>
+                  </p:par>
+                  <p:par>
+                    <p:cTn id="7" fill="hold">
+                      <p:stCondLst>
+                        <p:cond delay="indefinite"/>
+                      </p:stCondLst>
+                      <p:childTnLst>
+                        <p:par>
+                          <p:cTn id="8" fill="hold">
+                            <p:stCondLst>
+                              <p:cond delay="0"/>
+                            </p:stCondLst>
+                            <p:childTnLst>
+                              <p:par>
+                                <p:cTn id="9" presetID="1" presetClass="entr" presetSubtype="0" fill="hold" nodeType="clickEffect">
+                                  <p:stCondLst>
+                                    <p:cond delay="0"/>
+                                  </p:stCondLst>
+                                  <p:childTnLst>
+                                    <p:set>
+                                      <p:cBhvr>
+                                        <p:cTn id="10" dur="1" fill="hold">
+                                          <p:stCondLst>
+                                            <p:cond delay="0"/>
+                                          </p:stCondLst>
+                                        </p:cTn>
+                                        <p:tgtEl>
+                                          <p:spTgt spid="3">
+                                            <p:txEl>
+                                              <p:pRg st="1" end="1"/>
+                                            </p:txEl>
+                                          </p:spTgt>
+                                        </p:tgtEl>
+                                        <p:attrNameLst>
+                                          <p:attrName>style.visibility</p:attrName>
+                                        </p:attrNameLst>
+                                      </p:cBhvr>
+                                      <p:to>
+                                        <p:strVal val="visible"/>
+                                      </p:to>
+                                    </p:set>
+                                  </p:childTnLst>
+                                </p:cTn>
+                              </p:par>
+                            </p:childTnLst>
+                          </p:cTn>
+                        </p:par>
+                      </p:childTnLst>
+                    </p:cTn>
+                  </p:par>
+                  <p:par>
+                    <p:cTn id="11" fill="hold">
+                      <p:stCondLst>
+                        <p:cond delay="indefinite"/>
+                      </p:stCondLst>
+                      <p:childTnLst>
+                        <p:par>
+                          <p:cTn id="12" fill="hold">
+                            <p:stCondLst>
+                              <p:cond delay="0"/>
+                            </p:stCondLst>
+                            <p:childTnLst>
+                              <p:par>
+                                <p:cTn id="13" presetID="1" presetClass="entr" presetSubtype="0" fill="hold" nodeType="clickEffect">
+                                  <p:stCondLst>
+                                    <p:cond delay="0"/>
+                                  </p:stCondLst>
+                                  <p:childTnLst>
+                                    <p:set>
+                                      <p:cBhvr>
+                                        <p:cTn id="14" dur="1" fill="hold">
+                                          <p:stCondLst>
+                                            <p:cond delay="0"/>
+                                          </p:stCondLst>
+                                        </p:cTn>
+                                        <p:tgtEl>
+                                          <p:spTgt spid="3">
+                                            <p:txEl>
+                                              <p:pRg st="2" end="2"/>
+                                            </p:txEl>
+                                          </p:spTgt>
+                                        </p:tgtEl>
+                                        <p:attrNameLst>
+                                          <p:attrName>style.visibility</p:attrName>
+                                        </p:attrNameLst>
+                                      </p:cBhvr>
+                                      <p:to>
+                                        <p:strVal val="visible"/>
+                                      </p:to>
+                                    </p:set>
+                                  </p:childTnLst>
+                                </p:cTn>
+                              </p:par>
+                            </p:childTnLst>
+                          </p:cTn>
+                        </p:par>
+                      </p:childTnLst>
+                    </p:cTn>
+                  </p:par>
+                </p:childTnLst>
+              </p:cTn>
+              <p:prevCondLst>
+                <p:cond evt="onPrev" delay="0">
+                  <p:tgtEl>
+                    <p:sldTgt/>
+                  </p:tgtEl>
+                </p:cond>
+              </p:prevCondLst>
+              <p:nextCondLst>
+                <p:cond evt="onNext" delay="0">
+                  <p:tgtEl>
+                    <p:sldTgt/>
+                  </p:tgtEl>
+                </p:cond>
+              </p:nextCondLst>
+            </p:seq>
+          </p:childTnLst>
+        </p:cTn>
+      </p:par>
+    </p:tnLst>
+  </p:timing>
+</p:sld>
+</file>
+
+<file path=ppt/slides/slide32.xml><?xml version="1.0" encoding="utf-8"?>
+<p:sld xmlns:a="http://schemas.openxmlformats.org/drawingml/2006/main" xmlns:r="http://schemas.openxmlformats.org/officeDocument/2006/relationships" xmlns:p="http://schemas.openxmlformats.org/presentationml/2006/main">
+  <p:cSld>
+    <p:spTree>
+      <p:nvGrpSpPr>
+        <p:cNvPr id="1" name=""/>
+        <p:cNvGrpSpPr/>
+        <p:nvPr/>
+      </p:nvGrpSpPr>
+      <p:grpSpPr>
+        <a:xfrm>
+          <a:off x="0" y="0"/>
+          <a:ext cx="0" cy="0"/>
+          <a:chOff x="0" y="0"/>
+          <a:chExt cx="0" cy="0"/>
+        </a:xfrm>
+      </p:grpSpPr>
+      <p:sp>
+        <p:nvSpPr>
+          <p:cNvPr id="2" name="Title 1">
+            <a:extLst>
+              <a:ext uri="{FF2B5EF4-FFF2-40B4-BE49-F238E27FC236}">
+                <a16:creationId xmlns:a16="http://schemas.microsoft.com/office/drawing/2014/main" id="{37B284DB-4BD2-4322-AC67-75A5070AC44C}"/>
+              </a:ext>
+            </a:extLst>
+          </p:cNvPr>
+          <p:cNvSpPr>
+            <a:spLocks noGrp="1"/>
+          </p:cNvSpPr>
+          <p:nvPr>
+            <p:ph type="title"/>
+          </p:nvPr>
+        </p:nvSpPr>
+        <p:spPr>
+          <a:xfrm>
+            <a:off x="838200" y="365125"/>
+            <a:ext cx="10515600" cy="1111983"/>
+          </a:xfrm>
+        </p:spPr>
+        <p:txBody>
+          <a:bodyPr/>
+          <a:lstStyle/>
+          <a:p>
+            <a:pPr algn="ctr"/>
+            <a:r>
+              <a:rPr lang="en-US" dirty="0"/>
+              <a:t>Modern evangelicalism</a:t>
+            </a:r>
+          </a:p>
+        </p:txBody>
+      </p:sp>
+      <p:sp>
+        <p:nvSpPr>
+          <p:cNvPr id="3" name="Content Placeholder 2">
+            <a:extLst>
+              <a:ext uri="{FF2B5EF4-FFF2-40B4-BE49-F238E27FC236}">
+                <a16:creationId xmlns:a16="http://schemas.microsoft.com/office/drawing/2014/main" id="{B64FDBD5-1D1F-4F2D-A27B-B51E349305D9}"/>
+              </a:ext>
+            </a:extLst>
+          </p:cNvPr>
+          <p:cNvSpPr>
+            <a:spLocks noGrp="1"/>
+          </p:cNvSpPr>
+          <p:nvPr>
+            <p:ph idx="1"/>
+          </p:nvPr>
+        </p:nvSpPr>
+        <p:spPr>
+          <a:xfrm>
+            <a:off x="838200" y="1617785"/>
+            <a:ext cx="10515600" cy="4559178"/>
+          </a:xfrm>
+        </p:spPr>
+        <p:txBody>
+          <a:bodyPr>
+            <a:normAutofit lnSpcReduction="10000"/>
+          </a:bodyPr>
+          <a:lstStyle/>
+          <a:p>
+            <a:r>
+              <a:rPr lang="en-US" dirty="0"/>
+              <a:t>Modern evangelicalism such as the Salvation Army tends to separate the inward and outward means, the physical from the spiritual</a:t>
+            </a:r>
+          </a:p>
+          <a:p>
+            <a:pPr lvl="1"/>
+            <a:r>
+              <a:rPr lang="en-US" dirty="0"/>
+              <a:t>The human body is both body and soul, material and immaterial</a:t>
+            </a:r>
+          </a:p>
+          <a:p>
+            <a:r>
+              <a:rPr lang="en-US" dirty="0"/>
+              <a:t>“So continuing daily with one accord in the temple, and breaking bread from house to house, they ate their food with gladness and simplicity of heart, praising God and having favor with all the people. And the Lord added to the church daily those who were being saved.” (Acts 2:46-47)</a:t>
+            </a:r>
+          </a:p>
+          <a:p>
+            <a:r>
+              <a:rPr lang="en-US" dirty="0"/>
+              <a:t>God’s blessing usually is seen in those churches that make use of all the means of grace: the Word </a:t>
+            </a:r>
+            <a:r>
+              <a:rPr lang="en-US" b="1" dirty="0"/>
+              <a:t>and</a:t>
+            </a:r>
+            <a:r>
+              <a:rPr lang="en-US" dirty="0"/>
+              <a:t> the sacraments </a:t>
+            </a:r>
+            <a:r>
+              <a:rPr lang="en-US" b="1" dirty="0"/>
+              <a:t>and</a:t>
+            </a:r>
+            <a:r>
+              <a:rPr lang="en-US" dirty="0"/>
+              <a:t> church discipline</a:t>
+            </a:r>
+          </a:p>
+        </p:txBody>
+      </p:sp>
+    </p:spTree>
+    <p:extLst>
+      <p:ext uri="{BB962C8B-B14F-4D97-AF65-F5344CB8AC3E}">
+        <p14:creationId xmlns:p14="http://schemas.microsoft.com/office/powerpoint/2010/main" val="2275579311"/>
       </p:ext>
     </p:extLst>
   </p:cSld>
@@ -14289,7 +14933,7 @@
 </p:sld>
 </file>
 
-<file path=ppt/slides/slide31.xml><?xml version="1.0" encoding="utf-8"?>
+<file path=ppt/slides/slide33.xml><?xml version="1.0" encoding="utf-8"?>
 <p:sld xmlns:a="http://schemas.openxmlformats.org/drawingml/2006/main" xmlns:r="http://schemas.openxmlformats.org/officeDocument/2006/relationships" xmlns:p="http://schemas.openxmlformats.org/presentationml/2006/main">
   <p:cSld>
     <p:spTree>
@@ -14308,6 +14952,772 @@
       </p:grpSpPr>
       <p:sp>
         <p:nvSpPr>
+          <p:cNvPr id="2" name="Title 1">
+            <a:extLst>
+              <a:ext uri="{FF2B5EF4-FFF2-40B4-BE49-F238E27FC236}">
+                <a16:creationId xmlns:a16="http://schemas.microsoft.com/office/drawing/2014/main" id="{7FE1FD06-40EB-4441-9186-5C79EC85D41E}"/>
+              </a:ext>
+            </a:extLst>
+          </p:cNvPr>
+          <p:cNvSpPr>
+            <a:spLocks noGrp="1"/>
+          </p:cNvSpPr>
+          <p:nvPr>
+            <p:ph type="title"/>
+          </p:nvPr>
+        </p:nvSpPr>
+        <p:spPr/>
+        <p:txBody>
+          <a:bodyPr/>
+          <a:lstStyle/>
+          <a:p>
+            <a:pPr algn="ctr"/>
+            <a:r>
+              <a:rPr lang="en-US" dirty="0"/>
+              <a:t>The visible and invisible church</a:t>
+            </a:r>
+          </a:p>
+        </p:txBody>
+      </p:sp>
+      <p:sp>
+        <p:nvSpPr>
+          <p:cNvPr id="3" name="Content Placeholder 2">
+            <a:extLst>
+              <a:ext uri="{FF2B5EF4-FFF2-40B4-BE49-F238E27FC236}">
+                <a16:creationId xmlns:a16="http://schemas.microsoft.com/office/drawing/2014/main" id="{FFD5D866-1042-45AF-B570-E7472FAFC8FB}"/>
+              </a:ext>
+            </a:extLst>
+          </p:cNvPr>
+          <p:cNvSpPr>
+            <a:spLocks noGrp="1"/>
+          </p:cNvSpPr>
+          <p:nvPr>
+            <p:ph idx="1"/>
+          </p:nvPr>
+        </p:nvSpPr>
+        <p:spPr/>
+        <p:txBody>
+          <a:bodyPr/>
+          <a:lstStyle/>
+          <a:p>
+            <a:r>
+              <a:rPr lang="en-US" dirty="0"/>
+              <a:t>The invisible church is the church made up of all true, elect believers</a:t>
+            </a:r>
+          </a:p>
+          <a:p>
+            <a:pPr lvl="1"/>
+            <a:r>
+              <a:rPr lang="en-US" dirty="0"/>
+              <a:t>This is its inward, saving essence</a:t>
+            </a:r>
+          </a:p>
+          <a:p>
+            <a:r>
+              <a:rPr lang="en-US" dirty="0"/>
+              <a:t>But these believers congregate into a visible church</a:t>
+            </a:r>
+          </a:p>
+          <a:p>
+            <a:pPr lvl="1"/>
+            <a:r>
+              <a:rPr lang="en-US" dirty="0"/>
+              <a:t>An external administration, including the sacraments</a:t>
+            </a:r>
+          </a:p>
+          <a:p>
+            <a:r>
+              <a:rPr lang="en-US" dirty="0"/>
+              <a:t>Many modern evangelicals tend to separate the invisible church from the visible church, and this is why they de-emphasize the sacraments</a:t>
+            </a:r>
+          </a:p>
+          <a:p>
+            <a:pPr lvl="1"/>
+            <a:endParaRPr lang="en-US" dirty="0"/>
+          </a:p>
+        </p:txBody>
+      </p:sp>
+    </p:spTree>
+    <p:extLst>
+      <p:ext uri="{BB962C8B-B14F-4D97-AF65-F5344CB8AC3E}">
+        <p14:creationId xmlns:p14="http://schemas.microsoft.com/office/powerpoint/2010/main" val="718686921"/>
+      </p:ext>
+    </p:extLst>
+  </p:cSld>
+  <p:clrMapOvr>
+    <a:masterClrMapping/>
+  </p:clrMapOvr>
+</p:sld>
+</file>
+
+<file path=ppt/slides/slide34.xml><?xml version="1.0" encoding="utf-8"?>
+<p:sld xmlns:a="http://schemas.openxmlformats.org/drawingml/2006/main" xmlns:r="http://schemas.openxmlformats.org/officeDocument/2006/relationships" xmlns:p="http://schemas.openxmlformats.org/presentationml/2006/main">
+  <p:cSld>
+    <p:spTree>
+      <p:nvGrpSpPr>
+        <p:cNvPr id="1" name=""/>
+        <p:cNvGrpSpPr/>
+        <p:nvPr/>
+      </p:nvGrpSpPr>
+      <p:grpSpPr>
+        <a:xfrm>
+          <a:off x="0" y="0"/>
+          <a:ext cx="0" cy="0"/>
+          <a:chOff x="0" y="0"/>
+          <a:chExt cx="0" cy="0"/>
+        </a:xfrm>
+      </p:grpSpPr>
+      <p:sp>
+        <p:nvSpPr>
+          <p:cNvPr id="2" name="Title 1">
+            <a:extLst>
+              <a:ext uri="{FF2B5EF4-FFF2-40B4-BE49-F238E27FC236}">
+                <a16:creationId xmlns:a16="http://schemas.microsoft.com/office/drawing/2014/main" id="{EDEF04D3-D773-4577-AFCE-32FAFAE56F1B}"/>
+              </a:ext>
+            </a:extLst>
+          </p:cNvPr>
+          <p:cNvSpPr>
+            <a:spLocks noGrp="1"/>
+          </p:cNvSpPr>
+          <p:nvPr>
+            <p:ph type="title"/>
+          </p:nvPr>
+        </p:nvSpPr>
+        <p:spPr/>
+        <p:txBody>
+          <a:bodyPr/>
+          <a:lstStyle/>
+          <a:p>
+            <a:pPr algn="ctr"/>
+            <a:r>
+              <a:rPr lang="en-US" dirty="0"/>
+              <a:t>Modern evangelical ecclesiastic errors</a:t>
+            </a:r>
+          </a:p>
+        </p:txBody>
+      </p:sp>
+      <p:sp>
+        <p:nvSpPr>
+          <p:cNvPr id="3" name="Content Placeholder 2">
+            <a:extLst>
+              <a:ext uri="{FF2B5EF4-FFF2-40B4-BE49-F238E27FC236}">
+                <a16:creationId xmlns:a16="http://schemas.microsoft.com/office/drawing/2014/main" id="{DB870D87-D520-4E86-BC52-1A04EC521B51}"/>
+              </a:ext>
+            </a:extLst>
+          </p:cNvPr>
+          <p:cNvSpPr>
+            <a:spLocks noGrp="1"/>
+          </p:cNvSpPr>
+          <p:nvPr>
+            <p:ph idx="1"/>
+          </p:nvPr>
+        </p:nvSpPr>
+        <p:spPr/>
+        <p:txBody>
+          <a:bodyPr>
+            <a:normAutofit/>
+          </a:bodyPr>
+          <a:lstStyle/>
+          <a:p>
+            <a:r>
+              <a:rPr lang="en-US" dirty="0"/>
+              <a:t>Since the visible and invisible church is separated from one another, this leads to several errors</a:t>
+            </a:r>
+          </a:p>
+          <a:p>
+            <a:r>
+              <a:rPr lang="en-US" dirty="0"/>
+              <a:t>Home church: neglect of the fellowship of other believers</a:t>
+            </a:r>
+          </a:p>
+          <a:p>
+            <a:pPr lvl="1"/>
+            <a:r>
+              <a:rPr lang="en-US" dirty="0"/>
+              <a:t>“And the eye cannot say to the hand, ‘I have no need of you’; nor again the head to the feet, ‘I have no need of you.’” (1Corinthians 12:21)</a:t>
+            </a:r>
+          </a:p>
+          <a:p>
+            <a:r>
+              <a:rPr lang="en-US" dirty="0"/>
+              <a:t>In a typical month, 43 million people in the U.S. attend a home church (</a:t>
+            </a:r>
+            <a:r>
+              <a:rPr lang="en-US" dirty="0" err="1"/>
+              <a:t>Barna</a:t>
+            </a:r>
+            <a:r>
+              <a:rPr lang="en-US" dirty="0"/>
+              <a:t> poll, 2006 WorldNetDaily.com)</a:t>
+            </a:r>
+          </a:p>
+        </p:txBody>
+      </p:sp>
+    </p:spTree>
+    <p:extLst>
+      <p:ext uri="{BB962C8B-B14F-4D97-AF65-F5344CB8AC3E}">
+        <p14:creationId xmlns:p14="http://schemas.microsoft.com/office/powerpoint/2010/main" val="567765955"/>
+      </p:ext>
+    </p:extLst>
+  </p:cSld>
+  <p:clrMapOvr>
+    <a:masterClrMapping/>
+  </p:clrMapOvr>
+  <p:timing>
+    <p:tnLst>
+      <p:par>
+        <p:cTn id="1" dur="indefinite" restart="never" nodeType="tmRoot">
+          <p:childTnLst>
+            <p:seq concurrent="1" nextAc="seek">
+              <p:cTn id="2" dur="indefinite" nodeType="mainSeq">
+                <p:childTnLst>
+                  <p:par>
+                    <p:cTn id="3" fill="hold">
+                      <p:stCondLst>
+                        <p:cond delay="indefinite"/>
+                      </p:stCondLst>
+                      <p:childTnLst>
+                        <p:par>
+                          <p:cTn id="4" fill="hold">
+                            <p:stCondLst>
+                              <p:cond delay="0"/>
+                            </p:stCondLst>
+                            <p:childTnLst>
+                              <p:par>
+                                <p:cTn id="5" presetID="1" presetClass="entr" presetSubtype="0" fill="hold" nodeType="clickEffect">
+                                  <p:stCondLst>
+                                    <p:cond delay="0"/>
+                                  </p:stCondLst>
+                                  <p:childTnLst>
+                                    <p:set>
+                                      <p:cBhvr>
+                                        <p:cTn id="6" dur="1" fill="hold">
+                                          <p:stCondLst>
+                                            <p:cond delay="0"/>
+                                          </p:stCondLst>
+                                        </p:cTn>
+                                        <p:tgtEl>
+                                          <p:spTgt spid="3">
+                                            <p:txEl>
+                                              <p:pRg st="1" end="1"/>
+                                            </p:txEl>
+                                          </p:spTgt>
+                                        </p:tgtEl>
+                                        <p:attrNameLst>
+                                          <p:attrName>style.visibility</p:attrName>
+                                        </p:attrNameLst>
+                                      </p:cBhvr>
+                                      <p:to>
+                                        <p:strVal val="visible"/>
+                                      </p:to>
+                                    </p:set>
+                                  </p:childTnLst>
+                                </p:cTn>
+                              </p:par>
+                              <p:par>
+                                <p:cTn id="7" presetID="1" presetClass="entr" presetSubtype="0" fill="hold" nodeType="withEffect">
+                                  <p:stCondLst>
+                                    <p:cond delay="0"/>
+                                  </p:stCondLst>
+                                  <p:childTnLst>
+                                    <p:set>
+                                      <p:cBhvr>
+                                        <p:cTn id="8" dur="1" fill="hold">
+                                          <p:stCondLst>
+                                            <p:cond delay="0"/>
+                                          </p:stCondLst>
+                                        </p:cTn>
+                                        <p:tgtEl>
+                                          <p:spTgt spid="3">
+                                            <p:txEl>
+                                              <p:pRg st="2" end="2"/>
+                                            </p:txEl>
+                                          </p:spTgt>
+                                        </p:tgtEl>
+                                        <p:attrNameLst>
+                                          <p:attrName>style.visibility</p:attrName>
+                                        </p:attrNameLst>
+                                      </p:cBhvr>
+                                      <p:to>
+                                        <p:strVal val="visible"/>
+                                      </p:to>
+                                    </p:set>
+                                  </p:childTnLst>
+                                </p:cTn>
+                              </p:par>
+                              <p:par>
+                                <p:cTn id="9" presetID="1" presetClass="entr" presetSubtype="0" fill="hold" nodeType="withEffect">
+                                  <p:stCondLst>
+                                    <p:cond delay="0"/>
+                                  </p:stCondLst>
+                                  <p:childTnLst>
+                                    <p:set>
+                                      <p:cBhvr>
+                                        <p:cTn id="10" dur="1" fill="hold">
+                                          <p:stCondLst>
+                                            <p:cond delay="0"/>
+                                          </p:stCondLst>
+                                        </p:cTn>
+                                        <p:tgtEl>
+                                          <p:spTgt spid="3">
+                                            <p:txEl>
+                                              <p:pRg st="3" end="3"/>
+                                            </p:txEl>
+                                          </p:spTgt>
+                                        </p:tgtEl>
+                                        <p:attrNameLst>
+                                          <p:attrName>style.visibility</p:attrName>
+                                        </p:attrNameLst>
+                                      </p:cBhvr>
+                                      <p:to>
+                                        <p:strVal val="visible"/>
+                                      </p:to>
+                                    </p:set>
+                                  </p:childTnLst>
+                                </p:cTn>
+                              </p:par>
+                            </p:childTnLst>
+                          </p:cTn>
+                        </p:par>
+                      </p:childTnLst>
+                    </p:cTn>
+                  </p:par>
+                </p:childTnLst>
+              </p:cTn>
+              <p:prevCondLst>
+                <p:cond evt="onPrev" delay="0">
+                  <p:tgtEl>
+                    <p:sldTgt/>
+                  </p:tgtEl>
+                </p:cond>
+              </p:prevCondLst>
+              <p:nextCondLst>
+                <p:cond evt="onNext" delay="0">
+                  <p:tgtEl>
+                    <p:sldTgt/>
+                  </p:tgtEl>
+                </p:cond>
+              </p:nextCondLst>
+            </p:seq>
+          </p:childTnLst>
+        </p:cTn>
+      </p:par>
+    </p:tnLst>
+  </p:timing>
+</p:sld>
+</file>
+
+<file path=ppt/slides/slide35.xml><?xml version="1.0" encoding="utf-8"?>
+<p:sld xmlns:a="http://schemas.openxmlformats.org/drawingml/2006/main" xmlns:r="http://schemas.openxmlformats.org/officeDocument/2006/relationships" xmlns:p="http://schemas.openxmlformats.org/presentationml/2006/main">
+  <p:cSld>
+    <p:spTree>
+      <p:nvGrpSpPr>
+        <p:cNvPr id="1" name=""/>
+        <p:cNvGrpSpPr/>
+        <p:nvPr/>
+      </p:nvGrpSpPr>
+      <p:grpSpPr>
+        <a:xfrm>
+          <a:off x="0" y="0"/>
+          <a:ext cx="0" cy="0"/>
+          <a:chOff x="0" y="0"/>
+          <a:chExt cx="0" cy="0"/>
+        </a:xfrm>
+      </p:grpSpPr>
+      <p:sp>
+        <p:nvSpPr>
+          <p:cNvPr id="2" name="Title 1">
+            <a:extLst>
+              <a:ext uri="{FF2B5EF4-FFF2-40B4-BE49-F238E27FC236}">
+                <a16:creationId xmlns:a16="http://schemas.microsoft.com/office/drawing/2014/main" id="{EDEF04D3-D773-4577-AFCE-32FAFAE56F1B}"/>
+              </a:ext>
+            </a:extLst>
+          </p:cNvPr>
+          <p:cNvSpPr>
+            <a:spLocks noGrp="1"/>
+          </p:cNvSpPr>
+          <p:nvPr>
+            <p:ph type="title"/>
+          </p:nvPr>
+        </p:nvSpPr>
+        <p:spPr/>
+        <p:txBody>
+          <a:bodyPr/>
+          <a:lstStyle/>
+          <a:p>
+            <a:pPr algn="ctr"/>
+            <a:r>
+              <a:rPr lang="en-US" dirty="0"/>
+              <a:t>Modern evangelical ecclesiastic errors</a:t>
+            </a:r>
+          </a:p>
+        </p:txBody>
+      </p:sp>
+      <p:sp>
+        <p:nvSpPr>
+          <p:cNvPr id="3" name="Content Placeholder 2">
+            <a:extLst>
+              <a:ext uri="{FF2B5EF4-FFF2-40B4-BE49-F238E27FC236}">
+                <a16:creationId xmlns:a16="http://schemas.microsoft.com/office/drawing/2014/main" id="{DB870D87-D520-4E86-BC52-1A04EC521B51}"/>
+              </a:ext>
+            </a:extLst>
+          </p:cNvPr>
+          <p:cNvSpPr>
+            <a:spLocks noGrp="1"/>
+          </p:cNvSpPr>
+          <p:nvPr>
+            <p:ph idx="1"/>
+          </p:nvPr>
+        </p:nvSpPr>
+        <p:spPr/>
+        <p:txBody>
+          <a:bodyPr>
+            <a:normAutofit/>
+          </a:bodyPr>
+          <a:lstStyle/>
+          <a:p>
+            <a:r>
+              <a:rPr lang="en-US" dirty="0"/>
+              <a:t>The Lone Ranger Christian: neglects fellowship with the whole church, the sacraments and preaching</a:t>
+            </a:r>
+          </a:p>
+          <a:p>
+            <a:pPr lvl="1"/>
+            <a:r>
+              <a:rPr lang="en-US" dirty="0"/>
+              <a:t>“If the foot should say, “Because I am not a hand, I am not of the body,” is it therefore not of the body?” (1Corinthians 12:15)</a:t>
+            </a:r>
+          </a:p>
+          <a:p>
+            <a:pPr lvl="1"/>
+            <a:r>
+              <a:rPr lang="en-US" dirty="0"/>
+              <a:t>Such a person is in utter spiritual peril</a:t>
+            </a:r>
+          </a:p>
+          <a:p>
+            <a:r>
+              <a:rPr lang="en-US" b="1" dirty="0"/>
+              <a:t>Q: How would you counsel such a “Lone Ranger”?</a:t>
+            </a:r>
+          </a:p>
+          <a:p>
+            <a:r>
+              <a:rPr lang="en-US" dirty="0"/>
+              <a:t>Taking the Lord’s Supper in the inner circle of believers</a:t>
+            </a:r>
+          </a:p>
+          <a:p>
+            <a:pPr lvl="1"/>
+            <a:r>
+              <a:rPr lang="en-US" dirty="0"/>
+              <a:t>Even Judas took part in the Last Supper (John 13:26)</a:t>
+            </a:r>
+          </a:p>
+        </p:txBody>
+      </p:sp>
+    </p:spTree>
+    <p:extLst>
+      <p:ext uri="{BB962C8B-B14F-4D97-AF65-F5344CB8AC3E}">
+        <p14:creationId xmlns:p14="http://schemas.microsoft.com/office/powerpoint/2010/main" val="1090036556"/>
+      </p:ext>
+    </p:extLst>
+  </p:cSld>
+  <p:clrMapOvr>
+    <a:masterClrMapping/>
+  </p:clrMapOvr>
+  <p:timing>
+    <p:tnLst>
+      <p:par>
+        <p:cTn id="1" dur="indefinite" restart="never" nodeType="tmRoot">
+          <p:childTnLst>
+            <p:seq concurrent="1" nextAc="seek">
+              <p:cTn id="2" dur="indefinite" nodeType="mainSeq">
+                <p:childTnLst>
+                  <p:par>
+                    <p:cTn id="3" fill="hold">
+                      <p:stCondLst>
+                        <p:cond delay="indefinite"/>
+                      </p:stCondLst>
+                      <p:childTnLst>
+                        <p:par>
+                          <p:cTn id="4" fill="hold">
+                            <p:stCondLst>
+                              <p:cond delay="0"/>
+                            </p:stCondLst>
+                            <p:childTnLst>
+                              <p:par>
+                                <p:cTn id="5" presetID="1" presetClass="entr" presetSubtype="0" fill="hold" nodeType="clickEffect">
+                                  <p:stCondLst>
+                                    <p:cond delay="0"/>
+                                  </p:stCondLst>
+                                  <p:childTnLst>
+                                    <p:set>
+                                      <p:cBhvr>
+                                        <p:cTn id="6" dur="1" fill="hold">
+                                          <p:stCondLst>
+                                            <p:cond delay="0"/>
+                                          </p:stCondLst>
+                                        </p:cTn>
+                                        <p:tgtEl>
+                                          <p:spTgt spid="3">
+                                            <p:txEl>
+                                              <p:pRg st="0" end="0"/>
+                                            </p:txEl>
+                                          </p:spTgt>
+                                        </p:tgtEl>
+                                        <p:attrNameLst>
+                                          <p:attrName>style.visibility</p:attrName>
+                                        </p:attrNameLst>
+                                      </p:cBhvr>
+                                      <p:to>
+                                        <p:strVal val="visible"/>
+                                      </p:to>
+                                    </p:set>
+                                  </p:childTnLst>
+                                </p:cTn>
+                              </p:par>
+                              <p:par>
+                                <p:cTn id="7" presetID="1" presetClass="entr" presetSubtype="0" fill="hold" nodeType="withEffect">
+                                  <p:stCondLst>
+                                    <p:cond delay="0"/>
+                                  </p:stCondLst>
+                                  <p:childTnLst>
+                                    <p:set>
+                                      <p:cBhvr>
+                                        <p:cTn id="8" dur="1" fill="hold">
+                                          <p:stCondLst>
+                                            <p:cond delay="0"/>
+                                          </p:stCondLst>
+                                        </p:cTn>
+                                        <p:tgtEl>
+                                          <p:spTgt spid="3">
+                                            <p:txEl>
+                                              <p:pRg st="1" end="1"/>
+                                            </p:txEl>
+                                          </p:spTgt>
+                                        </p:tgtEl>
+                                        <p:attrNameLst>
+                                          <p:attrName>style.visibility</p:attrName>
+                                        </p:attrNameLst>
+                                      </p:cBhvr>
+                                      <p:to>
+                                        <p:strVal val="visible"/>
+                                      </p:to>
+                                    </p:set>
+                                  </p:childTnLst>
+                                </p:cTn>
+                              </p:par>
+                              <p:par>
+                                <p:cTn id="9" presetID="1" presetClass="entr" presetSubtype="0" fill="hold" nodeType="withEffect">
+                                  <p:stCondLst>
+                                    <p:cond delay="0"/>
+                                  </p:stCondLst>
+                                  <p:childTnLst>
+                                    <p:set>
+                                      <p:cBhvr>
+                                        <p:cTn id="10" dur="1" fill="hold">
+                                          <p:stCondLst>
+                                            <p:cond delay="0"/>
+                                          </p:stCondLst>
+                                        </p:cTn>
+                                        <p:tgtEl>
+                                          <p:spTgt spid="3">
+                                            <p:txEl>
+                                              <p:pRg st="2" end="2"/>
+                                            </p:txEl>
+                                          </p:spTgt>
+                                        </p:tgtEl>
+                                        <p:attrNameLst>
+                                          <p:attrName>style.visibility</p:attrName>
+                                        </p:attrNameLst>
+                                      </p:cBhvr>
+                                      <p:to>
+                                        <p:strVal val="visible"/>
+                                      </p:to>
+                                    </p:set>
+                                  </p:childTnLst>
+                                </p:cTn>
+                              </p:par>
+                            </p:childTnLst>
+                          </p:cTn>
+                        </p:par>
+                      </p:childTnLst>
+                    </p:cTn>
+                  </p:par>
+                  <p:par>
+                    <p:cTn id="11" fill="hold">
+                      <p:stCondLst>
+                        <p:cond delay="indefinite"/>
+                      </p:stCondLst>
+                      <p:childTnLst>
+                        <p:par>
+                          <p:cTn id="12" fill="hold">
+                            <p:stCondLst>
+                              <p:cond delay="0"/>
+                            </p:stCondLst>
+                            <p:childTnLst>
+                              <p:par>
+                                <p:cTn id="13" presetID="1" presetClass="entr" presetSubtype="0" fill="hold" nodeType="clickEffect">
+                                  <p:stCondLst>
+                                    <p:cond delay="0"/>
+                                  </p:stCondLst>
+                                  <p:childTnLst>
+                                    <p:set>
+                                      <p:cBhvr>
+                                        <p:cTn id="14" dur="1" fill="hold">
+                                          <p:stCondLst>
+                                            <p:cond delay="0"/>
+                                          </p:stCondLst>
+                                        </p:cTn>
+                                        <p:tgtEl>
+                                          <p:spTgt spid="3">
+                                            <p:txEl>
+                                              <p:pRg st="3" end="3"/>
+                                            </p:txEl>
+                                          </p:spTgt>
+                                        </p:tgtEl>
+                                        <p:attrNameLst>
+                                          <p:attrName>style.visibility</p:attrName>
+                                        </p:attrNameLst>
+                                      </p:cBhvr>
+                                      <p:to>
+                                        <p:strVal val="visible"/>
+                                      </p:to>
+                                    </p:set>
+                                  </p:childTnLst>
+                                </p:cTn>
+                              </p:par>
+                            </p:childTnLst>
+                          </p:cTn>
+                        </p:par>
+                      </p:childTnLst>
+                    </p:cTn>
+                  </p:par>
+                  <p:par>
+                    <p:cTn id="15" fill="hold">
+                      <p:stCondLst>
+                        <p:cond delay="indefinite"/>
+                      </p:stCondLst>
+                      <p:childTnLst>
+                        <p:par>
+                          <p:cTn id="16" fill="hold">
+                            <p:stCondLst>
+                              <p:cond delay="0"/>
+                            </p:stCondLst>
+                            <p:childTnLst>
+                              <p:par>
+                                <p:cTn id="17" presetID="1" presetClass="entr" presetSubtype="0" fill="hold" nodeType="clickEffect">
+                                  <p:stCondLst>
+                                    <p:cond delay="0"/>
+                                  </p:stCondLst>
+                                  <p:childTnLst>
+                                    <p:set>
+                                      <p:cBhvr>
+                                        <p:cTn id="18" dur="1" fill="hold">
+                                          <p:stCondLst>
+                                            <p:cond delay="0"/>
+                                          </p:stCondLst>
+                                        </p:cTn>
+                                        <p:tgtEl>
+                                          <p:spTgt spid="3">
+                                            <p:txEl>
+                                              <p:pRg st="4" end="4"/>
+                                            </p:txEl>
+                                          </p:spTgt>
+                                        </p:tgtEl>
+                                        <p:attrNameLst>
+                                          <p:attrName>style.visibility</p:attrName>
+                                        </p:attrNameLst>
+                                      </p:cBhvr>
+                                      <p:to>
+                                        <p:strVal val="visible"/>
+                                      </p:to>
+                                    </p:set>
+                                  </p:childTnLst>
+                                </p:cTn>
+                              </p:par>
+                              <p:par>
+                                <p:cTn id="19" presetID="1" presetClass="entr" presetSubtype="0" fill="hold" nodeType="withEffect">
+                                  <p:stCondLst>
+                                    <p:cond delay="0"/>
+                                  </p:stCondLst>
+                                  <p:childTnLst>
+                                    <p:set>
+                                      <p:cBhvr>
+                                        <p:cTn id="20" dur="1" fill="hold">
+                                          <p:stCondLst>
+                                            <p:cond delay="0"/>
+                                          </p:stCondLst>
+                                        </p:cTn>
+                                        <p:tgtEl>
+                                          <p:spTgt spid="3">
+                                            <p:txEl>
+                                              <p:pRg st="5" end="5"/>
+                                            </p:txEl>
+                                          </p:spTgt>
+                                        </p:tgtEl>
+                                        <p:attrNameLst>
+                                          <p:attrName>style.visibility</p:attrName>
+                                        </p:attrNameLst>
+                                      </p:cBhvr>
+                                      <p:to>
+                                        <p:strVal val="visible"/>
+                                      </p:to>
+                                    </p:set>
+                                  </p:childTnLst>
+                                </p:cTn>
+                              </p:par>
+                            </p:childTnLst>
+                          </p:cTn>
+                        </p:par>
+                      </p:childTnLst>
+                    </p:cTn>
+                  </p:par>
+                </p:childTnLst>
+              </p:cTn>
+              <p:prevCondLst>
+                <p:cond evt="onPrev" delay="0">
+                  <p:tgtEl>
+                    <p:sldTgt/>
+                  </p:tgtEl>
+                </p:cond>
+              </p:prevCondLst>
+              <p:nextCondLst>
+                <p:cond evt="onNext" delay="0">
+                  <p:tgtEl>
+                    <p:sldTgt/>
+                  </p:tgtEl>
+                </p:cond>
+              </p:nextCondLst>
+            </p:seq>
+          </p:childTnLst>
+        </p:cTn>
+      </p:par>
+    </p:tnLst>
+  </p:timing>
+</p:sld>
+</file>
+
+<file path=ppt/slides/slide36.xml><?xml version="1.0" encoding="utf-8"?>
+<p:sld xmlns:a="http://schemas.openxmlformats.org/drawingml/2006/main" xmlns:r="http://schemas.openxmlformats.org/officeDocument/2006/relationships" xmlns:p="http://schemas.openxmlformats.org/presentationml/2006/main">
+  <p:cSld>
+    <p:spTree>
+      <p:nvGrpSpPr>
+        <p:cNvPr id="1" name=""/>
+        <p:cNvGrpSpPr/>
+        <p:nvPr/>
+      </p:nvGrpSpPr>
+      <p:grpSpPr>
+        <a:xfrm>
+          <a:off x="0" y="0"/>
+          <a:ext cx="0" cy="0"/>
+          <a:chOff x="0" y="0"/>
+          <a:chExt cx="0" cy="0"/>
+        </a:xfrm>
+      </p:grpSpPr>
+      <p:sp>
+        <p:nvSpPr>
           <p:cNvPr id="2" name="Title 1"/>
           <p:cNvSpPr>
             <a:spLocks noGrp="1" noEditPoints="1"/>
@@ -14420,7 +15830,7 @@
 </p:sld>
 </file>
 
-<file path=ppt/slides/slide32.xml><?xml version="1.0" encoding="utf-8"?>
+<file path=ppt/slides/slide37.xml><?xml version="1.0" encoding="utf-8"?>
 <p:sld xmlns:a="http://schemas.openxmlformats.org/drawingml/2006/main" xmlns:r="http://schemas.openxmlformats.org/officeDocument/2006/relationships" xmlns:p="http://schemas.openxmlformats.org/presentationml/2006/main">
   <p:cSld>
     <p:spTree>
@@ -14645,6 +16055,278 @@
 </p:sld>
 </file>
 
+<file path=ppt/slides/slide38.xml><?xml version="1.0" encoding="utf-8"?>
+<p:sld xmlns:a="http://schemas.openxmlformats.org/drawingml/2006/main" xmlns:r="http://schemas.openxmlformats.org/officeDocument/2006/relationships" xmlns:p="http://schemas.openxmlformats.org/presentationml/2006/main">
+  <p:cSld>
+    <p:spTree>
+      <p:nvGrpSpPr>
+        <p:cNvPr id="1" name=""/>
+        <p:cNvGrpSpPr/>
+        <p:nvPr/>
+      </p:nvGrpSpPr>
+      <p:grpSpPr>
+        <a:xfrm>
+          <a:off x="0" y="0"/>
+          <a:ext cx="0" cy="0"/>
+          <a:chOff x="0" y="0"/>
+          <a:chExt cx="0" cy="0"/>
+        </a:xfrm>
+      </p:grpSpPr>
+      <p:sp>
+        <p:nvSpPr>
+          <p:cNvPr id="2" name="Title 1">
+            <a:extLst>
+              <a:ext uri="{FF2B5EF4-FFF2-40B4-BE49-F238E27FC236}">
+                <a16:creationId xmlns:a16="http://schemas.microsoft.com/office/drawing/2014/main" id="{AF55EF81-5151-4A7E-9265-DE9F225D7587}"/>
+              </a:ext>
+            </a:extLst>
+          </p:cNvPr>
+          <p:cNvSpPr>
+            <a:spLocks noGrp="1"/>
+          </p:cNvSpPr>
+          <p:nvPr>
+            <p:ph type="title"/>
+          </p:nvPr>
+        </p:nvSpPr>
+        <p:spPr/>
+        <p:txBody>
+          <a:bodyPr/>
+          <a:lstStyle/>
+          <a:p>
+            <a:pPr algn="ctr"/>
+            <a:r>
+              <a:rPr lang="en-US" dirty="0"/>
+              <a:t>Sacrament or ordinance?</a:t>
+            </a:r>
+          </a:p>
+        </p:txBody>
+      </p:sp>
+      <p:sp>
+        <p:nvSpPr>
+          <p:cNvPr id="3" name="Content Placeholder 2">
+            <a:extLst>
+              <a:ext uri="{FF2B5EF4-FFF2-40B4-BE49-F238E27FC236}">
+                <a16:creationId xmlns:a16="http://schemas.microsoft.com/office/drawing/2014/main" id="{81A44273-2E36-407E-BFC0-25DC94F63B8E}"/>
+              </a:ext>
+            </a:extLst>
+          </p:cNvPr>
+          <p:cNvSpPr>
+            <a:spLocks noGrp="1"/>
+          </p:cNvSpPr>
+          <p:nvPr>
+            <p:ph idx="1"/>
+          </p:nvPr>
+        </p:nvSpPr>
+        <p:spPr/>
+        <p:txBody>
+          <a:bodyPr>
+            <a:normAutofit/>
+          </a:bodyPr>
+          <a:lstStyle/>
+          <a:p>
+            <a:r>
+              <a:rPr lang="en-US" sz="3000" dirty="0"/>
+              <a:t>Sacrament: Latin: a </a:t>
+            </a:r>
+            <a:r>
+              <a:rPr lang="en-US" sz="3000" i="1" dirty="0"/>
+              <a:t>pledge</a:t>
+            </a:r>
+            <a:r>
+              <a:rPr lang="en-US" sz="3000" dirty="0"/>
+              <a:t>, or oath of allegiance (in a military sense).</a:t>
+            </a:r>
+          </a:p>
+          <a:p>
+            <a:r>
+              <a:rPr lang="en-US" sz="3000" dirty="0" err="1"/>
+              <a:t>Ecclesiologically</a:t>
+            </a:r>
+            <a:r>
+              <a:rPr lang="en-US" sz="3000" dirty="0"/>
+              <a:t> it means </a:t>
+            </a:r>
+            <a:r>
+              <a:rPr lang="en-US" sz="3000" i="1" dirty="0"/>
+              <a:t>something sacred.</a:t>
+            </a:r>
+          </a:p>
+          <a:p>
+            <a:r>
+              <a:rPr lang="en-US" sz="3000" dirty="0"/>
+              <a:t>Greek </a:t>
+            </a:r>
+            <a:r>
+              <a:rPr lang="en-US" sz="3000" dirty="0" err="1"/>
+              <a:t>mysterion</a:t>
+            </a:r>
+            <a:r>
+              <a:rPr lang="en-US" sz="3000" dirty="0"/>
+              <a:t>: something unknown until it is revealed.</a:t>
+            </a:r>
+          </a:p>
+          <a:p>
+            <a:r>
+              <a:rPr lang="en-US" sz="3000" dirty="0"/>
+              <a:t>The use of the word ordinance or sacrament are both acceptable.</a:t>
+            </a:r>
+          </a:p>
+          <a:p>
+            <a:r>
+              <a:rPr lang="en-US" sz="3000" dirty="0"/>
+              <a:t>The word sacrament may itself not be in the Bible, but </a:t>
+            </a:r>
+            <a:r>
+              <a:rPr lang="en-US" sz="3000" dirty="0" err="1"/>
+              <a:t>neother</a:t>
+            </a:r>
+            <a:r>
+              <a:rPr lang="en-US" sz="3000" dirty="0"/>
+              <a:t> is the word Trinity.</a:t>
+            </a:r>
+          </a:p>
+        </p:txBody>
+      </p:sp>
+    </p:spTree>
+    <p:extLst>
+      <p:ext uri="{BB962C8B-B14F-4D97-AF65-F5344CB8AC3E}">
+        <p14:creationId xmlns:p14="http://schemas.microsoft.com/office/powerpoint/2010/main" val="3645123136"/>
+      </p:ext>
+    </p:extLst>
+  </p:cSld>
+  <p:clrMapOvr>
+    <a:masterClrMapping/>
+  </p:clrMapOvr>
+</p:sld>
+</file>
+
+<file path=ppt/slides/slide39.xml><?xml version="1.0" encoding="utf-8"?>
+<p:sld xmlns:a="http://schemas.openxmlformats.org/drawingml/2006/main" xmlns:r="http://schemas.openxmlformats.org/officeDocument/2006/relationships" xmlns:p="http://schemas.openxmlformats.org/presentationml/2006/main">
+  <p:cSld>
+    <p:spTree>
+      <p:nvGrpSpPr>
+        <p:cNvPr id="1" name=""/>
+        <p:cNvGrpSpPr/>
+        <p:nvPr/>
+      </p:nvGrpSpPr>
+      <p:grpSpPr>
+        <a:xfrm>
+          <a:off x="0" y="0"/>
+          <a:ext cx="0" cy="0"/>
+          <a:chOff x="0" y="0"/>
+          <a:chExt cx="0" cy="0"/>
+        </a:xfrm>
+      </p:grpSpPr>
+      <p:sp>
+        <p:nvSpPr>
+          <p:cNvPr id="2" name="Title 1">
+            <a:extLst>
+              <a:ext uri="{FF2B5EF4-FFF2-40B4-BE49-F238E27FC236}">
+                <a16:creationId xmlns:a16="http://schemas.microsoft.com/office/drawing/2014/main" id="{D0178D17-9600-442E-B87B-3A2A1A3B9B7A}"/>
+              </a:ext>
+            </a:extLst>
+          </p:cNvPr>
+          <p:cNvSpPr>
+            <a:spLocks noGrp="1"/>
+          </p:cNvSpPr>
+          <p:nvPr>
+            <p:ph type="title"/>
+          </p:nvPr>
+        </p:nvSpPr>
+        <p:spPr/>
+        <p:txBody>
+          <a:bodyPr/>
+          <a:lstStyle/>
+          <a:p>
+            <a:pPr algn="ctr"/>
+            <a:r>
+              <a:rPr lang="en-US" dirty="0"/>
+              <a:t>Diligent use of the outward means</a:t>
+            </a:r>
+          </a:p>
+        </p:txBody>
+      </p:sp>
+      <p:sp>
+        <p:nvSpPr>
+          <p:cNvPr id="3" name="Content Placeholder 2">
+            <a:extLst>
+              <a:ext uri="{FF2B5EF4-FFF2-40B4-BE49-F238E27FC236}">
+                <a16:creationId xmlns:a16="http://schemas.microsoft.com/office/drawing/2014/main" id="{DE3ACD0D-24E4-4A8F-A63F-B252145BABC9}"/>
+              </a:ext>
+            </a:extLst>
+          </p:cNvPr>
+          <p:cNvSpPr>
+            <a:spLocks noGrp="1"/>
+          </p:cNvSpPr>
+          <p:nvPr>
+            <p:ph idx="1"/>
+          </p:nvPr>
+        </p:nvSpPr>
+        <p:spPr/>
+        <p:txBody>
+          <a:bodyPr>
+            <a:normAutofit lnSpcReduction="10000"/>
+          </a:bodyPr>
+          <a:lstStyle/>
+          <a:p>
+            <a:r>
+              <a:rPr lang="en-US" dirty="0"/>
+              <a:t>Neither should we overemphasize the sacraments, nor should we underestimate them</a:t>
+            </a:r>
+          </a:p>
+          <a:p>
+            <a:r>
+              <a:rPr lang="en-US" dirty="0"/>
+              <a:t>As in Leviticus God ordained that Israel should meet God at the tent of meeting at regular times</a:t>
+            </a:r>
+          </a:p>
+          <a:p>
+            <a:r>
+              <a:rPr lang="en-US" dirty="0"/>
+              <a:t>So should we come regularly to worship every Lord’s Day</a:t>
+            </a:r>
+          </a:p>
+          <a:p>
+            <a:pPr lvl="1"/>
+            <a:r>
+              <a:rPr lang="en-US" dirty="0"/>
+              <a:t>Fourth Commandment</a:t>
+            </a:r>
+          </a:p>
+          <a:p>
+            <a:pPr lvl="1"/>
+            <a:r>
+              <a:rPr lang="en-US" dirty="0"/>
+              <a:t>“not forsaking the assembling of ourselves together” (Hebrews 10:25)</a:t>
+            </a:r>
+          </a:p>
+          <a:p>
+            <a:r>
+              <a:rPr lang="en-US" dirty="0"/>
+              <a:t>God is a God of order and regularity</a:t>
+            </a:r>
+          </a:p>
+          <a:p>
+            <a:r>
+              <a:rPr lang="en-US" dirty="0"/>
+              <a:t>We do not have to go here and there and seek spiritual delicacies, God can be found at church</a:t>
+            </a:r>
+          </a:p>
+        </p:txBody>
+      </p:sp>
+    </p:spTree>
+    <p:extLst>
+      <p:ext uri="{BB962C8B-B14F-4D97-AF65-F5344CB8AC3E}">
+        <p14:creationId xmlns:p14="http://schemas.microsoft.com/office/powerpoint/2010/main" val="836979577"/>
+      </p:ext>
+    </p:extLst>
+  </p:cSld>
+  <p:clrMapOvr>
+    <a:masterClrMapping/>
+  </p:clrMapOvr>
+</p:sld>
+</file>
+
 <file path=ppt/slides/slide4.xml><?xml version="1.0" encoding="utf-8"?>
 <p:sld xmlns:a="http://schemas.openxmlformats.org/drawingml/2006/main" xmlns:r="http://schemas.openxmlformats.org/officeDocument/2006/relationships" xmlns:p="http://schemas.openxmlformats.org/presentationml/2006/main">
   <p:cSld>
@@ -14740,6 +16422,724 @@
   <p:transition spd="slow">
     <p:wipe/>
   </p:transition>
+</p:sld>
+</file>
+
+<file path=ppt/slides/slide40.xml><?xml version="1.0" encoding="utf-8"?>
+<p:sld xmlns:a="http://schemas.openxmlformats.org/drawingml/2006/main" xmlns:r="http://schemas.openxmlformats.org/officeDocument/2006/relationships" xmlns:p="http://schemas.openxmlformats.org/presentationml/2006/main">
+  <p:cSld>
+    <p:spTree>
+      <p:nvGrpSpPr>
+        <p:cNvPr id="1" name=""/>
+        <p:cNvGrpSpPr/>
+        <p:nvPr/>
+      </p:nvGrpSpPr>
+      <p:grpSpPr>
+        <a:xfrm>
+          <a:off x="0" y="0"/>
+          <a:ext cx="0" cy="0"/>
+          <a:chOff x="0" y="0"/>
+          <a:chExt cx="0" cy="0"/>
+        </a:xfrm>
+      </p:grpSpPr>
+      <p:sp>
+        <p:nvSpPr>
+          <p:cNvPr id="2" name="Title 1">
+            <a:extLst>
+              <a:ext uri="{FF2B5EF4-FFF2-40B4-BE49-F238E27FC236}">
+                <a16:creationId xmlns:a16="http://schemas.microsoft.com/office/drawing/2014/main" id="{A51FA5AE-1DC1-4B62-981A-72321325878A}"/>
+              </a:ext>
+            </a:extLst>
+          </p:cNvPr>
+          <p:cNvSpPr>
+            <a:spLocks noGrp="1"/>
+          </p:cNvSpPr>
+          <p:nvPr>
+            <p:ph type="title"/>
+          </p:nvPr>
+        </p:nvSpPr>
+        <p:spPr/>
+        <p:txBody>
+          <a:bodyPr/>
+          <a:lstStyle/>
+          <a:p>
+            <a:pPr algn="ctr"/>
+            <a:r>
+              <a:rPr lang="en-US" dirty="0"/>
+              <a:t>The order of importance </a:t>
+            </a:r>
+          </a:p>
+        </p:txBody>
+      </p:sp>
+      <p:sp>
+        <p:nvSpPr>
+          <p:cNvPr id="3" name="Content Placeholder 2">
+            <a:extLst>
+              <a:ext uri="{FF2B5EF4-FFF2-40B4-BE49-F238E27FC236}">
+                <a16:creationId xmlns:a16="http://schemas.microsoft.com/office/drawing/2014/main" id="{023592DB-4D78-4ED4-99E4-6FE897684FE2}"/>
+              </a:ext>
+            </a:extLst>
+          </p:cNvPr>
+          <p:cNvSpPr>
+            <a:spLocks noGrp="1"/>
+          </p:cNvSpPr>
+          <p:nvPr>
+            <p:ph idx="1"/>
+          </p:nvPr>
+        </p:nvSpPr>
+        <p:spPr>
+          <a:xfrm>
+            <a:off x="838200" y="1690688"/>
+            <a:ext cx="10515600" cy="4486275"/>
+          </a:xfrm>
+        </p:spPr>
+        <p:txBody>
+          <a:bodyPr/>
+          <a:lstStyle/>
+          <a:p>
+            <a:r>
+              <a:rPr lang="en-US" dirty="0"/>
+              <a:t>Word, sacraments, prayer, discipline</a:t>
+            </a:r>
+          </a:p>
+          <a:p>
+            <a:r>
+              <a:rPr lang="en-US" dirty="0"/>
+              <a:t>The Word is primary, because it defines most objectively the doctrine of the sacraments and all the other ordinances</a:t>
+            </a:r>
+          </a:p>
+          <a:p>
+            <a:endParaRPr lang="en-US" dirty="0"/>
+          </a:p>
+        </p:txBody>
+      </p:sp>
+      <p:pic>
+        <p:nvPicPr>
+          <p:cNvPr id="5" name="Picture 4">
+            <a:extLst>
+              <a:ext uri="{FF2B5EF4-FFF2-40B4-BE49-F238E27FC236}">
+                <a16:creationId xmlns:a16="http://schemas.microsoft.com/office/drawing/2014/main" id="{A569A580-002F-4BD5-B983-0163A6123BFB}"/>
+              </a:ext>
+            </a:extLst>
+          </p:cNvPr>
+          <p:cNvPicPr>
+            <a:picLocks noChangeAspect="1"/>
+          </p:cNvPicPr>
+          <p:nvPr/>
+        </p:nvPicPr>
+        <p:blipFill>
+          <a:blip r:embed="rId2">
+            <a:extLst>
+              <a:ext uri="{28A0092B-C50C-407E-A947-70E740481C1C}">
+                <a14:useLocalDpi xmlns:a14="http://schemas.microsoft.com/office/drawing/2010/main" val="0"/>
+              </a:ext>
+            </a:extLst>
+          </a:blip>
+          <a:stretch>
+            <a:fillRect/>
+          </a:stretch>
+        </p:blipFill>
+        <p:spPr>
+          <a:xfrm>
+            <a:off x="5018314" y="3200400"/>
+            <a:ext cx="1428750" cy="1428750"/>
+          </a:xfrm>
+          <a:prstGeom prst="rect">
+            <a:avLst/>
+          </a:prstGeom>
+        </p:spPr>
+      </p:pic>
+      <p:pic>
+        <p:nvPicPr>
+          <p:cNvPr id="7" name="Picture 6">
+            <a:extLst>
+              <a:ext uri="{FF2B5EF4-FFF2-40B4-BE49-F238E27FC236}">
+                <a16:creationId xmlns:a16="http://schemas.microsoft.com/office/drawing/2014/main" id="{F8709EBA-D52E-405B-84E1-91090162464E}"/>
+              </a:ext>
+            </a:extLst>
+          </p:cNvPr>
+          <p:cNvPicPr>
+            <a:picLocks noChangeAspect="1"/>
+          </p:cNvPicPr>
+          <p:nvPr/>
+        </p:nvPicPr>
+        <p:blipFill>
+          <a:blip r:embed="rId3">
+            <a:extLst>
+              <a:ext uri="{28A0092B-C50C-407E-A947-70E740481C1C}">
+                <a14:useLocalDpi xmlns:a14="http://schemas.microsoft.com/office/drawing/2010/main" val="0"/>
+              </a:ext>
+            </a:extLst>
+          </a:blip>
+          <a:stretch>
+            <a:fillRect/>
+          </a:stretch>
+        </p:blipFill>
+        <p:spPr>
+          <a:xfrm>
+            <a:off x="6447064" y="5382611"/>
+            <a:ext cx="1994127" cy="1075095"/>
+          </a:xfrm>
+          <a:prstGeom prst="rect">
+            <a:avLst/>
+          </a:prstGeom>
+        </p:spPr>
+      </p:pic>
+      <p:pic>
+        <p:nvPicPr>
+          <p:cNvPr id="9" name="Picture 8">
+            <a:extLst>
+              <a:ext uri="{FF2B5EF4-FFF2-40B4-BE49-F238E27FC236}">
+                <a16:creationId xmlns:a16="http://schemas.microsoft.com/office/drawing/2014/main" id="{4B9597E6-17E6-42E3-A35C-A3B357546E35}"/>
+              </a:ext>
+            </a:extLst>
+          </p:cNvPr>
+          <p:cNvPicPr>
+            <a:picLocks noChangeAspect="1"/>
+          </p:cNvPicPr>
+          <p:nvPr/>
+        </p:nvPicPr>
+        <p:blipFill>
+          <a:blip r:embed="rId4">
+            <a:extLst>
+              <a:ext uri="{28A0092B-C50C-407E-A947-70E740481C1C}">
+                <a14:useLocalDpi xmlns:a14="http://schemas.microsoft.com/office/drawing/2010/main" val="0"/>
+              </a:ext>
+            </a:extLst>
+          </a:blip>
+          <a:stretch>
+            <a:fillRect/>
+          </a:stretch>
+        </p:blipFill>
+        <p:spPr>
+          <a:xfrm>
+            <a:off x="3046639" y="4660106"/>
+            <a:ext cx="1971675" cy="1485900"/>
+          </a:xfrm>
+          <a:prstGeom prst="rect">
+            <a:avLst/>
+          </a:prstGeom>
+        </p:spPr>
+      </p:pic>
+    </p:spTree>
+    <p:extLst>
+      <p:ext uri="{BB962C8B-B14F-4D97-AF65-F5344CB8AC3E}">
+        <p14:creationId xmlns:p14="http://schemas.microsoft.com/office/powerpoint/2010/main" val="2928927621"/>
+      </p:ext>
+    </p:extLst>
+  </p:cSld>
+  <p:clrMapOvr>
+    <a:masterClrMapping/>
+  </p:clrMapOvr>
+</p:sld>
+</file>
+
+<file path=ppt/slides/slide41.xml><?xml version="1.0" encoding="utf-8"?>
+<p:sld xmlns:a="http://schemas.openxmlformats.org/drawingml/2006/main" xmlns:r="http://schemas.openxmlformats.org/officeDocument/2006/relationships" xmlns:p="http://schemas.openxmlformats.org/presentationml/2006/main">
+  <p:cSld>
+    <p:spTree>
+      <p:nvGrpSpPr>
+        <p:cNvPr id="1" name=""/>
+        <p:cNvGrpSpPr/>
+        <p:nvPr/>
+      </p:nvGrpSpPr>
+      <p:grpSpPr>
+        <a:xfrm>
+          <a:off x="0" y="0"/>
+          <a:ext cx="0" cy="0"/>
+          <a:chOff x="0" y="0"/>
+          <a:chExt cx="0" cy="0"/>
+        </a:xfrm>
+      </p:grpSpPr>
+      <p:sp>
+        <p:nvSpPr>
+          <p:cNvPr id="2" name="Title 1">
+            <a:extLst>
+              <a:ext uri="{FF2B5EF4-FFF2-40B4-BE49-F238E27FC236}">
+                <a16:creationId xmlns:a16="http://schemas.microsoft.com/office/drawing/2014/main" id="{5D894837-05BB-4951-980F-69A754409340}"/>
+              </a:ext>
+            </a:extLst>
+          </p:cNvPr>
+          <p:cNvSpPr>
+            <a:spLocks noGrp="1"/>
+          </p:cNvSpPr>
+          <p:nvPr>
+            <p:ph type="title"/>
+          </p:nvPr>
+        </p:nvSpPr>
+        <p:spPr/>
+        <p:txBody>
+          <a:bodyPr/>
+          <a:lstStyle/>
+          <a:p>
+            <a:pPr algn="ctr"/>
+            <a:r>
+              <a:rPr lang="en-US" dirty="0"/>
+              <a:t>How often should we take the Lord’s Supper?</a:t>
+            </a:r>
+          </a:p>
+        </p:txBody>
+      </p:sp>
+      <p:sp>
+        <p:nvSpPr>
+          <p:cNvPr id="3" name="Content Placeholder 2">
+            <a:extLst>
+              <a:ext uri="{FF2B5EF4-FFF2-40B4-BE49-F238E27FC236}">
+                <a16:creationId xmlns:a16="http://schemas.microsoft.com/office/drawing/2014/main" id="{B9119C24-1237-4732-9A20-E4CE79B02A26}"/>
+              </a:ext>
+            </a:extLst>
+          </p:cNvPr>
+          <p:cNvSpPr>
+            <a:spLocks noGrp="1"/>
+          </p:cNvSpPr>
+          <p:nvPr>
+            <p:ph idx="1"/>
+          </p:nvPr>
+        </p:nvSpPr>
+        <p:spPr/>
+        <p:txBody>
+          <a:bodyPr>
+            <a:normAutofit lnSpcReduction="10000"/>
+          </a:bodyPr>
+          <a:lstStyle/>
+          <a:p>
+            <a:r>
+              <a:rPr lang="en-US" b="1" dirty="0"/>
+              <a:t>Q: So, how often?</a:t>
+            </a:r>
+          </a:p>
+          <a:p>
+            <a:r>
+              <a:rPr lang="en-US" dirty="0"/>
+              <a:t>Only several times a year?</a:t>
+            </a:r>
+          </a:p>
+          <a:p>
+            <a:pPr lvl="1"/>
+            <a:r>
+              <a:rPr lang="en-US" dirty="0"/>
+              <a:t>They argue that they don’t want to regularize it so that it becomes a meaningless ritual</a:t>
+            </a:r>
+          </a:p>
+          <a:p>
+            <a:pPr lvl="1"/>
+            <a:r>
+              <a:rPr lang="en-US" dirty="0"/>
+              <a:t>However, it is still a channel of grace and they impoverish themselves if they don’t</a:t>
+            </a:r>
+          </a:p>
+          <a:p>
+            <a:r>
+              <a:rPr lang="en-US" dirty="0"/>
+              <a:t>Every week?</a:t>
+            </a:r>
+          </a:p>
+          <a:p>
+            <a:pPr lvl="1"/>
+            <a:r>
+              <a:rPr lang="en-US" dirty="0"/>
+              <a:t>It is a sign of spiritual maturity of a congregation</a:t>
+            </a:r>
+          </a:p>
+          <a:p>
+            <a:pPr lvl="1"/>
+            <a:r>
+              <a:rPr lang="en-US" dirty="0"/>
+              <a:t>It is better to examine yourself before you take the Lord’s Supper (we should examine ourselves every day!)</a:t>
+            </a:r>
+          </a:p>
+          <a:p>
+            <a:pPr lvl="1"/>
+            <a:r>
+              <a:rPr lang="en-US" dirty="0"/>
+              <a:t>In the Lord’s Supper we meet Christ Himself, and it is only good if we meet with Him as much as possible</a:t>
+            </a:r>
+          </a:p>
+        </p:txBody>
+      </p:sp>
+    </p:spTree>
+    <p:extLst>
+      <p:ext uri="{BB962C8B-B14F-4D97-AF65-F5344CB8AC3E}">
+        <p14:creationId xmlns:p14="http://schemas.microsoft.com/office/powerpoint/2010/main" val="1176399584"/>
+      </p:ext>
+    </p:extLst>
+  </p:cSld>
+  <p:clrMapOvr>
+    <a:masterClrMapping/>
+  </p:clrMapOvr>
+  <p:timing>
+    <p:tnLst>
+      <p:par>
+        <p:cTn id="1" dur="indefinite" restart="never" nodeType="tmRoot">
+          <p:childTnLst>
+            <p:seq concurrent="1" nextAc="seek">
+              <p:cTn id="2" dur="indefinite" nodeType="mainSeq">
+                <p:childTnLst>
+                  <p:par>
+                    <p:cTn id="3" fill="hold">
+                      <p:stCondLst>
+                        <p:cond delay="indefinite"/>
+                      </p:stCondLst>
+                      <p:childTnLst>
+                        <p:par>
+                          <p:cTn id="4" fill="hold">
+                            <p:stCondLst>
+                              <p:cond delay="0"/>
+                            </p:stCondLst>
+                            <p:childTnLst>
+                              <p:par>
+                                <p:cTn id="5" presetID="1" presetClass="entr" presetSubtype="0" fill="hold" nodeType="clickEffect">
+                                  <p:stCondLst>
+                                    <p:cond delay="0"/>
+                                  </p:stCondLst>
+                                  <p:childTnLst>
+                                    <p:set>
+                                      <p:cBhvr>
+                                        <p:cTn id="6" dur="1" fill="hold">
+                                          <p:stCondLst>
+                                            <p:cond delay="0"/>
+                                          </p:stCondLst>
+                                        </p:cTn>
+                                        <p:tgtEl>
+                                          <p:spTgt spid="3">
+                                            <p:txEl>
+                                              <p:pRg st="1" end="1"/>
+                                            </p:txEl>
+                                          </p:spTgt>
+                                        </p:tgtEl>
+                                        <p:attrNameLst>
+                                          <p:attrName>style.visibility</p:attrName>
+                                        </p:attrNameLst>
+                                      </p:cBhvr>
+                                      <p:to>
+                                        <p:strVal val="visible"/>
+                                      </p:to>
+                                    </p:set>
+                                  </p:childTnLst>
+                                </p:cTn>
+                              </p:par>
+                            </p:childTnLst>
+                          </p:cTn>
+                        </p:par>
+                      </p:childTnLst>
+                    </p:cTn>
+                  </p:par>
+                  <p:par>
+                    <p:cTn id="7" fill="hold">
+                      <p:stCondLst>
+                        <p:cond delay="indefinite"/>
+                      </p:stCondLst>
+                      <p:childTnLst>
+                        <p:par>
+                          <p:cTn id="8" fill="hold">
+                            <p:stCondLst>
+                              <p:cond delay="0"/>
+                            </p:stCondLst>
+                            <p:childTnLst>
+                              <p:par>
+                                <p:cTn id="9" presetID="1" presetClass="entr" presetSubtype="0" fill="hold" nodeType="clickEffect">
+                                  <p:stCondLst>
+                                    <p:cond delay="0"/>
+                                  </p:stCondLst>
+                                  <p:childTnLst>
+                                    <p:set>
+                                      <p:cBhvr>
+                                        <p:cTn id="10" dur="1" fill="hold">
+                                          <p:stCondLst>
+                                            <p:cond delay="0"/>
+                                          </p:stCondLst>
+                                        </p:cTn>
+                                        <p:tgtEl>
+                                          <p:spTgt spid="3">
+                                            <p:txEl>
+                                              <p:pRg st="2" end="2"/>
+                                            </p:txEl>
+                                          </p:spTgt>
+                                        </p:tgtEl>
+                                        <p:attrNameLst>
+                                          <p:attrName>style.visibility</p:attrName>
+                                        </p:attrNameLst>
+                                      </p:cBhvr>
+                                      <p:to>
+                                        <p:strVal val="visible"/>
+                                      </p:to>
+                                    </p:set>
+                                  </p:childTnLst>
+                                </p:cTn>
+                              </p:par>
+                            </p:childTnLst>
+                          </p:cTn>
+                        </p:par>
+                      </p:childTnLst>
+                    </p:cTn>
+                  </p:par>
+                  <p:par>
+                    <p:cTn id="11" fill="hold">
+                      <p:stCondLst>
+                        <p:cond delay="indefinite"/>
+                      </p:stCondLst>
+                      <p:childTnLst>
+                        <p:par>
+                          <p:cTn id="12" fill="hold">
+                            <p:stCondLst>
+                              <p:cond delay="0"/>
+                            </p:stCondLst>
+                            <p:childTnLst>
+                              <p:par>
+                                <p:cTn id="13" presetID="1" presetClass="entr" presetSubtype="0" fill="hold" nodeType="clickEffect">
+                                  <p:stCondLst>
+                                    <p:cond delay="0"/>
+                                  </p:stCondLst>
+                                  <p:childTnLst>
+                                    <p:set>
+                                      <p:cBhvr>
+                                        <p:cTn id="14" dur="1" fill="hold">
+                                          <p:stCondLst>
+                                            <p:cond delay="0"/>
+                                          </p:stCondLst>
+                                        </p:cTn>
+                                        <p:tgtEl>
+                                          <p:spTgt spid="3">
+                                            <p:txEl>
+                                              <p:pRg st="3" end="3"/>
+                                            </p:txEl>
+                                          </p:spTgt>
+                                        </p:tgtEl>
+                                        <p:attrNameLst>
+                                          <p:attrName>style.visibility</p:attrName>
+                                        </p:attrNameLst>
+                                      </p:cBhvr>
+                                      <p:to>
+                                        <p:strVal val="visible"/>
+                                      </p:to>
+                                    </p:set>
+                                  </p:childTnLst>
+                                </p:cTn>
+                              </p:par>
+                            </p:childTnLst>
+                          </p:cTn>
+                        </p:par>
+                      </p:childTnLst>
+                    </p:cTn>
+                  </p:par>
+                  <p:par>
+                    <p:cTn id="15" fill="hold">
+                      <p:stCondLst>
+                        <p:cond delay="indefinite"/>
+                      </p:stCondLst>
+                      <p:childTnLst>
+                        <p:par>
+                          <p:cTn id="16" fill="hold">
+                            <p:stCondLst>
+                              <p:cond delay="0"/>
+                            </p:stCondLst>
+                            <p:childTnLst>
+                              <p:par>
+                                <p:cTn id="17" presetID="1" presetClass="entr" presetSubtype="0" fill="hold" nodeType="clickEffect">
+                                  <p:stCondLst>
+                                    <p:cond delay="0"/>
+                                  </p:stCondLst>
+                                  <p:childTnLst>
+                                    <p:set>
+                                      <p:cBhvr>
+                                        <p:cTn id="18" dur="1" fill="hold">
+                                          <p:stCondLst>
+                                            <p:cond delay="0"/>
+                                          </p:stCondLst>
+                                        </p:cTn>
+                                        <p:tgtEl>
+                                          <p:spTgt spid="3">
+                                            <p:txEl>
+                                              <p:pRg st="4" end="4"/>
+                                            </p:txEl>
+                                          </p:spTgt>
+                                        </p:tgtEl>
+                                        <p:attrNameLst>
+                                          <p:attrName>style.visibility</p:attrName>
+                                        </p:attrNameLst>
+                                      </p:cBhvr>
+                                      <p:to>
+                                        <p:strVal val="visible"/>
+                                      </p:to>
+                                    </p:set>
+                                  </p:childTnLst>
+                                </p:cTn>
+                              </p:par>
+                            </p:childTnLst>
+                          </p:cTn>
+                        </p:par>
+                      </p:childTnLst>
+                    </p:cTn>
+                  </p:par>
+                  <p:par>
+                    <p:cTn id="19" fill="hold">
+                      <p:stCondLst>
+                        <p:cond delay="indefinite"/>
+                      </p:stCondLst>
+                      <p:childTnLst>
+                        <p:par>
+                          <p:cTn id="20" fill="hold">
+                            <p:stCondLst>
+                              <p:cond delay="0"/>
+                            </p:stCondLst>
+                            <p:childTnLst>
+                              <p:par>
+                                <p:cTn id="21" presetID="1" presetClass="entr" presetSubtype="0" fill="hold" nodeType="clickEffect">
+                                  <p:stCondLst>
+                                    <p:cond delay="0"/>
+                                  </p:stCondLst>
+                                  <p:childTnLst>
+                                    <p:set>
+                                      <p:cBhvr>
+                                        <p:cTn id="22" dur="1" fill="hold">
+                                          <p:stCondLst>
+                                            <p:cond delay="0"/>
+                                          </p:stCondLst>
+                                        </p:cTn>
+                                        <p:tgtEl>
+                                          <p:spTgt spid="3">
+                                            <p:txEl>
+                                              <p:pRg st="5" end="5"/>
+                                            </p:txEl>
+                                          </p:spTgt>
+                                        </p:tgtEl>
+                                        <p:attrNameLst>
+                                          <p:attrName>style.visibility</p:attrName>
+                                        </p:attrNameLst>
+                                      </p:cBhvr>
+                                      <p:to>
+                                        <p:strVal val="visible"/>
+                                      </p:to>
+                                    </p:set>
+                                  </p:childTnLst>
+                                </p:cTn>
+                              </p:par>
+                            </p:childTnLst>
+                          </p:cTn>
+                        </p:par>
+                      </p:childTnLst>
+                    </p:cTn>
+                  </p:par>
+                  <p:par>
+                    <p:cTn id="23" fill="hold">
+                      <p:stCondLst>
+                        <p:cond delay="indefinite"/>
+                      </p:stCondLst>
+                      <p:childTnLst>
+                        <p:par>
+                          <p:cTn id="24" fill="hold">
+                            <p:stCondLst>
+                              <p:cond delay="0"/>
+                            </p:stCondLst>
+                            <p:childTnLst>
+                              <p:par>
+                                <p:cTn id="25" presetID="1" presetClass="entr" presetSubtype="0" fill="hold" nodeType="clickEffect">
+                                  <p:stCondLst>
+                                    <p:cond delay="0"/>
+                                  </p:stCondLst>
+                                  <p:childTnLst>
+                                    <p:set>
+                                      <p:cBhvr>
+                                        <p:cTn id="26" dur="1" fill="hold">
+                                          <p:stCondLst>
+                                            <p:cond delay="0"/>
+                                          </p:stCondLst>
+                                        </p:cTn>
+                                        <p:tgtEl>
+                                          <p:spTgt spid="3">
+                                            <p:txEl>
+                                              <p:pRg st="6" end="6"/>
+                                            </p:txEl>
+                                          </p:spTgt>
+                                        </p:tgtEl>
+                                        <p:attrNameLst>
+                                          <p:attrName>style.visibility</p:attrName>
+                                        </p:attrNameLst>
+                                      </p:cBhvr>
+                                      <p:to>
+                                        <p:strVal val="visible"/>
+                                      </p:to>
+                                    </p:set>
+                                  </p:childTnLst>
+                                </p:cTn>
+                              </p:par>
+                            </p:childTnLst>
+                          </p:cTn>
+                        </p:par>
+                      </p:childTnLst>
+                    </p:cTn>
+                  </p:par>
+                  <p:par>
+                    <p:cTn id="27" fill="hold">
+                      <p:stCondLst>
+                        <p:cond delay="indefinite"/>
+                      </p:stCondLst>
+                      <p:childTnLst>
+                        <p:par>
+                          <p:cTn id="28" fill="hold">
+                            <p:stCondLst>
+                              <p:cond delay="0"/>
+                            </p:stCondLst>
+                            <p:childTnLst>
+                              <p:par>
+                                <p:cTn id="29" presetID="1" presetClass="entr" presetSubtype="0" fill="hold" nodeType="clickEffect">
+                                  <p:stCondLst>
+                                    <p:cond delay="0"/>
+                                  </p:stCondLst>
+                                  <p:childTnLst>
+                                    <p:set>
+                                      <p:cBhvr>
+                                        <p:cTn id="30" dur="1" fill="hold">
+                                          <p:stCondLst>
+                                            <p:cond delay="0"/>
+                                          </p:stCondLst>
+                                        </p:cTn>
+                                        <p:tgtEl>
+                                          <p:spTgt spid="3">
+                                            <p:txEl>
+                                              <p:pRg st="7" end="7"/>
+                                            </p:txEl>
+                                          </p:spTgt>
+                                        </p:tgtEl>
+                                        <p:attrNameLst>
+                                          <p:attrName>style.visibility</p:attrName>
+                                        </p:attrNameLst>
+                                      </p:cBhvr>
+                                      <p:to>
+                                        <p:strVal val="visible"/>
+                                      </p:to>
+                                    </p:set>
+                                  </p:childTnLst>
+                                </p:cTn>
+                              </p:par>
+                            </p:childTnLst>
+                          </p:cTn>
+                        </p:par>
+                      </p:childTnLst>
+                    </p:cTn>
+                  </p:par>
+                </p:childTnLst>
+              </p:cTn>
+              <p:prevCondLst>
+                <p:cond evt="onPrev" delay="0">
+                  <p:tgtEl>
+                    <p:sldTgt/>
+                  </p:tgtEl>
+                </p:cond>
+              </p:prevCondLst>
+              <p:nextCondLst>
+                <p:cond evt="onNext" delay="0">
+                  <p:tgtEl>
+                    <p:sldTgt/>
+                  </p:tgtEl>
+                </p:cond>
+              </p:nextCondLst>
+            </p:seq>
+          </p:childTnLst>
+        </p:cTn>
+      </p:par>
+    </p:tnLst>
+  </p:timing>
 </p:sld>
 </file>
 
